--- a/Revised Capstone Presentation.pptx
+++ b/Revised Capstone Presentation.pptx
@@ -121,6 +121,11 @@
       </a:defRPr>
     </a:lvl9pPr>
   </p:defaultTextStyle>
+  <p:extLst>
+    <p:ext uri="{EFAFB233-063F-42B5-8137-9DF3F51BA10A}">
+      <p15:sldGuideLst xmlns:p15="http://schemas.microsoft.com/office/powerpoint/2012/main"/>
+    </p:ext>
+  </p:extLst>
 </p:presentation>
 </file>
 
@@ -14005,7 +14010,23 @@
             </a:pPr>
             <a:r>
               <a:rPr lang="en-US" sz="2400" dirty="0"/>
-              <a:t>Create tool to validate if keyboard is working or not.</a:t>
+              <a:t>Create tool to validate if keyboard is </a:t>
+            </a:r>
+            <a:r>
+              <a:rPr lang="en-US" sz="2400" b="1" i="1" dirty="0"/>
+              <a:t>working</a:t>
+            </a:r>
+            <a:r>
+              <a:rPr lang="en-US" sz="2400" dirty="0"/>
+              <a:t> or </a:t>
+            </a:r>
+            <a:r>
+              <a:rPr lang="en-US" sz="2400" b="1" i="1" dirty="0"/>
+              <a:t>not working</a:t>
+            </a:r>
+            <a:r>
+              <a:rPr lang="en-US" sz="2400" dirty="0"/>
+              <a:t>.</a:t>
             </a:r>
           </a:p>
         </p:txBody>
@@ -14094,11 +14115,10 @@
           </a:bodyPr>
           <a:lstStyle/>
           <a:p>
-            <a:pPr marL="0" indent="0">
+            <a:pPr>
               <a:lnSpc>
                 <a:spcPct val="150000"/>
               </a:lnSpc>
-              <a:buNone/>
             </a:pPr>
             <a:r>
               <a:rPr lang="en-US" sz="2400" dirty="0"/>
@@ -14106,11 +14126,10 @@
             </a:r>
           </a:p>
           <a:p>
-            <a:pPr marL="0" indent="0">
+            <a:pPr>
               <a:lnSpc>
                 <a:spcPct val="150000"/>
               </a:lnSpc>
-              <a:buNone/>
             </a:pPr>
             <a:r>
               <a:rPr lang="en-US" sz="2400" dirty="0"/>
@@ -14118,11 +14137,10 @@
             </a:r>
           </a:p>
           <a:p>
-            <a:pPr marL="0" indent="0">
+            <a:pPr>
               <a:lnSpc>
                 <a:spcPct val="150000"/>
               </a:lnSpc>
-              <a:buNone/>
             </a:pPr>
             <a:endParaRPr lang="en-US" sz="2400" dirty="0"/>
           </a:p>

--- a/Revised Capstone Presentation.pptx
+++ b/Revised Capstone Presentation.pptx
@@ -5,7 +5,7 @@
     <p:sldMasterId id="2147483660" r:id="rId1"/>
   </p:sldMasterIdLst>
   <p:notesMasterIdLst>
-    <p:notesMasterId r:id="rId17"/>
+    <p:notesMasterId r:id="rId18"/>
   </p:notesMasterIdLst>
   <p:sldIdLst>
     <p:sldId id="257" r:id="rId2"/>
@@ -14,15 +14,16 @@
     <p:sldId id="261" r:id="rId5"/>
     <p:sldId id="260" r:id="rId6"/>
     <p:sldId id="272" r:id="rId7"/>
-    <p:sldId id="262" r:id="rId8"/>
-    <p:sldId id="263" r:id="rId9"/>
-    <p:sldId id="264" r:id="rId10"/>
-    <p:sldId id="265" r:id="rId11"/>
-    <p:sldId id="266" r:id="rId12"/>
-    <p:sldId id="268" r:id="rId13"/>
-    <p:sldId id="269" r:id="rId14"/>
-    <p:sldId id="270" r:id="rId15"/>
-    <p:sldId id="271" r:id="rId16"/>
+    <p:sldId id="273" r:id="rId8"/>
+    <p:sldId id="262" r:id="rId9"/>
+    <p:sldId id="263" r:id="rId10"/>
+    <p:sldId id="264" r:id="rId11"/>
+    <p:sldId id="265" r:id="rId12"/>
+    <p:sldId id="266" r:id="rId13"/>
+    <p:sldId id="268" r:id="rId14"/>
+    <p:sldId id="269" r:id="rId15"/>
+    <p:sldId id="270" r:id="rId16"/>
+    <p:sldId id="271" r:id="rId17"/>
   </p:sldIdLst>
   <p:sldSz cx="12192000" cy="6858000"/>
   <p:notesSz cx="6858000" cy="9144000"/>
@@ -626,6 +627,121 @@
         <p:cNvPr id="1" name="">
           <a:extLst>
             <a:ext uri="{FF2B5EF4-FFF2-40B4-BE49-F238E27FC236}">
+              <a16:creationId xmlns:a16="http://schemas.microsoft.com/office/drawing/2014/main" id="{7C245A2A-919C-E7A9-0598-98C7E33849B3}"/>
+            </a:ext>
+          </a:extLst>
+        </p:cNvPr>
+        <p:cNvGrpSpPr/>
+        <p:nvPr/>
+      </p:nvGrpSpPr>
+      <p:grpSpPr>
+        <a:xfrm>
+          <a:off x="0" y="0"/>
+          <a:ext cx="0" cy="0"/>
+          <a:chOff x="0" y="0"/>
+          <a:chExt cx="0" cy="0"/>
+        </a:xfrm>
+      </p:grpSpPr>
+      <p:sp>
+        <p:nvSpPr>
+          <p:cNvPr id="2" name="Slide Image Placeholder 1">
+            <a:extLst>
+              <a:ext uri="{FF2B5EF4-FFF2-40B4-BE49-F238E27FC236}">
+                <a16:creationId xmlns:a16="http://schemas.microsoft.com/office/drawing/2014/main" id="{726A72CF-A92A-096B-7EB9-75D695BA7985}"/>
+              </a:ext>
+            </a:extLst>
+          </p:cNvPr>
+          <p:cNvSpPr>
+            <a:spLocks noGrp="1" noRot="1" noChangeAspect="1"/>
+          </p:cNvSpPr>
+          <p:nvPr>
+            <p:ph type="sldImg"/>
+          </p:nvPr>
+        </p:nvSpPr>
+        <p:spPr/>
+      </p:sp>
+      <p:sp>
+        <p:nvSpPr>
+          <p:cNvPr id="3" name="Notes Placeholder 2">
+            <a:extLst>
+              <a:ext uri="{FF2B5EF4-FFF2-40B4-BE49-F238E27FC236}">
+                <a16:creationId xmlns:a16="http://schemas.microsoft.com/office/drawing/2014/main" id="{2FCF99BA-FB68-03B0-8138-36715D9FC81E}"/>
+              </a:ext>
+            </a:extLst>
+          </p:cNvPr>
+          <p:cNvSpPr>
+            <a:spLocks noGrp="1"/>
+          </p:cNvSpPr>
+          <p:nvPr>
+            <p:ph type="body" idx="1"/>
+          </p:nvPr>
+        </p:nvSpPr>
+        <p:spPr/>
+        <p:txBody>
+          <a:bodyPr/>
+          <a:lstStyle/>
+          <a:p>
+            <a:r>
+              <a:rPr lang="en-US" dirty="0"/>
+              <a:t>https://www.researchgate.net/publication/344331692/figure/fig11/AS:965939822620684@1607309408773/Pooling-layer-The-pooling-layer-performs-a-downsampling-operation-along-the-spatial.ppm</a:t>
+            </a:r>
+          </a:p>
+          <a:p>
+            <a:endParaRPr lang="en-US" dirty="0"/>
+          </a:p>
+        </p:txBody>
+      </p:sp>
+      <p:sp>
+        <p:nvSpPr>
+          <p:cNvPr id="4" name="Slide Number Placeholder 3">
+            <a:extLst>
+              <a:ext uri="{FF2B5EF4-FFF2-40B4-BE49-F238E27FC236}">
+                <a16:creationId xmlns:a16="http://schemas.microsoft.com/office/drawing/2014/main" id="{30CD76C1-9B4C-1EB9-547E-8DD16FCE7ACA}"/>
+              </a:ext>
+            </a:extLst>
+          </p:cNvPr>
+          <p:cNvSpPr>
+            <a:spLocks noGrp="1"/>
+          </p:cNvSpPr>
+          <p:nvPr>
+            <p:ph type="sldNum" sz="quarter" idx="5"/>
+          </p:nvPr>
+        </p:nvSpPr>
+        <p:spPr/>
+        <p:txBody>
+          <a:bodyPr/>
+          <a:lstStyle/>
+          <a:p>
+            <a:fld id="{235412D2-4FCC-F140-A554-FE4E75EC1EAD}" type="slidenum">
+              <a:rPr lang="en-US" smtClean="0"/>
+              <a:pPr/>
+              <a:t>10</a:t>
+            </a:fld>
+            <a:endParaRPr lang="en-US" dirty="0"/>
+          </a:p>
+        </p:txBody>
+      </p:sp>
+    </p:spTree>
+    <p:extLst>
+      <p:ext uri="{BB962C8B-B14F-4D97-AF65-F5344CB8AC3E}">
+        <p14:creationId xmlns:p14="http://schemas.microsoft.com/office/powerpoint/2010/main" val="680706575"/>
+      </p:ext>
+    </p:extLst>
+  </p:cSld>
+  <p:clrMapOvr>
+    <a:masterClrMapping/>
+  </p:clrMapOvr>
+</p:notes>
+</file>
+
+<file path=ppt/notesSlides/notesSlide11.xml><?xml version="1.0" encoding="utf-8"?>
+<p:notes xmlns:a="http://schemas.openxmlformats.org/drawingml/2006/main" xmlns:r="http://schemas.openxmlformats.org/officeDocument/2006/relationships" xmlns:p="http://schemas.openxmlformats.org/presentationml/2006/main">
+  <p:cSld>
+    <p:spTree>
+      <p:nvGrpSpPr>
+        <p:cNvPr id="1" name="">
+          <a:extLst>
+            <a:ext uri="{FF2B5EF4-FFF2-40B4-BE49-F238E27FC236}">
               <a16:creationId xmlns:a16="http://schemas.microsoft.com/office/drawing/2014/main" id="{C2FCFC21-D4C8-BA09-4301-B14ABAF88C8E}"/>
             </a:ext>
           </a:extLst>
@@ -714,7 +830,7 @@
             <a:fld id="{235412D2-4FCC-F140-A554-FE4E75EC1EAD}" type="slidenum">
               <a:rPr lang="en-US" smtClean="0"/>
               <a:pPr/>
-              <a:t>10</a:t>
+              <a:t>11</a:t>
             </a:fld>
             <a:endParaRPr lang="en-US" dirty="0"/>
           </a:p>
@@ -733,7 +849,7 @@
 </p:notes>
 </file>
 
-<file path=ppt/notesSlides/notesSlide11.xml><?xml version="1.0" encoding="utf-8"?>
+<file path=ppt/notesSlides/notesSlide12.xml><?xml version="1.0" encoding="utf-8"?>
 <p:notes xmlns:a="http://schemas.openxmlformats.org/drawingml/2006/main" xmlns:r="http://schemas.openxmlformats.org/officeDocument/2006/relationships" xmlns:p="http://schemas.openxmlformats.org/presentationml/2006/main">
   <p:cSld>
     <p:spTree>
@@ -826,7 +942,7 @@
             <a:fld id="{235412D2-4FCC-F140-A554-FE4E75EC1EAD}" type="slidenum">
               <a:rPr lang="en-US" smtClean="0"/>
               <a:pPr/>
-              <a:t>11</a:t>
+              <a:t>12</a:t>
             </a:fld>
             <a:endParaRPr lang="en-US" dirty="0"/>
           </a:p>
@@ -1513,6 +1629,115 @@
         <p:cNvPr id="1" name="">
           <a:extLst>
             <a:ext uri="{FF2B5EF4-FFF2-40B4-BE49-F238E27FC236}">
+              <a16:creationId xmlns:a16="http://schemas.microsoft.com/office/drawing/2014/main" id="{52924BE9-04A4-8626-7142-18024D5F91E7}"/>
+            </a:ext>
+          </a:extLst>
+        </p:cNvPr>
+        <p:cNvGrpSpPr/>
+        <p:nvPr/>
+      </p:nvGrpSpPr>
+      <p:grpSpPr>
+        <a:xfrm>
+          <a:off x="0" y="0"/>
+          <a:ext cx="0" cy="0"/>
+          <a:chOff x="0" y="0"/>
+          <a:chExt cx="0" cy="0"/>
+        </a:xfrm>
+      </p:grpSpPr>
+      <p:sp>
+        <p:nvSpPr>
+          <p:cNvPr id="2" name="Slide Image Placeholder 1">
+            <a:extLst>
+              <a:ext uri="{FF2B5EF4-FFF2-40B4-BE49-F238E27FC236}">
+                <a16:creationId xmlns:a16="http://schemas.microsoft.com/office/drawing/2014/main" id="{E3D707D2-A9B5-75CD-2D4A-FCE875C5F717}"/>
+              </a:ext>
+            </a:extLst>
+          </p:cNvPr>
+          <p:cNvSpPr>
+            <a:spLocks noGrp="1" noRot="1" noChangeAspect="1"/>
+          </p:cNvSpPr>
+          <p:nvPr>
+            <p:ph type="sldImg"/>
+          </p:nvPr>
+        </p:nvSpPr>
+        <p:spPr/>
+      </p:sp>
+      <p:sp>
+        <p:nvSpPr>
+          <p:cNvPr id="3" name="Notes Placeholder 2">
+            <a:extLst>
+              <a:ext uri="{FF2B5EF4-FFF2-40B4-BE49-F238E27FC236}">
+                <a16:creationId xmlns:a16="http://schemas.microsoft.com/office/drawing/2014/main" id="{CEFD65E7-2040-1DDA-35FA-8D48C5751DCE}"/>
+              </a:ext>
+            </a:extLst>
+          </p:cNvPr>
+          <p:cNvSpPr>
+            <a:spLocks noGrp="1"/>
+          </p:cNvSpPr>
+          <p:nvPr>
+            <p:ph type="body" idx="1"/>
+          </p:nvPr>
+        </p:nvSpPr>
+        <p:spPr/>
+        <p:txBody>
+          <a:bodyPr/>
+          <a:lstStyle/>
+          <a:p>
+            <a:endParaRPr lang="en-US" dirty="0"/>
+          </a:p>
+        </p:txBody>
+      </p:sp>
+      <p:sp>
+        <p:nvSpPr>
+          <p:cNvPr id="4" name="Slide Number Placeholder 3">
+            <a:extLst>
+              <a:ext uri="{FF2B5EF4-FFF2-40B4-BE49-F238E27FC236}">
+                <a16:creationId xmlns:a16="http://schemas.microsoft.com/office/drawing/2014/main" id="{E8B4D427-08BC-8908-5790-DFC4086206FA}"/>
+              </a:ext>
+            </a:extLst>
+          </p:cNvPr>
+          <p:cNvSpPr>
+            <a:spLocks noGrp="1"/>
+          </p:cNvSpPr>
+          <p:nvPr>
+            <p:ph type="sldNum" sz="quarter" idx="5"/>
+          </p:nvPr>
+        </p:nvSpPr>
+        <p:spPr/>
+        <p:txBody>
+          <a:bodyPr/>
+          <a:lstStyle/>
+          <a:p>
+            <a:fld id="{235412D2-4FCC-F140-A554-FE4E75EC1EAD}" type="slidenum">
+              <a:rPr lang="en-US" smtClean="0"/>
+              <a:pPr/>
+              <a:t>7</a:t>
+            </a:fld>
+            <a:endParaRPr lang="en-US" dirty="0"/>
+          </a:p>
+        </p:txBody>
+      </p:sp>
+    </p:spTree>
+    <p:extLst>
+      <p:ext uri="{BB962C8B-B14F-4D97-AF65-F5344CB8AC3E}">
+        <p14:creationId xmlns:p14="http://schemas.microsoft.com/office/powerpoint/2010/main" val="4205589596"/>
+      </p:ext>
+    </p:extLst>
+  </p:cSld>
+  <p:clrMapOvr>
+    <a:masterClrMapping/>
+  </p:clrMapOvr>
+</p:notes>
+</file>
+
+<file path=ppt/notesSlides/notesSlide8.xml><?xml version="1.0" encoding="utf-8"?>
+<p:notes xmlns:a="http://schemas.openxmlformats.org/drawingml/2006/main" xmlns:r="http://schemas.openxmlformats.org/officeDocument/2006/relationships" xmlns:p="http://schemas.openxmlformats.org/presentationml/2006/main">
+  <p:cSld>
+    <p:spTree>
+      <p:nvGrpSpPr>
+        <p:cNvPr id="1" name="">
+          <a:extLst>
+            <a:ext uri="{FF2B5EF4-FFF2-40B4-BE49-F238E27FC236}">
               <a16:creationId xmlns:a16="http://schemas.microsoft.com/office/drawing/2014/main" id="{BCC824E7-EE0A-F102-02BC-C4F09EF4DE3E}"/>
             </a:ext>
           </a:extLst>
@@ -1595,7 +1820,7 @@
             <a:fld id="{235412D2-4FCC-F140-A554-FE4E75EC1EAD}" type="slidenum">
               <a:rPr lang="en-US" smtClean="0"/>
               <a:pPr/>
-              <a:t>7</a:t>
+              <a:t>8</a:t>
             </a:fld>
             <a:endParaRPr lang="en-US" dirty="0"/>
           </a:p>
@@ -1614,7 +1839,7 @@
 </p:notes>
 </file>
 
-<file path=ppt/notesSlides/notesSlide8.xml><?xml version="1.0" encoding="utf-8"?>
+<file path=ppt/notesSlides/notesSlide9.xml><?xml version="1.0" encoding="utf-8"?>
 <p:notes xmlns:a="http://schemas.openxmlformats.org/drawingml/2006/main" xmlns:r="http://schemas.openxmlformats.org/officeDocument/2006/relationships" xmlns:p="http://schemas.openxmlformats.org/presentationml/2006/main">
   <p:cSld>
     <p:spTree>
@@ -1707,7 +1932,7 @@
             <a:fld id="{235412D2-4FCC-F140-A554-FE4E75EC1EAD}" type="slidenum">
               <a:rPr lang="en-US" smtClean="0"/>
               <a:pPr/>
-              <a:t>8</a:t>
+              <a:t>9</a:t>
             </a:fld>
             <a:endParaRPr lang="en-US" dirty="0"/>
           </a:p>
@@ -1717,121 +1942,6 @@
     <p:extLst>
       <p:ext uri="{BB962C8B-B14F-4D97-AF65-F5344CB8AC3E}">
         <p14:creationId xmlns:p14="http://schemas.microsoft.com/office/powerpoint/2010/main" val="589147774"/>
-      </p:ext>
-    </p:extLst>
-  </p:cSld>
-  <p:clrMapOvr>
-    <a:masterClrMapping/>
-  </p:clrMapOvr>
-</p:notes>
-</file>
-
-<file path=ppt/notesSlides/notesSlide9.xml><?xml version="1.0" encoding="utf-8"?>
-<p:notes xmlns:a="http://schemas.openxmlformats.org/drawingml/2006/main" xmlns:r="http://schemas.openxmlformats.org/officeDocument/2006/relationships" xmlns:p="http://schemas.openxmlformats.org/presentationml/2006/main">
-  <p:cSld>
-    <p:spTree>
-      <p:nvGrpSpPr>
-        <p:cNvPr id="1" name="">
-          <a:extLst>
-            <a:ext uri="{FF2B5EF4-FFF2-40B4-BE49-F238E27FC236}">
-              <a16:creationId xmlns:a16="http://schemas.microsoft.com/office/drawing/2014/main" id="{7C245A2A-919C-E7A9-0598-98C7E33849B3}"/>
-            </a:ext>
-          </a:extLst>
-        </p:cNvPr>
-        <p:cNvGrpSpPr/>
-        <p:nvPr/>
-      </p:nvGrpSpPr>
-      <p:grpSpPr>
-        <a:xfrm>
-          <a:off x="0" y="0"/>
-          <a:ext cx="0" cy="0"/>
-          <a:chOff x="0" y="0"/>
-          <a:chExt cx="0" cy="0"/>
-        </a:xfrm>
-      </p:grpSpPr>
-      <p:sp>
-        <p:nvSpPr>
-          <p:cNvPr id="2" name="Slide Image Placeholder 1">
-            <a:extLst>
-              <a:ext uri="{FF2B5EF4-FFF2-40B4-BE49-F238E27FC236}">
-                <a16:creationId xmlns:a16="http://schemas.microsoft.com/office/drawing/2014/main" id="{726A72CF-A92A-096B-7EB9-75D695BA7985}"/>
-              </a:ext>
-            </a:extLst>
-          </p:cNvPr>
-          <p:cNvSpPr>
-            <a:spLocks noGrp="1" noRot="1" noChangeAspect="1"/>
-          </p:cNvSpPr>
-          <p:nvPr>
-            <p:ph type="sldImg"/>
-          </p:nvPr>
-        </p:nvSpPr>
-        <p:spPr/>
-      </p:sp>
-      <p:sp>
-        <p:nvSpPr>
-          <p:cNvPr id="3" name="Notes Placeholder 2">
-            <a:extLst>
-              <a:ext uri="{FF2B5EF4-FFF2-40B4-BE49-F238E27FC236}">
-                <a16:creationId xmlns:a16="http://schemas.microsoft.com/office/drawing/2014/main" id="{2FCF99BA-FB68-03B0-8138-36715D9FC81E}"/>
-              </a:ext>
-            </a:extLst>
-          </p:cNvPr>
-          <p:cNvSpPr>
-            <a:spLocks noGrp="1"/>
-          </p:cNvSpPr>
-          <p:nvPr>
-            <p:ph type="body" idx="1"/>
-          </p:nvPr>
-        </p:nvSpPr>
-        <p:spPr/>
-        <p:txBody>
-          <a:bodyPr/>
-          <a:lstStyle/>
-          <a:p>
-            <a:r>
-              <a:rPr lang="en-US" dirty="0"/>
-              <a:t>https://www.researchgate.net/publication/344331692/figure/fig11/AS:965939822620684@1607309408773/Pooling-layer-The-pooling-layer-performs-a-downsampling-operation-along-the-spatial.ppm</a:t>
-            </a:r>
-          </a:p>
-          <a:p>
-            <a:endParaRPr lang="en-US" dirty="0"/>
-          </a:p>
-        </p:txBody>
-      </p:sp>
-      <p:sp>
-        <p:nvSpPr>
-          <p:cNvPr id="4" name="Slide Number Placeholder 3">
-            <a:extLst>
-              <a:ext uri="{FF2B5EF4-FFF2-40B4-BE49-F238E27FC236}">
-                <a16:creationId xmlns:a16="http://schemas.microsoft.com/office/drawing/2014/main" id="{30CD76C1-9B4C-1EB9-547E-8DD16FCE7ACA}"/>
-              </a:ext>
-            </a:extLst>
-          </p:cNvPr>
-          <p:cNvSpPr>
-            <a:spLocks noGrp="1"/>
-          </p:cNvSpPr>
-          <p:nvPr>
-            <p:ph type="sldNum" sz="quarter" idx="5"/>
-          </p:nvPr>
-        </p:nvSpPr>
-        <p:spPr/>
-        <p:txBody>
-          <a:bodyPr/>
-          <a:lstStyle/>
-          <a:p>
-            <a:fld id="{235412D2-4FCC-F140-A554-FE4E75EC1EAD}" type="slidenum">
-              <a:rPr lang="en-US" smtClean="0"/>
-              <a:pPr/>
-              <a:t>9</a:t>
-            </a:fld>
-            <a:endParaRPr lang="en-US" dirty="0"/>
-          </a:p>
-        </p:txBody>
-      </p:sp>
-    </p:spTree>
-    <p:extLst>
-      <p:ext uri="{BB962C8B-B14F-4D97-AF65-F5344CB8AC3E}">
-        <p14:creationId xmlns:p14="http://schemas.microsoft.com/office/powerpoint/2010/main" val="680706575"/>
       </p:ext>
     </p:extLst>
   </p:cSld>
@@ -11064,6 +11174,680 @@
         <p:cNvPr id="1" name="">
           <a:extLst>
             <a:ext uri="{FF2B5EF4-FFF2-40B4-BE49-F238E27FC236}">
+              <a16:creationId xmlns:a16="http://schemas.microsoft.com/office/drawing/2014/main" id="{00E0F23C-47E7-EF58-5A93-79FA233B59FA}"/>
+            </a:ext>
+          </a:extLst>
+        </p:cNvPr>
+        <p:cNvGrpSpPr/>
+        <p:nvPr/>
+      </p:nvGrpSpPr>
+      <p:grpSpPr>
+        <a:xfrm>
+          <a:off x="0" y="0"/>
+          <a:ext cx="0" cy="0"/>
+          <a:chOff x="0" y="0"/>
+          <a:chExt cx="0" cy="0"/>
+        </a:xfrm>
+      </p:grpSpPr>
+      <p:sp>
+        <p:nvSpPr>
+          <p:cNvPr id="9" name="Title 8">
+            <a:extLst>
+              <a:ext uri="{FF2B5EF4-FFF2-40B4-BE49-F238E27FC236}">
+                <a16:creationId xmlns:a16="http://schemas.microsoft.com/office/drawing/2014/main" id="{1939085D-9648-D417-ED57-029D06722728}"/>
+              </a:ext>
+            </a:extLst>
+          </p:cNvPr>
+          <p:cNvSpPr>
+            <a:spLocks noGrp="1"/>
+          </p:cNvSpPr>
+          <p:nvPr>
+            <p:ph type="title"/>
+          </p:nvPr>
+        </p:nvSpPr>
+        <p:spPr/>
+        <p:txBody>
+          <a:bodyPr/>
+          <a:lstStyle/>
+          <a:p>
+            <a:r>
+              <a:rPr lang="en-US" dirty="0"/>
+              <a:t>Technology used </a:t>
+            </a:r>
+          </a:p>
+        </p:txBody>
+      </p:sp>
+      <p:sp>
+        <p:nvSpPr>
+          <p:cNvPr id="4" name="TextBox 3">
+            <a:extLst>
+              <a:ext uri="{FF2B5EF4-FFF2-40B4-BE49-F238E27FC236}">
+                <a16:creationId xmlns:a16="http://schemas.microsoft.com/office/drawing/2014/main" id="{CAC1CD64-BC6A-614E-B988-58BCAA625A2E}"/>
+              </a:ext>
+            </a:extLst>
+          </p:cNvPr>
+          <p:cNvSpPr txBox="1"/>
+          <p:nvPr/>
+        </p:nvSpPr>
+        <p:spPr>
+          <a:xfrm>
+            <a:off x="1561514" y="1378634"/>
+            <a:ext cx="8736037" cy="3031588"/>
+          </a:xfrm>
+          <a:prstGeom prst="rect">
+            <a:avLst/>
+          </a:prstGeom>
+        </p:spPr>
+        <p:txBody>
+          <a:bodyPr vert="horz" wrap="square" lIns="91440" tIns="45720" rIns="91440" bIns="45720" rtlCol="0" anchor="t" anchorCtr="0">
+            <a:normAutofit/>
+          </a:bodyPr>
+          <a:lstStyle/>
+          <a:p>
+            <a:pPr algn="l"/>
+            <a:endParaRPr lang="en-US" sz="1100" dirty="0">
+              <a:solidFill>
+                <a:schemeClr val="bg2"/>
+              </a:solidFill>
+            </a:endParaRPr>
+          </a:p>
+        </p:txBody>
+      </p:sp>
+      <p:sp>
+        <p:nvSpPr>
+          <p:cNvPr id="8" name="TextBox 7">
+            <a:extLst>
+              <a:ext uri="{FF2B5EF4-FFF2-40B4-BE49-F238E27FC236}">
+                <a16:creationId xmlns:a16="http://schemas.microsoft.com/office/drawing/2014/main" id="{38EC47FA-0437-25EB-D535-C94D1783FE3B}"/>
+              </a:ext>
+            </a:extLst>
+          </p:cNvPr>
+          <p:cNvSpPr txBox="1"/>
+          <p:nvPr/>
+        </p:nvSpPr>
+        <p:spPr>
+          <a:xfrm>
+            <a:off x="1329397" y="1329397"/>
+            <a:ext cx="8532055" cy="3080824"/>
+          </a:xfrm>
+          <a:prstGeom prst="rect">
+            <a:avLst/>
+          </a:prstGeom>
+        </p:spPr>
+        <p:txBody>
+          <a:bodyPr vert="horz" wrap="square" lIns="91440" tIns="45720" rIns="91440" bIns="45720" rtlCol="0" anchor="t" anchorCtr="0">
+            <a:normAutofit/>
+          </a:bodyPr>
+          <a:lstStyle/>
+          <a:p>
+            <a:pPr algn="l"/>
+            <a:endParaRPr lang="en-US" sz="1100" dirty="0">
+              <a:solidFill>
+                <a:schemeClr val="bg2"/>
+              </a:solidFill>
+            </a:endParaRPr>
+          </a:p>
+        </p:txBody>
+      </p:sp>
+      <p:sp>
+        <p:nvSpPr>
+          <p:cNvPr id="13" name="Content Placeholder 9">
+            <a:extLst>
+              <a:ext uri="{FF2B5EF4-FFF2-40B4-BE49-F238E27FC236}">
+                <a16:creationId xmlns:a16="http://schemas.microsoft.com/office/drawing/2014/main" id="{80F88BB7-A19A-5FC9-7396-F7CF9BB88DB5}"/>
+              </a:ext>
+            </a:extLst>
+          </p:cNvPr>
+          <p:cNvSpPr>
+            <a:spLocks noGrp="1"/>
+          </p:cNvSpPr>
+          <p:nvPr>
+            <p:ph idx="10"/>
+          </p:nvPr>
+        </p:nvSpPr>
+        <p:spPr>
+          <a:xfrm>
+            <a:off x="914400" y="1549432"/>
+            <a:ext cx="10363200" cy="3225766"/>
+          </a:xfrm>
+        </p:spPr>
+        <p:txBody>
+          <a:bodyPr>
+            <a:normAutofit/>
+          </a:bodyPr>
+          <a:lstStyle/>
+          <a:p>
+            <a:pPr>
+              <a:lnSpc>
+                <a:spcPct val="150000"/>
+              </a:lnSpc>
+            </a:pPr>
+            <a:r>
+              <a:rPr lang="en-US" sz="1400" dirty="0"/>
+              <a:t>MaxPooling2D</a:t>
+            </a:r>
+          </a:p>
+          <a:p>
+            <a:pPr>
+              <a:lnSpc>
+                <a:spcPct val="150000"/>
+              </a:lnSpc>
+            </a:pPr>
+            <a:r>
+              <a:rPr lang="en-US" sz="1400" dirty="0"/>
+              <a:t>Down samples feature map while retaining important information</a:t>
+            </a:r>
+          </a:p>
+          <a:p>
+            <a:pPr>
+              <a:lnSpc>
+                <a:spcPct val="150000"/>
+              </a:lnSpc>
+            </a:pPr>
+            <a:r>
+              <a:rPr lang="en-US" sz="1400" dirty="0"/>
+              <a:t>Applies max() of each region in Feature Map</a:t>
+            </a:r>
+          </a:p>
+          <a:p>
+            <a:pPr>
+              <a:lnSpc>
+                <a:spcPct val="150000"/>
+              </a:lnSpc>
+            </a:pPr>
+            <a:r>
+              <a:rPr lang="en-US" sz="1400" dirty="0"/>
+              <a:t> E.g., if feature map is 4x4, it will be reduced to 2x2</a:t>
+            </a:r>
+          </a:p>
+          <a:p>
+            <a:pPr>
+              <a:lnSpc>
+                <a:spcPct val="150000"/>
+              </a:lnSpc>
+            </a:pPr>
+            <a:endParaRPr lang="en-US" sz="1400" dirty="0"/>
+          </a:p>
+          <a:p>
+            <a:pPr>
+              <a:lnSpc>
+                <a:spcPct val="150000"/>
+              </a:lnSpc>
+            </a:pPr>
+            <a:endParaRPr lang="en-US" sz="1400" b="1" dirty="0"/>
+          </a:p>
+          <a:p>
+            <a:pPr>
+              <a:lnSpc>
+                <a:spcPct val="150000"/>
+              </a:lnSpc>
+            </a:pPr>
+            <a:endParaRPr lang="en-US" sz="1400" dirty="0"/>
+          </a:p>
+          <a:p>
+            <a:pPr>
+              <a:lnSpc>
+                <a:spcPct val="150000"/>
+              </a:lnSpc>
+            </a:pPr>
+            <a:endParaRPr lang="en-US" sz="1400" dirty="0"/>
+          </a:p>
+          <a:p>
+            <a:pPr>
+              <a:lnSpc>
+                <a:spcPct val="150000"/>
+              </a:lnSpc>
+            </a:pPr>
+            <a:endParaRPr lang="en-US" sz="1400" dirty="0"/>
+          </a:p>
+          <a:p>
+            <a:pPr>
+              <a:lnSpc>
+                <a:spcPct val="150000"/>
+              </a:lnSpc>
+            </a:pPr>
+            <a:endParaRPr lang="en-US" sz="1400" dirty="0"/>
+          </a:p>
+          <a:p>
+            <a:pPr>
+              <a:lnSpc>
+                <a:spcPct val="150000"/>
+              </a:lnSpc>
+            </a:pPr>
+            <a:endParaRPr lang="en-US" sz="1400" dirty="0"/>
+          </a:p>
+        </p:txBody>
+      </p:sp>
+      <p:pic>
+        <p:nvPicPr>
+          <p:cNvPr id="2050" name="Picture 2" descr="10: Pooling layer. The pooling layer performs a downsampling operation... |  Download Scientific Diagram">
+            <a:extLst>
+              <a:ext uri="{FF2B5EF4-FFF2-40B4-BE49-F238E27FC236}">
+                <a16:creationId xmlns:a16="http://schemas.microsoft.com/office/drawing/2014/main" id="{7CC06334-3309-598A-B98C-8DCC3499911F}"/>
+              </a:ext>
+            </a:extLst>
+          </p:cNvPr>
+          <p:cNvPicPr>
+            <a:picLocks noChangeAspect="1" noChangeArrowheads="1"/>
+          </p:cNvPicPr>
+          <p:nvPr/>
+        </p:nvPicPr>
+        <p:blipFill>
+          <a:blip r:embed="rId3">
+            <a:extLst>
+              <a:ext uri="{28A0092B-C50C-407E-A947-70E740481C1C}">
+                <a14:useLocalDpi xmlns:a14="http://schemas.microsoft.com/office/drawing/2010/main" val="0"/>
+              </a:ext>
+            </a:extLst>
+          </a:blip>
+          <a:srcRect/>
+          <a:stretch>
+            <a:fillRect/>
+          </a:stretch>
+        </p:blipFill>
+        <p:spPr bwMode="auto">
+          <a:xfrm>
+            <a:off x="7512365" y="114545"/>
+            <a:ext cx="4473309" cy="1968256"/>
+          </a:xfrm>
+          <a:prstGeom prst="rect">
+            <a:avLst/>
+          </a:prstGeom>
+          <a:noFill/>
+          <a:extLst>
+            <a:ext uri="{909E8E84-426E-40DD-AFC4-6F175D3DCCD1}">
+              <a14:hiddenFill xmlns:a14="http://schemas.microsoft.com/office/drawing/2010/main">
+                <a:solidFill>
+                  <a:srgbClr val="FFFFFF"/>
+                </a:solidFill>
+              </a14:hiddenFill>
+            </a:ext>
+          </a:extLst>
+        </p:spPr>
+      </p:pic>
+      <p:sp>
+        <p:nvSpPr>
+          <p:cNvPr id="2" name="Rectangle 1">
+            <a:extLst>
+              <a:ext uri="{FF2B5EF4-FFF2-40B4-BE49-F238E27FC236}">
+                <a16:creationId xmlns:a16="http://schemas.microsoft.com/office/drawing/2014/main" id="{422D5D94-7AA6-B634-DE0E-62F074303F3A}"/>
+              </a:ext>
+            </a:extLst>
+          </p:cNvPr>
+          <p:cNvSpPr/>
+          <p:nvPr/>
+        </p:nvSpPr>
+        <p:spPr>
+          <a:xfrm>
+            <a:off x="1561514" y="4886801"/>
+            <a:ext cx="1915886" cy="859971"/>
+          </a:xfrm>
+          <a:prstGeom prst="rect">
+            <a:avLst/>
+          </a:prstGeom>
+          <a:solidFill>
+            <a:schemeClr val="accent1"/>
+          </a:solidFill>
+          <a:ln>
+            <a:noFill/>
+          </a:ln>
+        </p:spPr>
+        <p:style>
+          <a:lnRef idx="2">
+            <a:schemeClr val="accent1">
+              <a:shade val="50000"/>
+            </a:schemeClr>
+          </a:lnRef>
+          <a:fillRef idx="1">
+            <a:schemeClr val="accent1"/>
+          </a:fillRef>
+          <a:effectRef idx="0">
+            <a:schemeClr val="accent1"/>
+          </a:effectRef>
+          <a:fontRef idx="minor">
+            <a:schemeClr val="lt1"/>
+          </a:fontRef>
+        </p:style>
+        <p:txBody>
+          <a:bodyPr rtlCol="0" anchor="ctr"/>
+          <a:lstStyle/>
+          <a:p>
+            <a:pPr algn="ctr"/>
+            <a:r>
+              <a:rPr lang="en-US" sz="1100" dirty="0">
+                <a:solidFill>
+                  <a:schemeClr val="tx2"/>
+                </a:solidFill>
+              </a:rPr>
+              <a:t>Conv2D</a:t>
+            </a:r>
+          </a:p>
+        </p:txBody>
+      </p:sp>
+      <p:sp>
+        <p:nvSpPr>
+          <p:cNvPr id="3" name="Rectangle 2">
+            <a:extLst>
+              <a:ext uri="{FF2B5EF4-FFF2-40B4-BE49-F238E27FC236}">
+                <a16:creationId xmlns:a16="http://schemas.microsoft.com/office/drawing/2014/main" id="{32462EDC-EA82-0ACA-2496-39240A050DF0}"/>
+              </a:ext>
+            </a:extLst>
+          </p:cNvPr>
+          <p:cNvSpPr/>
+          <p:nvPr/>
+        </p:nvSpPr>
+        <p:spPr>
+          <a:xfrm>
+            <a:off x="4119657" y="4886801"/>
+            <a:ext cx="1915886" cy="859971"/>
+          </a:xfrm>
+          <a:prstGeom prst="rect">
+            <a:avLst/>
+          </a:prstGeom>
+          <a:solidFill>
+            <a:schemeClr val="accent3"/>
+          </a:solidFill>
+          <a:ln>
+            <a:noFill/>
+          </a:ln>
+        </p:spPr>
+        <p:style>
+          <a:lnRef idx="2">
+            <a:schemeClr val="accent1">
+              <a:shade val="50000"/>
+            </a:schemeClr>
+          </a:lnRef>
+          <a:fillRef idx="1">
+            <a:schemeClr val="accent1"/>
+          </a:fillRef>
+          <a:effectRef idx="0">
+            <a:schemeClr val="accent1"/>
+          </a:effectRef>
+          <a:fontRef idx="minor">
+            <a:schemeClr val="lt1"/>
+          </a:fontRef>
+        </p:style>
+        <p:txBody>
+          <a:bodyPr rtlCol="0" anchor="ctr"/>
+          <a:lstStyle/>
+          <a:p>
+            <a:pPr algn="ctr"/>
+            <a:r>
+              <a:rPr lang="en-US" sz="1100" dirty="0">
+                <a:solidFill>
+                  <a:schemeClr val="tx2"/>
+                </a:solidFill>
+              </a:rPr>
+              <a:t>MaxPooling2D</a:t>
+            </a:r>
+          </a:p>
+        </p:txBody>
+      </p:sp>
+      <p:sp>
+        <p:nvSpPr>
+          <p:cNvPr id="10" name="Rectangle 9">
+            <a:extLst>
+              <a:ext uri="{FF2B5EF4-FFF2-40B4-BE49-F238E27FC236}">
+                <a16:creationId xmlns:a16="http://schemas.microsoft.com/office/drawing/2014/main" id="{66C351DA-C647-1A48-7913-C4E7A5764F05}"/>
+              </a:ext>
+            </a:extLst>
+          </p:cNvPr>
+          <p:cNvSpPr/>
+          <p:nvPr/>
+        </p:nvSpPr>
+        <p:spPr>
+          <a:xfrm>
+            <a:off x="6677800" y="4886801"/>
+            <a:ext cx="1915886" cy="859971"/>
+          </a:xfrm>
+          <a:prstGeom prst="rect">
+            <a:avLst/>
+          </a:prstGeom>
+          <a:solidFill>
+            <a:schemeClr val="accent1"/>
+          </a:solidFill>
+          <a:ln>
+            <a:noFill/>
+          </a:ln>
+        </p:spPr>
+        <p:style>
+          <a:lnRef idx="2">
+            <a:schemeClr val="accent1">
+              <a:shade val="50000"/>
+            </a:schemeClr>
+          </a:lnRef>
+          <a:fillRef idx="1">
+            <a:schemeClr val="accent1"/>
+          </a:fillRef>
+          <a:effectRef idx="0">
+            <a:schemeClr val="accent1"/>
+          </a:effectRef>
+          <a:fontRef idx="minor">
+            <a:schemeClr val="lt1"/>
+          </a:fontRef>
+        </p:style>
+        <p:txBody>
+          <a:bodyPr rtlCol="0" anchor="ctr"/>
+          <a:lstStyle/>
+          <a:p>
+            <a:pPr algn="ctr"/>
+            <a:r>
+              <a:rPr lang="en-US" sz="1100" dirty="0">
+                <a:solidFill>
+                  <a:schemeClr val="tx2"/>
+                </a:solidFill>
+              </a:rPr>
+              <a:t>Flatten</a:t>
+            </a:r>
+          </a:p>
+        </p:txBody>
+      </p:sp>
+      <p:cxnSp>
+        <p:nvCxnSpPr>
+          <p:cNvPr id="14" name="Straight Arrow Connector 13">
+            <a:extLst>
+              <a:ext uri="{FF2B5EF4-FFF2-40B4-BE49-F238E27FC236}">
+                <a16:creationId xmlns:a16="http://schemas.microsoft.com/office/drawing/2014/main" id="{4F884806-45B5-08F1-8F2F-4A25806A6604}"/>
+              </a:ext>
+            </a:extLst>
+          </p:cNvPr>
+          <p:cNvCxnSpPr>
+            <a:endCxn id="3" idx="1"/>
+          </p:cNvCxnSpPr>
+          <p:nvPr/>
+        </p:nvCxnSpPr>
+        <p:spPr>
+          <a:xfrm>
+            <a:off x="3586257" y="5333116"/>
+            <a:ext cx="457200" cy="0"/>
+          </a:xfrm>
+          <a:prstGeom prst="straightConnector1">
+            <a:avLst/>
+          </a:prstGeom>
+          <a:ln>
+            <a:tailEnd type="triangle"/>
+          </a:ln>
+        </p:spPr>
+        <p:style>
+          <a:lnRef idx="1">
+            <a:schemeClr val="accent1"/>
+          </a:lnRef>
+          <a:fillRef idx="0">
+            <a:schemeClr val="accent1"/>
+          </a:fillRef>
+          <a:effectRef idx="0">
+            <a:schemeClr val="accent1"/>
+          </a:effectRef>
+          <a:fontRef idx="minor">
+            <a:schemeClr val="tx1"/>
+          </a:fontRef>
+        </p:style>
+      </p:cxnSp>
+      <p:cxnSp>
+        <p:nvCxnSpPr>
+          <p:cNvPr id="15" name="Straight Arrow Connector 14">
+            <a:extLst>
+              <a:ext uri="{FF2B5EF4-FFF2-40B4-BE49-F238E27FC236}">
+                <a16:creationId xmlns:a16="http://schemas.microsoft.com/office/drawing/2014/main" id="{4BED14F6-785A-15EC-7952-280255D93C33}"/>
+              </a:ext>
+            </a:extLst>
+          </p:cNvPr>
+          <p:cNvCxnSpPr>
+            <a:cxnSpLocks/>
+          </p:cNvCxnSpPr>
+          <p:nvPr/>
+        </p:nvCxnSpPr>
+        <p:spPr>
+          <a:xfrm>
+            <a:off x="6111743" y="5333116"/>
+            <a:ext cx="457200" cy="0"/>
+          </a:xfrm>
+          <a:prstGeom prst="straightConnector1">
+            <a:avLst/>
+          </a:prstGeom>
+          <a:ln>
+            <a:tailEnd type="triangle"/>
+          </a:ln>
+        </p:spPr>
+        <p:style>
+          <a:lnRef idx="1">
+            <a:schemeClr val="accent1"/>
+          </a:lnRef>
+          <a:fillRef idx="0">
+            <a:schemeClr val="accent1"/>
+          </a:fillRef>
+          <a:effectRef idx="0">
+            <a:schemeClr val="accent1"/>
+          </a:effectRef>
+          <a:fontRef idx="minor">
+            <a:schemeClr val="tx1"/>
+          </a:fontRef>
+        </p:style>
+      </p:cxnSp>
+      <p:sp>
+        <p:nvSpPr>
+          <p:cNvPr id="16" name="Rectangle 15">
+            <a:extLst>
+              <a:ext uri="{FF2B5EF4-FFF2-40B4-BE49-F238E27FC236}">
+                <a16:creationId xmlns:a16="http://schemas.microsoft.com/office/drawing/2014/main" id="{236AAD11-9FE8-6A04-159F-F8C20A0C7778}"/>
+              </a:ext>
+            </a:extLst>
+          </p:cNvPr>
+          <p:cNvSpPr/>
+          <p:nvPr/>
+        </p:nvSpPr>
+        <p:spPr>
+          <a:xfrm>
+            <a:off x="9268600" y="4855061"/>
+            <a:ext cx="1915886" cy="859971"/>
+          </a:xfrm>
+          <a:prstGeom prst="rect">
+            <a:avLst/>
+          </a:prstGeom>
+          <a:solidFill>
+            <a:schemeClr val="accent1"/>
+          </a:solidFill>
+          <a:ln>
+            <a:noFill/>
+          </a:ln>
+        </p:spPr>
+        <p:style>
+          <a:lnRef idx="2">
+            <a:schemeClr val="accent1">
+              <a:shade val="50000"/>
+            </a:schemeClr>
+          </a:lnRef>
+          <a:fillRef idx="1">
+            <a:schemeClr val="accent1"/>
+          </a:fillRef>
+          <a:effectRef idx="0">
+            <a:schemeClr val="accent1"/>
+          </a:effectRef>
+          <a:fontRef idx="minor">
+            <a:schemeClr val="lt1"/>
+          </a:fontRef>
+        </p:style>
+        <p:txBody>
+          <a:bodyPr rtlCol="0" anchor="ctr"/>
+          <a:lstStyle/>
+          <a:p>
+            <a:pPr algn="ctr"/>
+            <a:r>
+              <a:rPr lang="en-US" sz="1100" dirty="0">
+                <a:solidFill>
+                  <a:schemeClr val="tx2"/>
+                </a:solidFill>
+              </a:rPr>
+              <a:t>Dense</a:t>
+            </a:r>
+          </a:p>
+        </p:txBody>
+      </p:sp>
+      <p:cxnSp>
+        <p:nvCxnSpPr>
+          <p:cNvPr id="17" name="Straight Arrow Connector 16">
+            <a:extLst>
+              <a:ext uri="{FF2B5EF4-FFF2-40B4-BE49-F238E27FC236}">
+                <a16:creationId xmlns:a16="http://schemas.microsoft.com/office/drawing/2014/main" id="{D229E4D6-4954-F369-52F6-CCF345DD104E}"/>
+              </a:ext>
+            </a:extLst>
+          </p:cNvPr>
+          <p:cNvCxnSpPr>
+            <a:cxnSpLocks/>
+          </p:cNvCxnSpPr>
+          <p:nvPr/>
+        </p:nvCxnSpPr>
+        <p:spPr>
+          <a:xfrm>
+            <a:off x="8702543" y="5301376"/>
+            <a:ext cx="457200" cy="0"/>
+          </a:xfrm>
+          <a:prstGeom prst="straightConnector1">
+            <a:avLst/>
+          </a:prstGeom>
+          <a:ln>
+            <a:tailEnd type="triangle"/>
+          </a:ln>
+        </p:spPr>
+        <p:style>
+          <a:lnRef idx="1">
+            <a:schemeClr val="accent1"/>
+          </a:lnRef>
+          <a:fillRef idx="0">
+            <a:schemeClr val="accent1"/>
+          </a:fillRef>
+          <a:effectRef idx="0">
+            <a:schemeClr val="accent1"/>
+          </a:effectRef>
+          <a:fontRef idx="minor">
+            <a:schemeClr val="tx1"/>
+          </a:fontRef>
+        </p:style>
+      </p:cxnSp>
+    </p:spTree>
+    <p:extLst>
+      <p:ext uri="{BB962C8B-B14F-4D97-AF65-F5344CB8AC3E}">
+        <p14:creationId xmlns:p14="http://schemas.microsoft.com/office/powerpoint/2010/main" val="2097601247"/>
+      </p:ext>
+    </p:extLst>
+  </p:cSld>
+  <p:clrMapOvr>
+    <a:masterClrMapping/>
+  </p:clrMapOvr>
+  <p:transition>
+    <p:fade/>
+  </p:transition>
+</p:sld>
+</file>
+
+<file path=ppt/slides/slide11.xml><?xml version="1.0" encoding="utf-8"?>
+<p:sld xmlns:a="http://schemas.openxmlformats.org/drawingml/2006/main" xmlns:r="http://schemas.openxmlformats.org/officeDocument/2006/relationships" xmlns:p="http://schemas.openxmlformats.org/presentationml/2006/main">
+  <p:cSld>
+    <p:spTree>
+      <p:nvGrpSpPr>
+        <p:cNvPr id="1" name="">
+          <a:extLst>
+            <a:ext uri="{FF2B5EF4-FFF2-40B4-BE49-F238E27FC236}">
               <a16:creationId xmlns:a16="http://schemas.microsoft.com/office/drawing/2014/main" id="{4355147E-1807-089B-392A-288771C1AB8A}"/>
             </a:ext>
           </a:extLst>
@@ -11708,7 +12492,7 @@
 </p:sld>
 </file>
 
-<file path=ppt/slides/slide11.xml><?xml version="1.0" encoding="utf-8"?>
+<file path=ppt/slides/slide12.xml><?xml version="1.0" encoding="utf-8"?>
 <p:sld xmlns:a="http://schemas.openxmlformats.org/drawingml/2006/main" xmlns:r="http://schemas.openxmlformats.org/officeDocument/2006/relationships" xmlns:p="http://schemas.openxmlformats.org/presentationml/2006/main">
   <p:cSld>
     <p:spTree>
@@ -12424,7 +13208,7 @@
 </p:sld>
 </file>
 
-<file path=ppt/slides/slide12.xml><?xml version="1.0" encoding="utf-8"?>
+<file path=ppt/slides/slide13.xml><?xml version="1.0" encoding="utf-8"?>
 <p:sld xmlns:a="http://schemas.openxmlformats.org/drawingml/2006/main" xmlns:r="http://schemas.openxmlformats.org/officeDocument/2006/relationships" xmlns:p="http://schemas.openxmlformats.org/presentationml/2006/main">
   <p:cSld>
     <p:spTree>
@@ -13195,7 +13979,7 @@
 </p:sld>
 </file>
 
-<file path=ppt/slides/slide13.xml><?xml version="1.0" encoding="utf-8"?>
+<file path=ppt/slides/slide14.xml><?xml version="1.0" encoding="utf-8"?>
 <p:sld xmlns:a="http://schemas.openxmlformats.org/drawingml/2006/main" xmlns:r="http://schemas.openxmlformats.org/officeDocument/2006/relationships" xmlns:p="http://schemas.openxmlformats.org/presentationml/2006/main">
   <p:cSld>
     <p:spTree>
@@ -13780,7 +14564,7 @@
 </p:sld>
 </file>
 
-<file path=ppt/slides/slide14.xml><?xml version="1.0" encoding="utf-8"?>
+<file path=ppt/slides/slide15.xml><?xml version="1.0" encoding="utf-8"?>
 <p:sld xmlns:a="http://schemas.openxmlformats.org/drawingml/2006/main" xmlns:r="http://schemas.openxmlformats.org/officeDocument/2006/relationships" xmlns:p="http://schemas.openxmlformats.org/presentationml/2006/main">
   <p:cSld>
     <p:spTree>
@@ -13847,7 +14631,7 @@
 </p:sld>
 </file>
 
-<file path=ppt/slides/slide15.xml><?xml version="1.0" encoding="utf-8"?>
+<file path=ppt/slides/slide16.xml><?xml version="1.0" encoding="utf-8"?>
 <p:sld xmlns:a="http://schemas.openxmlformats.org/drawingml/2006/main" xmlns:r="http://schemas.openxmlformats.org/officeDocument/2006/relationships" xmlns:p="http://schemas.openxmlformats.org/presentationml/2006/main">
   <p:cSld>
     <p:spTree>
@@ -14630,6 +15414,492 @@
         <p:cNvPr id="1" name="">
           <a:extLst>
             <a:ext uri="{FF2B5EF4-FFF2-40B4-BE49-F238E27FC236}">
+              <a16:creationId xmlns:a16="http://schemas.microsoft.com/office/drawing/2014/main" id="{4DE35508-76D1-2952-7AAE-34DCD0BC993C}"/>
+            </a:ext>
+          </a:extLst>
+        </p:cNvPr>
+        <p:cNvGrpSpPr/>
+        <p:nvPr/>
+      </p:nvGrpSpPr>
+      <p:grpSpPr>
+        <a:xfrm>
+          <a:off x="0" y="0"/>
+          <a:ext cx="0" cy="0"/>
+          <a:chOff x="0" y="0"/>
+          <a:chExt cx="0" cy="0"/>
+        </a:xfrm>
+      </p:grpSpPr>
+      <p:sp>
+        <p:nvSpPr>
+          <p:cNvPr id="9" name="Title 8">
+            <a:extLst>
+              <a:ext uri="{FF2B5EF4-FFF2-40B4-BE49-F238E27FC236}">
+                <a16:creationId xmlns:a16="http://schemas.microsoft.com/office/drawing/2014/main" id="{5408C28F-D0F1-608C-384B-3C0A6C11F921}"/>
+              </a:ext>
+            </a:extLst>
+          </p:cNvPr>
+          <p:cNvSpPr>
+            <a:spLocks noGrp="1"/>
+          </p:cNvSpPr>
+          <p:nvPr>
+            <p:ph type="title"/>
+          </p:nvPr>
+        </p:nvSpPr>
+        <p:spPr/>
+        <p:txBody>
+          <a:bodyPr/>
+          <a:lstStyle/>
+          <a:p>
+            <a:r>
+              <a:rPr lang="en-US" dirty="0"/>
+              <a:t>Technology used (Transfer Learning) </a:t>
+            </a:r>
+          </a:p>
+        </p:txBody>
+      </p:sp>
+      <p:sp>
+        <p:nvSpPr>
+          <p:cNvPr id="10" name="Content Placeholder 9">
+            <a:extLst>
+              <a:ext uri="{FF2B5EF4-FFF2-40B4-BE49-F238E27FC236}">
+                <a16:creationId xmlns:a16="http://schemas.microsoft.com/office/drawing/2014/main" id="{F437CDC7-3926-ADAF-6FC1-33553558E198}"/>
+              </a:ext>
+            </a:extLst>
+          </p:cNvPr>
+          <p:cNvSpPr>
+            <a:spLocks noGrp="1"/>
+          </p:cNvSpPr>
+          <p:nvPr>
+            <p:ph idx="10"/>
+          </p:nvPr>
+        </p:nvSpPr>
+        <p:spPr>
+          <a:xfrm>
+            <a:off x="914400" y="1549432"/>
+            <a:ext cx="10363200" cy="1250909"/>
+          </a:xfrm>
+        </p:spPr>
+        <p:txBody>
+          <a:bodyPr>
+            <a:normAutofit/>
+          </a:bodyPr>
+          <a:lstStyle/>
+          <a:p>
+            <a:pPr>
+              <a:lnSpc>
+                <a:spcPct val="150000"/>
+              </a:lnSpc>
+            </a:pPr>
+            <a:endParaRPr lang="en-US" sz="2400" dirty="0"/>
+          </a:p>
+          <a:p>
+            <a:pPr>
+              <a:lnSpc>
+                <a:spcPct val="150000"/>
+              </a:lnSpc>
+            </a:pPr>
+            <a:r>
+              <a:rPr lang="en-US" sz="2400" u="sng" dirty="0"/>
+              <a:t>4</a:t>
+            </a:r>
+            <a:r>
+              <a:rPr lang="en-US" sz="2400" dirty="0"/>
+              <a:t> Processes used</a:t>
+            </a:r>
+          </a:p>
+          <a:p>
+            <a:pPr>
+              <a:lnSpc>
+                <a:spcPct val="150000"/>
+              </a:lnSpc>
+            </a:pPr>
+            <a:endParaRPr lang="en-US" sz="2400" dirty="0"/>
+          </a:p>
+        </p:txBody>
+      </p:sp>
+      <p:sp>
+        <p:nvSpPr>
+          <p:cNvPr id="5" name="Rectangle 4">
+            <a:extLst>
+              <a:ext uri="{FF2B5EF4-FFF2-40B4-BE49-F238E27FC236}">
+                <a16:creationId xmlns:a16="http://schemas.microsoft.com/office/drawing/2014/main" id="{D18A1797-447A-0D30-0433-CBC20E7DB73C}"/>
+              </a:ext>
+            </a:extLst>
+          </p:cNvPr>
+          <p:cNvSpPr/>
+          <p:nvPr/>
+        </p:nvSpPr>
+        <p:spPr>
+          <a:xfrm>
+            <a:off x="1518557" y="3460740"/>
+            <a:ext cx="1915886" cy="859971"/>
+          </a:xfrm>
+          <a:prstGeom prst="rect">
+            <a:avLst/>
+          </a:prstGeom>
+          <a:solidFill>
+            <a:schemeClr val="accent1"/>
+          </a:solidFill>
+          <a:ln>
+            <a:noFill/>
+          </a:ln>
+        </p:spPr>
+        <p:style>
+          <a:lnRef idx="2">
+            <a:schemeClr val="accent1">
+              <a:shade val="50000"/>
+            </a:schemeClr>
+          </a:lnRef>
+          <a:fillRef idx="1">
+            <a:schemeClr val="accent1"/>
+          </a:fillRef>
+          <a:effectRef idx="0">
+            <a:schemeClr val="accent1"/>
+          </a:effectRef>
+          <a:fontRef idx="minor">
+            <a:schemeClr val="lt1"/>
+          </a:fontRef>
+        </p:style>
+        <p:txBody>
+          <a:bodyPr rtlCol="0" anchor="ctr"/>
+          <a:lstStyle/>
+          <a:p>
+            <a:pPr algn="ctr"/>
+            <a:r>
+              <a:rPr lang="en-US" sz="1100" dirty="0">
+                <a:solidFill>
+                  <a:schemeClr val="tx2"/>
+                </a:solidFill>
+              </a:rPr>
+              <a:t>GlobalAvgPool2D</a:t>
+            </a:r>
+          </a:p>
+        </p:txBody>
+      </p:sp>
+      <p:sp>
+        <p:nvSpPr>
+          <p:cNvPr id="6" name="Rectangle 5">
+            <a:extLst>
+              <a:ext uri="{FF2B5EF4-FFF2-40B4-BE49-F238E27FC236}">
+                <a16:creationId xmlns:a16="http://schemas.microsoft.com/office/drawing/2014/main" id="{328F6E28-59F8-D2F0-F998-F3FA317A2AE6}"/>
+              </a:ext>
+            </a:extLst>
+          </p:cNvPr>
+          <p:cNvSpPr/>
+          <p:nvPr/>
+        </p:nvSpPr>
+        <p:spPr>
+          <a:xfrm>
+            <a:off x="4076700" y="3460740"/>
+            <a:ext cx="1915886" cy="859971"/>
+          </a:xfrm>
+          <a:prstGeom prst="rect">
+            <a:avLst/>
+          </a:prstGeom>
+          <a:solidFill>
+            <a:schemeClr val="accent1"/>
+          </a:solidFill>
+          <a:ln>
+            <a:noFill/>
+          </a:ln>
+        </p:spPr>
+        <p:style>
+          <a:lnRef idx="2">
+            <a:schemeClr val="accent1">
+              <a:shade val="50000"/>
+            </a:schemeClr>
+          </a:lnRef>
+          <a:fillRef idx="1">
+            <a:schemeClr val="accent1"/>
+          </a:fillRef>
+          <a:effectRef idx="0">
+            <a:schemeClr val="accent1"/>
+          </a:effectRef>
+          <a:fontRef idx="minor">
+            <a:schemeClr val="lt1"/>
+          </a:fontRef>
+        </p:style>
+        <p:txBody>
+          <a:bodyPr rtlCol="0" anchor="ctr"/>
+          <a:lstStyle/>
+          <a:p>
+            <a:pPr algn="ctr"/>
+            <a:r>
+              <a:rPr lang="en-US" sz="1100" dirty="0">
+                <a:solidFill>
+                  <a:schemeClr val="tx2"/>
+                </a:solidFill>
+              </a:rPr>
+              <a:t>Dense(512)</a:t>
+            </a:r>
+          </a:p>
+        </p:txBody>
+      </p:sp>
+      <p:sp>
+        <p:nvSpPr>
+          <p:cNvPr id="7" name="Rectangle 6">
+            <a:extLst>
+              <a:ext uri="{FF2B5EF4-FFF2-40B4-BE49-F238E27FC236}">
+                <a16:creationId xmlns:a16="http://schemas.microsoft.com/office/drawing/2014/main" id="{CBE5124A-0413-EA07-105A-0D11FF909607}"/>
+              </a:ext>
+            </a:extLst>
+          </p:cNvPr>
+          <p:cNvSpPr/>
+          <p:nvPr/>
+        </p:nvSpPr>
+        <p:spPr>
+          <a:xfrm>
+            <a:off x="6634843" y="3460740"/>
+            <a:ext cx="1915886" cy="859971"/>
+          </a:xfrm>
+          <a:prstGeom prst="rect">
+            <a:avLst/>
+          </a:prstGeom>
+          <a:solidFill>
+            <a:schemeClr val="accent1"/>
+          </a:solidFill>
+          <a:ln>
+            <a:noFill/>
+          </a:ln>
+        </p:spPr>
+        <p:style>
+          <a:lnRef idx="2">
+            <a:schemeClr val="accent1">
+              <a:shade val="50000"/>
+            </a:schemeClr>
+          </a:lnRef>
+          <a:fillRef idx="1">
+            <a:schemeClr val="accent1"/>
+          </a:fillRef>
+          <a:effectRef idx="0">
+            <a:schemeClr val="accent1"/>
+          </a:effectRef>
+          <a:fontRef idx="minor">
+            <a:schemeClr val="lt1"/>
+          </a:fontRef>
+        </p:style>
+        <p:txBody>
+          <a:bodyPr rtlCol="0" anchor="ctr"/>
+          <a:lstStyle/>
+          <a:p>
+            <a:pPr algn="ctr"/>
+            <a:r>
+              <a:rPr lang="en-US" sz="1100" dirty="0">
+                <a:solidFill>
+                  <a:schemeClr val="tx2"/>
+                </a:solidFill>
+              </a:rPr>
+              <a:t>Dropout</a:t>
+            </a:r>
+          </a:p>
+        </p:txBody>
+      </p:sp>
+      <p:cxnSp>
+        <p:nvCxnSpPr>
+          <p:cNvPr id="11" name="Straight Arrow Connector 10">
+            <a:extLst>
+              <a:ext uri="{FF2B5EF4-FFF2-40B4-BE49-F238E27FC236}">
+                <a16:creationId xmlns:a16="http://schemas.microsoft.com/office/drawing/2014/main" id="{EB97B156-D576-92B0-29CD-A80561BCB388}"/>
+              </a:ext>
+            </a:extLst>
+          </p:cNvPr>
+          <p:cNvCxnSpPr>
+            <a:endCxn id="6" idx="1"/>
+          </p:cNvCxnSpPr>
+          <p:nvPr/>
+        </p:nvCxnSpPr>
+        <p:spPr>
+          <a:xfrm>
+            <a:off x="3543300" y="3907055"/>
+            <a:ext cx="457200" cy="0"/>
+          </a:xfrm>
+          <a:prstGeom prst="straightConnector1">
+            <a:avLst/>
+          </a:prstGeom>
+          <a:ln>
+            <a:tailEnd type="triangle"/>
+          </a:ln>
+        </p:spPr>
+        <p:style>
+          <a:lnRef idx="1">
+            <a:schemeClr val="accent1"/>
+          </a:lnRef>
+          <a:fillRef idx="0">
+            <a:schemeClr val="accent1"/>
+          </a:fillRef>
+          <a:effectRef idx="0">
+            <a:schemeClr val="accent1"/>
+          </a:effectRef>
+          <a:fontRef idx="minor">
+            <a:schemeClr val="tx1"/>
+          </a:fontRef>
+        </p:style>
+      </p:cxnSp>
+      <p:cxnSp>
+        <p:nvCxnSpPr>
+          <p:cNvPr id="12" name="Straight Arrow Connector 11">
+            <a:extLst>
+              <a:ext uri="{FF2B5EF4-FFF2-40B4-BE49-F238E27FC236}">
+                <a16:creationId xmlns:a16="http://schemas.microsoft.com/office/drawing/2014/main" id="{077473F6-1330-45AB-6B25-A2D074FEDA47}"/>
+              </a:ext>
+            </a:extLst>
+          </p:cNvPr>
+          <p:cNvCxnSpPr>
+            <a:cxnSpLocks/>
+          </p:cNvCxnSpPr>
+          <p:nvPr/>
+        </p:nvCxnSpPr>
+        <p:spPr>
+          <a:xfrm>
+            <a:off x="6068786" y="3907055"/>
+            <a:ext cx="457200" cy="0"/>
+          </a:xfrm>
+          <a:prstGeom prst="straightConnector1">
+            <a:avLst/>
+          </a:prstGeom>
+          <a:ln>
+            <a:tailEnd type="triangle"/>
+          </a:ln>
+        </p:spPr>
+        <p:style>
+          <a:lnRef idx="1">
+            <a:schemeClr val="accent1"/>
+          </a:lnRef>
+          <a:fillRef idx="0">
+            <a:schemeClr val="accent1"/>
+          </a:fillRef>
+          <a:effectRef idx="0">
+            <a:schemeClr val="accent1"/>
+          </a:effectRef>
+          <a:fontRef idx="minor">
+            <a:schemeClr val="tx1"/>
+          </a:fontRef>
+        </p:style>
+      </p:cxnSp>
+      <p:sp>
+        <p:nvSpPr>
+          <p:cNvPr id="14" name="Rectangle 13">
+            <a:extLst>
+              <a:ext uri="{FF2B5EF4-FFF2-40B4-BE49-F238E27FC236}">
+                <a16:creationId xmlns:a16="http://schemas.microsoft.com/office/drawing/2014/main" id="{D302CB14-63DD-1252-CBDF-5E8C0795291A}"/>
+              </a:ext>
+            </a:extLst>
+          </p:cNvPr>
+          <p:cNvSpPr/>
+          <p:nvPr/>
+        </p:nvSpPr>
+        <p:spPr>
+          <a:xfrm>
+            <a:off x="9225643" y="3429000"/>
+            <a:ext cx="1915886" cy="859971"/>
+          </a:xfrm>
+          <a:prstGeom prst="rect">
+            <a:avLst/>
+          </a:prstGeom>
+          <a:solidFill>
+            <a:schemeClr val="accent1"/>
+          </a:solidFill>
+          <a:ln>
+            <a:noFill/>
+          </a:ln>
+        </p:spPr>
+        <p:style>
+          <a:lnRef idx="2">
+            <a:schemeClr val="accent1">
+              <a:shade val="50000"/>
+            </a:schemeClr>
+          </a:lnRef>
+          <a:fillRef idx="1">
+            <a:schemeClr val="accent1"/>
+          </a:fillRef>
+          <a:effectRef idx="0">
+            <a:schemeClr val="accent1"/>
+          </a:effectRef>
+          <a:fontRef idx="minor">
+            <a:schemeClr val="lt1"/>
+          </a:fontRef>
+        </p:style>
+        <p:txBody>
+          <a:bodyPr rtlCol="0" anchor="ctr"/>
+          <a:lstStyle/>
+          <a:p>
+            <a:pPr algn="ctr"/>
+            <a:r>
+              <a:rPr lang="en-US" sz="1100" dirty="0">
+                <a:solidFill>
+                  <a:schemeClr val="tx2"/>
+                </a:solidFill>
+              </a:rPr>
+              <a:t>Dense</a:t>
+            </a:r>
+          </a:p>
+        </p:txBody>
+      </p:sp>
+      <p:cxnSp>
+        <p:nvCxnSpPr>
+          <p:cNvPr id="15" name="Straight Arrow Connector 14">
+            <a:extLst>
+              <a:ext uri="{FF2B5EF4-FFF2-40B4-BE49-F238E27FC236}">
+                <a16:creationId xmlns:a16="http://schemas.microsoft.com/office/drawing/2014/main" id="{CE6FE008-6889-CB06-A1D0-3615A1A6F177}"/>
+              </a:ext>
+            </a:extLst>
+          </p:cNvPr>
+          <p:cNvCxnSpPr>
+            <a:cxnSpLocks/>
+          </p:cNvCxnSpPr>
+          <p:nvPr/>
+        </p:nvCxnSpPr>
+        <p:spPr>
+          <a:xfrm>
+            <a:off x="8659586" y="3875315"/>
+            <a:ext cx="457200" cy="0"/>
+          </a:xfrm>
+          <a:prstGeom prst="straightConnector1">
+            <a:avLst/>
+          </a:prstGeom>
+          <a:ln>
+            <a:tailEnd type="triangle"/>
+          </a:ln>
+        </p:spPr>
+        <p:style>
+          <a:lnRef idx="1">
+            <a:schemeClr val="accent1"/>
+          </a:lnRef>
+          <a:fillRef idx="0">
+            <a:schemeClr val="accent1"/>
+          </a:fillRef>
+          <a:effectRef idx="0">
+            <a:schemeClr val="accent1"/>
+          </a:effectRef>
+          <a:fontRef idx="minor">
+            <a:schemeClr val="tx1"/>
+          </a:fontRef>
+        </p:style>
+      </p:cxnSp>
+    </p:spTree>
+    <p:extLst>
+      <p:ext uri="{BB962C8B-B14F-4D97-AF65-F5344CB8AC3E}">
+        <p14:creationId xmlns:p14="http://schemas.microsoft.com/office/powerpoint/2010/main" val="1943585765"/>
+      </p:ext>
+    </p:extLst>
+  </p:cSld>
+  <p:clrMapOvr>
+    <a:masterClrMapping/>
+  </p:clrMapOvr>
+  <p:transition>
+    <p:fade/>
+  </p:transition>
+</p:sld>
+</file>
+
+<file path=ppt/slides/slide8.xml><?xml version="1.0" encoding="utf-8"?>
+<p:sld xmlns:a="http://schemas.openxmlformats.org/drawingml/2006/main" xmlns:r="http://schemas.openxmlformats.org/officeDocument/2006/relationships" xmlns:p="http://schemas.openxmlformats.org/presentationml/2006/main">
+  <p:cSld>
+    <p:spTree>
+      <p:nvGrpSpPr>
+        <p:cNvPr id="1" name="">
+          <a:extLst>
+            <a:ext uri="{FF2B5EF4-FFF2-40B4-BE49-F238E27FC236}">
               <a16:creationId xmlns:a16="http://schemas.microsoft.com/office/drawing/2014/main" id="{EA2830CB-6882-283B-6985-EFB2124B00D7}"/>
             </a:ext>
           </a:extLst>
@@ -14668,8 +15938,13 @@
           <a:p>
             <a:r>
               <a:rPr lang="en-US" dirty="0"/>
-              <a:t>Technology used </a:t>
-            </a:r>
+              <a:t>Technology used (w/o </a:t>
+            </a:r>
+            <a:r>
+              <a:rPr lang="en-US"/>
+              <a:t>xfer learning) </a:t>
+            </a:r>
+            <a:endParaRPr lang="en-US" dirty="0"/>
           </a:p>
         </p:txBody>
       </p:sp>
@@ -15108,7 +16383,7 @@
 </p:sld>
 </file>
 
-<file path=ppt/slides/slide8.xml><?xml version="1.0" encoding="utf-8"?>
+<file path=ppt/slides/slide9.xml><?xml version="1.0" encoding="utf-8"?>
 <p:sld xmlns:a="http://schemas.openxmlformats.org/drawingml/2006/main" xmlns:r="http://schemas.openxmlformats.org/officeDocument/2006/relationships" xmlns:p="http://schemas.openxmlformats.org/presentationml/2006/main">
   <p:cSld>
     <p:spTree>
@@ -15769,680 +17044,6 @@
     <p:extLst>
       <p:ext uri="{BB962C8B-B14F-4D97-AF65-F5344CB8AC3E}">
         <p14:creationId xmlns:p14="http://schemas.microsoft.com/office/powerpoint/2010/main" val="845801550"/>
-      </p:ext>
-    </p:extLst>
-  </p:cSld>
-  <p:clrMapOvr>
-    <a:masterClrMapping/>
-  </p:clrMapOvr>
-  <p:transition>
-    <p:fade/>
-  </p:transition>
-</p:sld>
-</file>
-
-<file path=ppt/slides/slide9.xml><?xml version="1.0" encoding="utf-8"?>
-<p:sld xmlns:a="http://schemas.openxmlformats.org/drawingml/2006/main" xmlns:r="http://schemas.openxmlformats.org/officeDocument/2006/relationships" xmlns:p="http://schemas.openxmlformats.org/presentationml/2006/main">
-  <p:cSld>
-    <p:spTree>
-      <p:nvGrpSpPr>
-        <p:cNvPr id="1" name="">
-          <a:extLst>
-            <a:ext uri="{FF2B5EF4-FFF2-40B4-BE49-F238E27FC236}">
-              <a16:creationId xmlns:a16="http://schemas.microsoft.com/office/drawing/2014/main" id="{00E0F23C-47E7-EF58-5A93-79FA233B59FA}"/>
-            </a:ext>
-          </a:extLst>
-        </p:cNvPr>
-        <p:cNvGrpSpPr/>
-        <p:nvPr/>
-      </p:nvGrpSpPr>
-      <p:grpSpPr>
-        <a:xfrm>
-          <a:off x="0" y="0"/>
-          <a:ext cx="0" cy="0"/>
-          <a:chOff x="0" y="0"/>
-          <a:chExt cx="0" cy="0"/>
-        </a:xfrm>
-      </p:grpSpPr>
-      <p:sp>
-        <p:nvSpPr>
-          <p:cNvPr id="9" name="Title 8">
-            <a:extLst>
-              <a:ext uri="{FF2B5EF4-FFF2-40B4-BE49-F238E27FC236}">
-                <a16:creationId xmlns:a16="http://schemas.microsoft.com/office/drawing/2014/main" id="{1939085D-9648-D417-ED57-029D06722728}"/>
-              </a:ext>
-            </a:extLst>
-          </p:cNvPr>
-          <p:cNvSpPr>
-            <a:spLocks noGrp="1"/>
-          </p:cNvSpPr>
-          <p:nvPr>
-            <p:ph type="title"/>
-          </p:nvPr>
-        </p:nvSpPr>
-        <p:spPr/>
-        <p:txBody>
-          <a:bodyPr/>
-          <a:lstStyle/>
-          <a:p>
-            <a:r>
-              <a:rPr lang="en-US" dirty="0"/>
-              <a:t>Technology used </a:t>
-            </a:r>
-          </a:p>
-        </p:txBody>
-      </p:sp>
-      <p:sp>
-        <p:nvSpPr>
-          <p:cNvPr id="4" name="TextBox 3">
-            <a:extLst>
-              <a:ext uri="{FF2B5EF4-FFF2-40B4-BE49-F238E27FC236}">
-                <a16:creationId xmlns:a16="http://schemas.microsoft.com/office/drawing/2014/main" id="{CAC1CD64-BC6A-614E-B988-58BCAA625A2E}"/>
-              </a:ext>
-            </a:extLst>
-          </p:cNvPr>
-          <p:cNvSpPr txBox="1"/>
-          <p:nvPr/>
-        </p:nvSpPr>
-        <p:spPr>
-          <a:xfrm>
-            <a:off x="1561514" y="1378634"/>
-            <a:ext cx="8736037" cy="3031588"/>
-          </a:xfrm>
-          <a:prstGeom prst="rect">
-            <a:avLst/>
-          </a:prstGeom>
-        </p:spPr>
-        <p:txBody>
-          <a:bodyPr vert="horz" wrap="square" lIns="91440" tIns="45720" rIns="91440" bIns="45720" rtlCol="0" anchor="t" anchorCtr="0">
-            <a:normAutofit/>
-          </a:bodyPr>
-          <a:lstStyle/>
-          <a:p>
-            <a:pPr algn="l"/>
-            <a:endParaRPr lang="en-US" sz="1100" dirty="0">
-              <a:solidFill>
-                <a:schemeClr val="bg2"/>
-              </a:solidFill>
-            </a:endParaRPr>
-          </a:p>
-        </p:txBody>
-      </p:sp>
-      <p:sp>
-        <p:nvSpPr>
-          <p:cNvPr id="8" name="TextBox 7">
-            <a:extLst>
-              <a:ext uri="{FF2B5EF4-FFF2-40B4-BE49-F238E27FC236}">
-                <a16:creationId xmlns:a16="http://schemas.microsoft.com/office/drawing/2014/main" id="{38EC47FA-0437-25EB-D535-C94D1783FE3B}"/>
-              </a:ext>
-            </a:extLst>
-          </p:cNvPr>
-          <p:cNvSpPr txBox="1"/>
-          <p:nvPr/>
-        </p:nvSpPr>
-        <p:spPr>
-          <a:xfrm>
-            <a:off x="1329397" y="1329397"/>
-            <a:ext cx="8532055" cy="3080824"/>
-          </a:xfrm>
-          <a:prstGeom prst="rect">
-            <a:avLst/>
-          </a:prstGeom>
-        </p:spPr>
-        <p:txBody>
-          <a:bodyPr vert="horz" wrap="square" lIns="91440" tIns="45720" rIns="91440" bIns="45720" rtlCol="0" anchor="t" anchorCtr="0">
-            <a:normAutofit/>
-          </a:bodyPr>
-          <a:lstStyle/>
-          <a:p>
-            <a:pPr algn="l"/>
-            <a:endParaRPr lang="en-US" sz="1100" dirty="0">
-              <a:solidFill>
-                <a:schemeClr val="bg2"/>
-              </a:solidFill>
-            </a:endParaRPr>
-          </a:p>
-        </p:txBody>
-      </p:sp>
-      <p:sp>
-        <p:nvSpPr>
-          <p:cNvPr id="13" name="Content Placeholder 9">
-            <a:extLst>
-              <a:ext uri="{FF2B5EF4-FFF2-40B4-BE49-F238E27FC236}">
-                <a16:creationId xmlns:a16="http://schemas.microsoft.com/office/drawing/2014/main" id="{80F88BB7-A19A-5FC9-7396-F7CF9BB88DB5}"/>
-              </a:ext>
-            </a:extLst>
-          </p:cNvPr>
-          <p:cNvSpPr>
-            <a:spLocks noGrp="1"/>
-          </p:cNvSpPr>
-          <p:nvPr>
-            <p:ph idx="10"/>
-          </p:nvPr>
-        </p:nvSpPr>
-        <p:spPr>
-          <a:xfrm>
-            <a:off x="914400" y="1549432"/>
-            <a:ext cx="10363200" cy="3225766"/>
-          </a:xfrm>
-        </p:spPr>
-        <p:txBody>
-          <a:bodyPr>
-            <a:normAutofit/>
-          </a:bodyPr>
-          <a:lstStyle/>
-          <a:p>
-            <a:pPr>
-              <a:lnSpc>
-                <a:spcPct val="150000"/>
-              </a:lnSpc>
-            </a:pPr>
-            <a:r>
-              <a:rPr lang="en-US" sz="1400" dirty="0"/>
-              <a:t>MaxPooling2D</a:t>
-            </a:r>
-          </a:p>
-          <a:p>
-            <a:pPr>
-              <a:lnSpc>
-                <a:spcPct val="150000"/>
-              </a:lnSpc>
-            </a:pPr>
-            <a:r>
-              <a:rPr lang="en-US" sz="1400" dirty="0"/>
-              <a:t>Down samples feature map while retaining important information</a:t>
-            </a:r>
-          </a:p>
-          <a:p>
-            <a:pPr>
-              <a:lnSpc>
-                <a:spcPct val="150000"/>
-              </a:lnSpc>
-            </a:pPr>
-            <a:r>
-              <a:rPr lang="en-US" sz="1400" dirty="0"/>
-              <a:t>Applies max() of each region in Feature Map</a:t>
-            </a:r>
-          </a:p>
-          <a:p>
-            <a:pPr>
-              <a:lnSpc>
-                <a:spcPct val="150000"/>
-              </a:lnSpc>
-            </a:pPr>
-            <a:r>
-              <a:rPr lang="en-US" sz="1400" dirty="0"/>
-              <a:t> E.g., if feature map is 4x4, it will be reduced to 2x2</a:t>
-            </a:r>
-          </a:p>
-          <a:p>
-            <a:pPr>
-              <a:lnSpc>
-                <a:spcPct val="150000"/>
-              </a:lnSpc>
-            </a:pPr>
-            <a:endParaRPr lang="en-US" sz="1400" dirty="0"/>
-          </a:p>
-          <a:p>
-            <a:pPr>
-              <a:lnSpc>
-                <a:spcPct val="150000"/>
-              </a:lnSpc>
-            </a:pPr>
-            <a:endParaRPr lang="en-US" sz="1400" b="1" dirty="0"/>
-          </a:p>
-          <a:p>
-            <a:pPr>
-              <a:lnSpc>
-                <a:spcPct val="150000"/>
-              </a:lnSpc>
-            </a:pPr>
-            <a:endParaRPr lang="en-US" sz="1400" dirty="0"/>
-          </a:p>
-          <a:p>
-            <a:pPr>
-              <a:lnSpc>
-                <a:spcPct val="150000"/>
-              </a:lnSpc>
-            </a:pPr>
-            <a:endParaRPr lang="en-US" sz="1400" dirty="0"/>
-          </a:p>
-          <a:p>
-            <a:pPr>
-              <a:lnSpc>
-                <a:spcPct val="150000"/>
-              </a:lnSpc>
-            </a:pPr>
-            <a:endParaRPr lang="en-US" sz="1400" dirty="0"/>
-          </a:p>
-          <a:p>
-            <a:pPr>
-              <a:lnSpc>
-                <a:spcPct val="150000"/>
-              </a:lnSpc>
-            </a:pPr>
-            <a:endParaRPr lang="en-US" sz="1400" dirty="0"/>
-          </a:p>
-          <a:p>
-            <a:pPr>
-              <a:lnSpc>
-                <a:spcPct val="150000"/>
-              </a:lnSpc>
-            </a:pPr>
-            <a:endParaRPr lang="en-US" sz="1400" dirty="0"/>
-          </a:p>
-        </p:txBody>
-      </p:sp>
-      <p:pic>
-        <p:nvPicPr>
-          <p:cNvPr id="2050" name="Picture 2" descr="10: Pooling layer. The pooling layer performs a downsampling operation... |  Download Scientific Diagram">
-            <a:extLst>
-              <a:ext uri="{FF2B5EF4-FFF2-40B4-BE49-F238E27FC236}">
-                <a16:creationId xmlns:a16="http://schemas.microsoft.com/office/drawing/2014/main" id="{7CC06334-3309-598A-B98C-8DCC3499911F}"/>
-              </a:ext>
-            </a:extLst>
-          </p:cNvPr>
-          <p:cNvPicPr>
-            <a:picLocks noChangeAspect="1" noChangeArrowheads="1"/>
-          </p:cNvPicPr>
-          <p:nvPr/>
-        </p:nvPicPr>
-        <p:blipFill>
-          <a:blip r:embed="rId3">
-            <a:extLst>
-              <a:ext uri="{28A0092B-C50C-407E-A947-70E740481C1C}">
-                <a14:useLocalDpi xmlns:a14="http://schemas.microsoft.com/office/drawing/2010/main" val="0"/>
-              </a:ext>
-            </a:extLst>
-          </a:blip>
-          <a:srcRect/>
-          <a:stretch>
-            <a:fillRect/>
-          </a:stretch>
-        </p:blipFill>
-        <p:spPr bwMode="auto">
-          <a:xfrm>
-            <a:off x="7512365" y="114545"/>
-            <a:ext cx="4473309" cy="1968256"/>
-          </a:xfrm>
-          <a:prstGeom prst="rect">
-            <a:avLst/>
-          </a:prstGeom>
-          <a:noFill/>
-          <a:extLst>
-            <a:ext uri="{909E8E84-426E-40DD-AFC4-6F175D3DCCD1}">
-              <a14:hiddenFill xmlns:a14="http://schemas.microsoft.com/office/drawing/2010/main">
-                <a:solidFill>
-                  <a:srgbClr val="FFFFFF"/>
-                </a:solidFill>
-              </a14:hiddenFill>
-            </a:ext>
-          </a:extLst>
-        </p:spPr>
-      </p:pic>
-      <p:sp>
-        <p:nvSpPr>
-          <p:cNvPr id="2" name="Rectangle 1">
-            <a:extLst>
-              <a:ext uri="{FF2B5EF4-FFF2-40B4-BE49-F238E27FC236}">
-                <a16:creationId xmlns:a16="http://schemas.microsoft.com/office/drawing/2014/main" id="{422D5D94-7AA6-B634-DE0E-62F074303F3A}"/>
-              </a:ext>
-            </a:extLst>
-          </p:cNvPr>
-          <p:cNvSpPr/>
-          <p:nvPr/>
-        </p:nvSpPr>
-        <p:spPr>
-          <a:xfrm>
-            <a:off x="1561514" y="4886801"/>
-            <a:ext cx="1915886" cy="859971"/>
-          </a:xfrm>
-          <a:prstGeom prst="rect">
-            <a:avLst/>
-          </a:prstGeom>
-          <a:solidFill>
-            <a:schemeClr val="accent1"/>
-          </a:solidFill>
-          <a:ln>
-            <a:noFill/>
-          </a:ln>
-        </p:spPr>
-        <p:style>
-          <a:lnRef idx="2">
-            <a:schemeClr val="accent1">
-              <a:shade val="50000"/>
-            </a:schemeClr>
-          </a:lnRef>
-          <a:fillRef idx="1">
-            <a:schemeClr val="accent1"/>
-          </a:fillRef>
-          <a:effectRef idx="0">
-            <a:schemeClr val="accent1"/>
-          </a:effectRef>
-          <a:fontRef idx="minor">
-            <a:schemeClr val="lt1"/>
-          </a:fontRef>
-        </p:style>
-        <p:txBody>
-          <a:bodyPr rtlCol="0" anchor="ctr"/>
-          <a:lstStyle/>
-          <a:p>
-            <a:pPr algn="ctr"/>
-            <a:r>
-              <a:rPr lang="en-US" sz="1100" dirty="0">
-                <a:solidFill>
-                  <a:schemeClr val="tx2"/>
-                </a:solidFill>
-              </a:rPr>
-              <a:t>Conv2D</a:t>
-            </a:r>
-          </a:p>
-        </p:txBody>
-      </p:sp>
-      <p:sp>
-        <p:nvSpPr>
-          <p:cNvPr id="3" name="Rectangle 2">
-            <a:extLst>
-              <a:ext uri="{FF2B5EF4-FFF2-40B4-BE49-F238E27FC236}">
-                <a16:creationId xmlns:a16="http://schemas.microsoft.com/office/drawing/2014/main" id="{32462EDC-EA82-0ACA-2496-39240A050DF0}"/>
-              </a:ext>
-            </a:extLst>
-          </p:cNvPr>
-          <p:cNvSpPr/>
-          <p:nvPr/>
-        </p:nvSpPr>
-        <p:spPr>
-          <a:xfrm>
-            <a:off x="4119657" y="4886801"/>
-            <a:ext cx="1915886" cy="859971"/>
-          </a:xfrm>
-          <a:prstGeom prst="rect">
-            <a:avLst/>
-          </a:prstGeom>
-          <a:solidFill>
-            <a:schemeClr val="accent3"/>
-          </a:solidFill>
-          <a:ln>
-            <a:noFill/>
-          </a:ln>
-        </p:spPr>
-        <p:style>
-          <a:lnRef idx="2">
-            <a:schemeClr val="accent1">
-              <a:shade val="50000"/>
-            </a:schemeClr>
-          </a:lnRef>
-          <a:fillRef idx="1">
-            <a:schemeClr val="accent1"/>
-          </a:fillRef>
-          <a:effectRef idx="0">
-            <a:schemeClr val="accent1"/>
-          </a:effectRef>
-          <a:fontRef idx="minor">
-            <a:schemeClr val="lt1"/>
-          </a:fontRef>
-        </p:style>
-        <p:txBody>
-          <a:bodyPr rtlCol="0" anchor="ctr"/>
-          <a:lstStyle/>
-          <a:p>
-            <a:pPr algn="ctr"/>
-            <a:r>
-              <a:rPr lang="en-US" sz="1100" dirty="0">
-                <a:solidFill>
-                  <a:schemeClr val="tx2"/>
-                </a:solidFill>
-              </a:rPr>
-              <a:t>MaxPooling2D</a:t>
-            </a:r>
-          </a:p>
-        </p:txBody>
-      </p:sp>
-      <p:sp>
-        <p:nvSpPr>
-          <p:cNvPr id="10" name="Rectangle 9">
-            <a:extLst>
-              <a:ext uri="{FF2B5EF4-FFF2-40B4-BE49-F238E27FC236}">
-                <a16:creationId xmlns:a16="http://schemas.microsoft.com/office/drawing/2014/main" id="{66C351DA-C647-1A48-7913-C4E7A5764F05}"/>
-              </a:ext>
-            </a:extLst>
-          </p:cNvPr>
-          <p:cNvSpPr/>
-          <p:nvPr/>
-        </p:nvSpPr>
-        <p:spPr>
-          <a:xfrm>
-            <a:off x="6677800" y="4886801"/>
-            <a:ext cx="1915886" cy="859971"/>
-          </a:xfrm>
-          <a:prstGeom prst="rect">
-            <a:avLst/>
-          </a:prstGeom>
-          <a:solidFill>
-            <a:schemeClr val="accent1"/>
-          </a:solidFill>
-          <a:ln>
-            <a:noFill/>
-          </a:ln>
-        </p:spPr>
-        <p:style>
-          <a:lnRef idx="2">
-            <a:schemeClr val="accent1">
-              <a:shade val="50000"/>
-            </a:schemeClr>
-          </a:lnRef>
-          <a:fillRef idx="1">
-            <a:schemeClr val="accent1"/>
-          </a:fillRef>
-          <a:effectRef idx="0">
-            <a:schemeClr val="accent1"/>
-          </a:effectRef>
-          <a:fontRef idx="minor">
-            <a:schemeClr val="lt1"/>
-          </a:fontRef>
-        </p:style>
-        <p:txBody>
-          <a:bodyPr rtlCol="0" anchor="ctr"/>
-          <a:lstStyle/>
-          <a:p>
-            <a:pPr algn="ctr"/>
-            <a:r>
-              <a:rPr lang="en-US" sz="1100" dirty="0">
-                <a:solidFill>
-                  <a:schemeClr val="tx2"/>
-                </a:solidFill>
-              </a:rPr>
-              <a:t>Flatten</a:t>
-            </a:r>
-          </a:p>
-        </p:txBody>
-      </p:sp>
-      <p:cxnSp>
-        <p:nvCxnSpPr>
-          <p:cNvPr id="14" name="Straight Arrow Connector 13">
-            <a:extLst>
-              <a:ext uri="{FF2B5EF4-FFF2-40B4-BE49-F238E27FC236}">
-                <a16:creationId xmlns:a16="http://schemas.microsoft.com/office/drawing/2014/main" id="{4F884806-45B5-08F1-8F2F-4A25806A6604}"/>
-              </a:ext>
-            </a:extLst>
-          </p:cNvPr>
-          <p:cNvCxnSpPr>
-            <a:endCxn id="3" idx="1"/>
-          </p:cNvCxnSpPr>
-          <p:nvPr/>
-        </p:nvCxnSpPr>
-        <p:spPr>
-          <a:xfrm>
-            <a:off x="3586257" y="5333116"/>
-            <a:ext cx="457200" cy="0"/>
-          </a:xfrm>
-          <a:prstGeom prst="straightConnector1">
-            <a:avLst/>
-          </a:prstGeom>
-          <a:ln>
-            <a:tailEnd type="triangle"/>
-          </a:ln>
-        </p:spPr>
-        <p:style>
-          <a:lnRef idx="1">
-            <a:schemeClr val="accent1"/>
-          </a:lnRef>
-          <a:fillRef idx="0">
-            <a:schemeClr val="accent1"/>
-          </a:fillRef>
-          <a:effectRef idx="0">
-            <a:schemeClr val="accent1"/>
-          </a:effectRef>
-          <a:fontRef idx="minor">
-            <a:schemeClr val="tx1"/>
-          </a:fontRef>
-        </p:style>
-      </p:cxnSp>
-      <p:cxnSp>
-        <p:nvCxnSpPr>
-          <p:cNvPr id="15" name="Straight Arrow Connector 14">
-            <a:extLst>
-              <a:ext uri="{FF2B5EF4-FFF2-40B4-BE49-F238E27FC236}">
-                <a16:creationId xmlns:a16="http://schemas.microsoft.com/office/drawing/2014/main" id="{4BED14F6-785A-15EC-7952-280255D93C33}"/>
-              </a:ext>
-            </a:extLst>
-          </p:cNvPr>
-          <p:cNvCxnSpPr>
-            <a:cxnSpLocks/>
-          </p:cNvCxnSpPr>
-          <p:nvPr/>
-        </p:nvCxnSpPr>
-        <p:spPr>
-          <a:xfrm>
-            <a:off x="6111743" y="5333116"/>
-            <a:ext cx="457200" cy="0"/>
-          </a:xfrm>
-          <a:prstGeom prst="straightConnector1">
-            <a:avLst/>
-          </a:prstGeom>
-          <a:ln>
-            <a:tailEnd type="triangle"/>
-          </a:ln>
-        </p:spPr>
-        <p:style>
-          <a:lnRef idx="1">
-            <a:schemeClr val="accent1"/>
-          </a:lnRef>
-          <a:fillRef idx="0">
-            <a:schemeClr val="accent1"/>
-          </a:fillRef>
-          <a:effectRef idx="0">
-            <a:schemeClr val="accent1"/>
-          </a:effectRef>
-          <a:fontRef idx="minor">
-            <a:schemeClr val="tx1"/>
-          </a:fontRef>
-        </p:style>
-      </p:cxnSp>
-      <p:sp>
-        <p:nvSpPr>
-          <p:cNvPr id="16" name="Rectangle 15">
-            <a:extLst>
-              <a:ext uri="{FF2B5EF4-FFF2-40B4-BE49-F238E27FC236}">
-                <a16:creationId xmlns:a16="http://schemas.microsoft.com/office/drawing/2014/main" id="{236AAD11-9FE8-6A04-159F-F8C20A0C7778}"/>
-              </a:ext>
-            </a:extLst>
-          </p:cNvPr>
-          <p:cNvSpPr/>
-          <p:nvPr/>
-        </p:nvSpPr>
-        <p:spPr>
-          <a:xfrm>
-            <a:off x="9268600" y="4855061"/>
-            <a:ext cx="1915886" cy="859971"/>
-          </a:xfrm>
-          <a:prstGeom prst="rect">
-            <a:avLst/>
-          </a:prstGeom>
-          <a:solidFill>
-            <a:schemeClr val="accent1"/>
-          </a:solidFill>
-          <a:ln>
-            <a:noFill/>
-          </a:ln>
-        </p:spPr>
-        <p:style>
-          <a:lnRef idx="2">
-            <a:schemeClr val="accent1">
-              <a:shade val="50000"/>
-            </a:schemeClr>
-          </a:lnRef>
-          <a:fillRef idx="1">
-            <a:schemeClr val="accent1"/>
-          </a:fillRef>
-          <a:effectRef idx="0">
-            <a:schemeClr val="accent1"/>
-          </a:effectRef>
-          <a:fontRef idx="minor">
-            <a:schemeClr val="lt1"/>
-          </a:fontRef>
-        </p:style>
-        <p:txBody>
-          <a:bodyPr rtlCol="0" anchor="ctr"/>
-          <a:lstStyle/>
-          <a:p>
-            <a:pPr algn="ctr"/>
-            <a:r>
-              <a:rPr lang="en-US" sz="1100" dirty="0">
-                <a:solidFill>
-                  <a:schemeClr val="tx2"/>
-                </a:solidFill>
-              </a:rPr>
-              <a:t>Dense</a:t>
-            </a:r>
-          </a:p>
-        </p:txBody>
-      </p:sp>
-      <p:cxnSp>
-        <p:nvCxnSpPr>
-          <p:cNvPr id="17" name="Straight Arrow Connector 16">
-            <a:extLst>
-              <a:ext uri="{FF2B5EF4-FFF2-40B4-BE49-F238E27FC236}">
-                <a16:creationId xmlns:a16="http://schemas.microsoft.com/office/drawing/2014/main" id="{D229E4D6-4954-F369-52F6-CCF345DD104E}"/>
-              </a:ext>
-            </a:extLst>
-          </p:cNvPr>
-          <p:cNvCxnSpPr>
-            <a:cxnSpLocks/>
-          </p:cNvCxnSpPr>
-          <p:nvPr/>
-        </p:nvCxnSpPr>
-        <p:spPr>
-          <a:xfrm>
-            <a:off x="8702543" y="5301376"/>
-            <a:ext cx="457200" cy="0"/>
-          </a:xfrm>
-          <a:prstGeom prst="straightConnector1">
-            <a:avLst/>
-          </a:prstGeom>
-          <a:ln>
-            <a:tailEnd type="triangle"/>
-          </a:ln>
-        </p:spPr>
-        <p:style>
-          <a:lnRef idx="1">
-            <a:schemeClr val="accent1"/>
-          </a:lnRef>
-          <a:fillRef idx="0">
-            <a:schemeClr val="accent1"/>
-          </a:fillRef>
-          <a:effectRef idx="0">
-            <a:schemeClr val="accent1"/>
-          </a:effectRef>
-          <a:fontRef idx="minor">
-            <a:schemeClr val="tx1"/>
-          </a:fontRef>
-        </p:style>
-      </p:cxnSp>
-    </p:spTree>
-    <p:extLst>
-      <p:ext uri="{BB962C8B-B14F-4D97-AF65-F5344CB8AC3E}">
-        <p14:creationId xmlns:p14="http://schemas.microsoft.com/office/powerpoint/2010/main" val="2097601247"/>
       </p:ext>
     </p:extLst>
   </p:cSld>

--- a/Revised Capstone Presentation.pptx
+++ b/Revised Capstone Presentation.pptx
@@ -15938,13 +15938,8 @@
           <a:p>
             <a:r>
               <a:rPr lang="en-US" dirty="0"/>
-              <a:t>Technology used (w/o </a:t>
-            </a:r>
-            <a:r>
-              <a:rPr lang="en-US"/>
-              <a:t>xfer learning) </a:t>
-            </a:r>
-            <a:endParaRPr lang="en-US" dirty="0"/>
+              <a:t>Technology used (w/o xfer learning) </a:t>
+            </a:r>
           </a:p>
         </p:txBody>
       </p:sp>

--- a/Revised Capstone Presentation.pptx
+++ b/Revised Capstone Presentation.pptx
@@ -5,25 +5,29 @@
     <p:sldMasterId id="2147483660" r:id="rId1"/>
   </p:sldMasterIdLst>
   <p:notesMasterIdLst>
-    <p:notesMasterId r:id="rId18"/>
+    <p:notesMasterId r:id="rId22"/>
   </p:notesMasterIdLst>
   <p:sldIdLst>
     <p:sldId id="257" r:id="rId2"/>
     <p:sldId id="267" r:id="rId3"/>
-    <p:sldId id="259" r:id="rId4"/>
-    <p:sldId id="261" r:id="rId5"/>
-    <p:sldId id="260" r:id="rId6"/>
-    <p:sldId id="272" r:id="rId7"/>
-    <p:sldId id="273" r:id="rId8"/>
-    <p:sldId id="262" r:id="rId9"/>
-    <p:sldId id="263" r:id="rId10"/>
-    <p:sldId id="264" r:id="rId11"/>
-    <p:sldId id="265" r:id="rId12"/>
-    <p:sldId id="266" r:id="rId13"/>
-    <p:sldId id="268" r:id="rId14"/>
-    <p:sldId id="269" r:id="rId15"/>
-    <p:sldId id="270" r:id="rId16"/>
-    <p:sldId id="271" r:id="rId17"/>
+    <p:sldId id="277" r:id="rId4"/>
+    <p:sldId id="259" r:id="rId5"/>
+    <p:sldId id="261" r:id="rId6"/>
+    <p:sldId id="260" r:id="rId7"/>
+    <p:sldId id="272" r:id="rId8"/>
+    <p:sldId id="273" r:id="rId9"/>
+    <p:sldId id="274" r:id="rId10"/>
+    <p:sldId id="262" r:id="rId11"/>
+    <p:sldId id="275" r:id="rId12"/>
+    <p:sldId id="276" r:id="rId13"/>
+    <p:sldId id="263" r:id="rId14"/>
+    <p:sldId id="264" r:id="rId15"/>
+    <p:sldId id="265" r:id="rId16"/>
+    <p:sldId id="266" r:id="rId17"/>
+    <p:sldId id="268" r:id="rId18"/>
+    <p:sldId id="269" r:id="rId19"/>
+    <p:sldId id="270" r:id="rId20"/>
+    <p:sldId id="271" r:id="rId21"/>
   </p:sldIdLst>
   <p:sldSz cx="12192000" cy="6858000"/>
   <p:notesSz cx="6858000" cy="9144000"/>
@@ -212,7 +216,7 @@
           <a:p>
             <a:fld id="{EEBE7C3D-DF23-4861-AECE-02D855A272EB}" type="datetimeFigureOut">
               <a:rPr lang="en-US" smtClean="0"/>
-              <a:t>2/17/2025</a:t>
+              <a:t>2/18/2025</a:t>
             </a:fld>
             <a:endParaRPr lang="en-US"/>
           </a:p>
@@ -627,6 +631,118 @@
         <p:cNvPr id="1" name="">
           <a:extLst>
             <a:ext uri="{FF2B5EF4-FFF2-40B4-BE49-F238E27FC236}">
+              <a16:creationId xmlns:a16="http://schemas.microsoft.com/office/drawing/2014/main" id="{8A2C19A0-D005-0A2B-6792-CD6FE619D20A}"/>
+            </a:ext>
+          </a:extLst>
+        </p:cNvPr>
+        <p:cNvGrpSpPr/>
+        <p:nvPr/>
+      </p:nvGrpSpPr>
+      <p:grpSpPr>
+        <a:xfrm>
+          <a:off x="0" y="0"/>
+          <a:ext cx="0" cy="0"/>
+          <a:chOff x="0" y="0"/>
+          <a:chExt cx="0" cy="0"/>
+        </a:xfrm>
+      </p:grpSpPr>
+      <p:sp>
+        <p:nvSpPr>
+          <p:cNvPr id="2" name="Slide Image Placeholder 1">
+            <a:extLst>
+              <a:ext uri="{FF2B5EF4-FFF2-40B4-BE49-F238E27FC236}">
+                <a16:creationId xmlns:a16="http://schemas.microsoft.com/office/drawing/2014/main" id="{6F30EACA-E1EC-9D24-FD1C-9E6B06F72A5F}"/>
+              </a:ext>
+            </a:extLst>
+          </p:cNvPr>
+          <p:cNvSpPr>
+            <a:spLocks noGrp="1" noRot="1" noChangeAspect="1"/>
+          </p:cNvSpPr>
+          <p:nvPr>
+            <p:ph type="sldImg"/>
+          </p:nvPr>
+        </p:nvSpPr>
+        <p:spPr/>
+      </p:sp>
+      <p:sp>
+        <p:nvSpPr>
+          <p:cNvPr id="3" name="Notes Placeholder 2">
+            <a:extLst>
+              <a:ext uri="{FF2B5EF4-FFF2-40B4-BE49-F238E27FC236}">
+                <a16:creationId xmlns:a16="http://schemas.microsoft.com/office/drawing/2014/main" id="{4C612596-B4C1-F5EB-5F3A-BAA6AA386243}"/>
+              </a:ext>
+            </a:extLst>
+          </p:cNvPr>
+          <p:cNvSpPr>
+            <a:spLocks noGrp="1"/>
+          </p:cNvSpPr>
+          <p:nvPr>
+            <p:ph type="body" idx="1"/>
+          </p:nvPr>
+        </p:nvSpPr>
+        <p:spPr/>
+        <p:txBody>
+          <a:bodyPr/>
+          <a:lstStyle/>
+          <a:p>
+            <a:r>
+              <a:rPr lang="en-US" dirty="0"/>
+              <a:t>https://www.ibm.com/content/dam/connectedassets-adobe-cms/worldwide-content/creative-assets/s-migr/ul/g/ed/92/iclh-diagram-convolutional-neural-networks.png</a:t>
+            </a:r>
+          </a:p>
+        </p:txBody>
+      </p:sp>
+      <p:sp>
+        <p:nvSpPr>
+          <p:cNvPr id="4" name="Slide Number Placeholder 3">
+            <a:extLst>
+              <a:ext uri="{FF2B5EF4-FFF2-40B4-BE49-F238E27FC236}">
+                <a16:creationId xmlns:a16="http://schemas.microsoft.com/office/drawing/2014/main" id="{E1E87060-83C3-BDCE-3A3B-93BBD6AD1670}"/>
+              </a:ext>
+            </a:extLst>
+          </p:cNvPr>
+          <p:cNvSpPr>
+            <a:spLocks noGrp="1"/>
+          </p:cNvSpPr>
+          <p:nvPr>
+            <p:ph type="sldNum" sz="quarter" idx="5"/>
+          </p:nvPr>
+        </p:nvSpPr>
+        <p:spPr/>
+        <p:txBody>
+          <a:bodyPr/>
+          <a:lstStyle/>
+          <a:p>
+            <a:fld id="{235412D2-4FCC-F140-A554-FE4E75EC1EAD}" type="slidenum">
+              <a:rPr lang="en-US" smtClean="0"/>
+              <a:pPr/>
+              <a:t>13</a:t>
+            </a:fld>
+            <a:endParaRPr lang="en-US" dirty="0"/>
+          </a:p>
+        </p:txBody>
+      </p:sp>
+    </p:spTree>
+    <p:extLst>
+      <p:ext uri="{BB962C8B-B14F-4D97-AF65-F5344CB8AC3E}">
+        <p14:creationId xmlns:p14="http://schemas.microsoft.com/office/powerpoint/2010/main" val="589147774"/>
+      </p:ext>
+    </p:extLst>
+  </p:cSld>
+  <p:clrMapOvr>
+    <a:masterClrMapping/>
+  </p:clrMapOvr>
+</p:notes>
+</file>
+
+<file path=ppt/notesSlides/notesSlide11.xml><?xml version="1.0" encoding="utf-8"?>
+<p:notes xmlns:a="http://schemas.openxmlformats.org/drawingml/2006/main" xmlns:r="http://schemas.openxmlformats.org/officeDocument/2006/relationships" xmlns:p="http://schemas.openxmlformats.org/presentationml/2006/main">
+  <p:cSld>
+    <p:spTree>
+      <p:nvGrpSpPr>
+        <p:cNvPr id="1" name="">
+          <a:extLst>
+            <a:ext uri="{FF2B5EF4-FFF2-40B4-BE49-F238E27FC236}">
               <a16:creationId xmlns:a16="http://schemas.microsoft.com/office/drawing/2014/main" id="{7C245A2A-919C-E7A9-0598-98C7E33849B3}"/>
             </a:ext>
           </a:extLst>
@@ -689,6 +805,9 @@
           <a:p>
             <a:endParaRPr lang="en-US" dirty="0"/>
           </a:p>
+          <a:p>
+            <a:endParaRPr lang="en-US" dirty="0"/>
+          </a:p>
         </p:txBody>
       </p:sp>
       <p:sp>
@@ -715,7 +834,7 @@
             <a:fld id="{235412D2-4FCC-F140-A554-FE4E75EC1EAD}" type="slidenum">
               <a:rPr lang="en-US" smtClean="0"/>
               <a:pPr/>
-              <a:t>10</a:t>
+              <a:t>14</a:t>
             </a:fld>
             <a:endParaRPr lang="en-US" dirty="0"/>
           </a:p>
@@ -734,7 +853,7 @@
 </p:notes>
 </file>
 
-<file path=ppt/notesSlides/notesSlide11.xml><?xml version="1.0" encoding="utf-8"?>
+<file path=ppt/notesSlides/notesSlide12.xml><?xml version="1.0" encoding="utf-8"?>
 <p:notes xmlns:a="http://schemas.openxmlformats.org/drawingml/2006/main" xmlns:r="http://schemas.openxmlformats.org/officeDocument/2006/relationships" xmlns:p="http://schemas.openxmlformats.org/presentationml/2006/main">
   <p:cSld>
     <p:spTree>
@@ -830,7 +949,7 @@
             <a:fld id="{235412D2-4FCC-F140-A554-FE4E75EC1EAD}" type="slidenum">
               <a:rPr lang="en-US" smtClean="0"/>
               <a:pPr/>
-              <a:t>11</a:t>
+              <a:t>15</a:t>
             </a:fld>
             <a:endParaRPr lang="en-US" dirty="0"/>
           </a:p>
@@ -849,7 +968,7 @@
 </p:notes>
 </file>
 
-<file path=ppt/notesSlides/notesSlide12.xml><?xml version="1.0" encoding="utf-8"?>
+<file path=ppt/notesSlides/notesSlide13.xml><?xml version="1.0" encoding="utf-8"?>
 <p:notes xmlns:a="http://schemas.openxmlformats.org/drawingml/2006/main" xmlns:r="http://schemas.openxmlformats.org/officeDocument/2006/relationships" xmlns:p="http://schemas.openxmlformats.org/presentationml/2006/main">
   <p:cSld>
     <p:spTree>
@@ -916,6 +1035,24 @@
               <a:t>https://media.licdn.com/dms/image/v2/C4E12AQHa0As6OhBIFQ/article-cover_image-shrink_600_2000/article-cover_image-shrink_600_2000/0/1567401067125?e=2147483647&amp;v=beta&amp;t=mgyh8O5m9cQ9a6VKrATsKDSb5scH410RWZFDjATaOLM</a:t>
             </a:r>
           </a:p>
+          <a:p>
+            <a:endParaRPr lang="en-US" dirty="0"/>
+          </a:p>
+          <a:p>
+            <a:r>
+              <a:rPr lang="en-US" dirty="0"/>
+              <a:t>Add own image!!!</a:t>
+            </a:r>
+          </a:p>
+          <a:p>
+            <a:r>
+              <a:rPr lang="en-US" dirty="0"/>
+              <a:t>Working OR Faulty result at the end.</a:t>
+            </a:r>
+          </a:p>
+          <a:p>
+            <a:endParaRPr lang="en-US" dirty="0"/>
+          </a:p>
         </p:txBody>
       </p:sp>
       <p:sp>
@@ -942,7 +1079,7 @@
             <a:fld id="{235412D2-4FCC-F140-A554-FE4E75EC1EAD}" type="slidenum">
               <a:rPr lang="en-US" smtClean="0"/>
               <a:pPr/>
-              <a:t>12</a:t>
+              <a:t>16</a:t>
             </a:fld>
             <a:endParaRPr lang="en-US" dirty="0"/>
           </a:p>
@@ -952,6 +1089,99 @@
     <p:extLst>
       <p:ext uri="{BB962C8B-B14F-4D97-AF65-F5344CB8AC3E}">
         <p14:creationId xmlns:p14="http://schemas.microsoft.com/office/powerpoint/2010/main" val="1295988085"/>
+      </p:ext>
+    </p:extLst>
+  </p:cSld>
+  <p:clrMapOvr>
+    <a:masterClrMapping/>
+  </p:clrMapOvr>
+</p:notes>
+</file>
+
+<file path=ppt/notesSlides/notesSlide14.xml><?xml version="1.0" encoding="utf-8"?>
+<p:notes xmlns:a="http://schemas.openxmlformats.org/drawingml/2006/main" xmlns:r="http://schemas.openxmlformats.org/officeDocument/2006/relationships" xmlns:p="http://schemas.openxmlformats.org/presentationml/2006/main">
+  <p:cSld>
+    <p:spTree>
+      <p:nvGrpSpPr>
+        <p:cNvPr id="1" name=""/>
+        <p:cNvGrpSpPr/>
+        <p:nvPr/>
+      </p:nvGrpSpPr>
+      <p:grpSpPr>
+        <a:xfrm>
+          <a:off x="0" y="0"/>
+          <a:ext cx="0" cy="0"/>
+          <a:chOff x="0" y="0"/>
+          <a:chExt cx="0" cy="0"/>
+        </a:xfrm>
+      </p:grpSpPr>
+      <p:sp>
+        <p:nvSpPr>
+          <p:cNvPr id="2" name="Slide Image Placeholder 1"/>
+          <p:cNvSpPr>
+            <a:spLocks noGrp="1" noRot="1" noChangeAspect="1"/>
+          </p:cNvSpPr>
+          <p:nvPr>
+            <p:ph type="sldImg"/>
+          </p:nvPr>
+        </p:nvSpPr>
+        <p:spPr/>
+      </p:sp>
+      <p:sp>
+        <p:nvSpPr>
+          <p:cNvPr id="3" name="Notes Placeholder 2"/>
+          <p:cNvSpPr>
+            <a:spLocks noGrp="1"/>
+          </p:cNvSpPr>
+          <p:nvPr>
+            <p:ph type="body" idx="1"/>
+          </p:nvPr>
+        </p:nvSpPr>
+        <p:spPr/>
+        <p:txBody>
+          <a:bodyPr/>
+          <a:lstStyle/>
+          <a:p>
+            <a:r>
+              <a:rPr lang="en-US" dirty="0"/>
+              <a:t>Use keyboard image as input</a:t>
+            </a:r>
+          </a:p>
+          <a:p>
+            <a:endParaRPr lang="en-US" dirty="0"/>
+          </a:p>
+          <a:p>
+            <a:endParaRPr lang="en-US" dirty="0"/>
+          </a:p>
+        </p:txBody>
+      </p:sp>
+      <p:sp>
+        <p:nvSpPr>
+          <p:cNvPr id="4" name="Slide Number Placeholder 3"/>
+          <p:cNvSpPr>
+            <a:spLocks noGrp="1"/>
+          </p:cNvSpPr>
+          <p:nvPr>
+            <p:ph type="sldNum" sz="quarter" idx="5"/>
+          </p:nvPr>
+        </p:nvSpPr>
+        <p:spPr/>
+        <p:txBody>
+          <a:bodyPr/>
+          <a:lstStyle/>
+          <a:p>
+            <a:fld id="{D6855176-407E-43D0-B6DC-881FCC1E38C1}" type="slidenum">
+              <a:rPr lang="en-US" smtClean="0"/>
+              <a:t>18</a:t>
+            </a:fld>
+            <a:endParaRPr lang="en-US"/>
+          </a:p>
+        </p:txBody>
+      </p:sp>
+    </p:spTree>
+    <p:extLst>
+      <p:ext uri="{BB962C8B-B14F-4D97-AF65-F5344CB8AC3E}">
+        <p14:creationId xmlns:p14="http://schemas.microsoft.com/office/powerpoint/2010/main" val="82099157"/>
       </p:ext>
     </p:extLst>
   </p:cSld>
@@ -1025,14 +1255,23 @@
           <a:p>
             <a:r>
               <a:rPr lang="en-US" dirty="0"/>
-              <a:t>1. Define Problem Statement</a:t>
+              <a:t>Explain the problems in the company</a:t>
             </a:r>
           </a:p>
           <a:p>
             <a:r>
               <a:rPr lang="en-US" dirty="0"/>
-              <a:t>2. Explain </a:t>
-            </a:r>
+              <a:t>Explain how you can help automate the process</a:t>
+            </a:r>
+          </a:p>
+          <a:p>
+            <a:r>
+              <a:rPr lang="en-US" dirty="0"/>
+              <a:t>Explain how you came out with this</a:t>
+            </a:r>
+          </a:p>
+          <a:p>
+            <a:endParaRPr lang="en-US" dirty="0"/>
           </a:p>
         </p:txBody>
       </p:sp>
@@ -1125,14 +1364,59 @@
           <a:p>
             <a:r>
               <a:rPr lang="en-US" dirty="0"/>
-              <a:t>1. Define Problem Statement</a:t>
-            </a:r>
-          </a:p>
-          <a:p>
+              <a:t>Create images to describe</a:t>
+            </a:r>
+          </a:p>
+          <a:p>
+            <a:endParaRPr lang="en-US" dirty="0"/>
+          </a:p>
+          <a:p>
+            <a:r>
+              <a:rPr lang="en-US" u="sng" dirty="0"/>
+              <a:t>Image(s):</a:t>
+            </a:r>
+          </a:p>
+          <a:p>
+            <a:pPr marL="228600" indent="-228600">
+              <a:buAutoNum type="arabicPeriod"/>
+            </a:pPr>
             <a:r>
               <a:rPr lang="en-US" dirty="0"/>
-              <a:t>2. Explain </a:t>
-            </a:r>
+              <a:t>Performing automatic clicks </a:t>
+            </a:r>
+          </a:p>
+          <a:p>
+            <a:pPr marL="228600" indent="-228600">
+              <a:buAutoNum type="arabicPeriod"/>
+            </a:pPr>
+            <a:r>
+              <a:rPr lang="en-US" dirty="0"/>
+              <a:t>Camera taking photos of the keyboard</a:t>
+            </a:r>
+          </a:p>
+          <a:p>
+            <a:pPr marL="228600" indent="-228600">
+              <a:buAutoNum type="arabicPeriod"/>
+            </a:pPr>
+            <a:r>
+              <a:rPr lang="en-US" dirty="0"/>
+              <a:t>Prediction using CNN</a:t>
+            </a:r>
+          </a:p>
+          <a:p>
+            <a:pPr marL="228600" indent="-228600">
+              <a:buAutoNum type="arabicPeriod"/>
+            </a:pPr>
+            <a:r>
+              <a:rPr lang="en-US" dirty="0"/>
+              <a:t>Predicted Report </a:t>
+            </a:r>
+          </a:p>
+          <a:p>
+            <a:pPr marL="228600" indent="-228600">
+              <a:buAutoNum type="arabicPeriod"/>
+            </a:pPr>
+            <a:endParaRPr lang="en-US" dirty="0"/>
           </a:p>
         </p:txBody>
       </p:sp>
@@ -1151,10 +1435,94 @@
           <a:bodyPr/>
           <a:lstStyle/>
           <a:p>
+            <a:fld id="{D6855176-407E-43D0-B6DC-881FCC1E38C1}" type="slidenum">
+              <a:rPr lang="en-US" smtClean="0"/>
+              <a:t>3</a:t>
+            </a:fld>
+            <a:endParaRPr lang="en-US"/>
+          </a:p>
+        </p:txBody>
+      </p:sp>
+    </p:spTree>
+    <p:extLst>
+      <p:ext uri="{BB962C8B-B14F-4D97-AF65-F5344CB8AC3E}">
+        <p14:creationId xmlns:p14="http://schemas.microsoft.com/office/powerpoint/2010/main" val="1103432753"/>
+      </p:ext>
+    </p:extLst>
+  </p:cSld>
+  <p:clrMapOvr>
+    <a:masterClrMapping/>
+  </p:clrMapOvr>
+</p:notes>
+</file>
+
+<file path=ppt/notesSlides/notesSlide4.xml><?xml version="1.0" encoding="utf-8"?>
+<p:notes xmlns:a="http://schemas.openxmlformats.org/drawingml/2006/main" xmlns:r="http://schemas.openxmlformats.org/officeDocument/2006/relationships" xmlns:p="http://schemas.openxmlformats.org/presentationml/2006/main">
+  <p:cSld>
+    <p:spTree>
+      <p:nvGrpSpPr>
+        <p:cNvPr id="1" name=""/>
+        <p:cNvGrpSpPr/>
+        <p:nvPr/>
+      </p:nvGrpSpPr>
+      <p:grpSpPr>
+        <a:xfrm>
+          <a:off x="0" y="0"/>
+          <a:ext cx="0" cy="0"/>
+          <a:chOff x="0" y="0"/>
+          <a:chExt cx="0" cy="0"/>
+        </a:xfrm>
+      </p:grpSpPr>
+      <p:sp>
+        <p:nvSpPr>
+          <p:cNvPr id="2" name="Slide Image Placeholder 1"/>
+          <p:cNvSpPr>
+            <a:spLocks noGrp="1" noRot="1" noChangeAspect="1"/>
+          </p:cNvSpPr>
+          <p:nvPr>
+            <p:ph type="sldImg"/>
+          </p:nvPr>
+        </p:nvSpPr>
+        <p:spPr/>
+      </p:sp>
+      <p:sp>
+        <p:nvSpPr>
+          <p:cNvPr id="3" name="Notes Placeholder 2"/>
+          <p:cNvSpPr>
+            <a:spLocks noGrp="1"/>
+          </p:cNvSpPr>
+          <p:nvPr>
+            <p:ph type="body" idx="1"/>
+          </p:nvPr>
+        </p:nvSpPr>
+        <p:spPr/>
+        <p:txBody>
+          <a:bodyPr/>
+          <a:lstStyle/>
+          <a:p>
+            <a:endParaRPr lang="en-US" dirty="0"/>
+          </a:p>
+        </p:txBody>
+      </p:sp>
+      <p:sp>
+        <p:nvSpPr>
+          <p:cNvPr id="4" name="Slide Number Placeholder 3"/>
+          <p:cNvSpPr>
+            <a:spLocks noGrp="1"/>
+          </p:cNvSpPr>
+          <p:nvPr>
+            <p:ph type="sldNum" sz="quarter" idx="5"/>
+          </p:nvPr>
+        </p:nvSpPr>
+        <p:spPr/>
+        <p:txBody>
+          <a:bodyPr/>
+          <a:lstStyle/>
+          <a:p>
             <a:fld id="{235412D2-4FCC-F140-A554-FE4E75EC1EAD}" type="slidenum">
               <a:rPr lang="en-US" smtClean="0"/>
               <a:pPr/>
-              <a:t>3</a:t>
+              <a:t>4</a:t>
             </a:fld>
             <a:endParaRPr lang="en-US" dirty="0"/>
           </a:p>
@@ -1173,7 +1541,7 @@
 </p:notes>
 </file>
 
-<file path=ppt/notesSlides/notesSlide4.xml><?xml version="1.0" encoding="utf-8"?>
+<file path=ppt/notesSlides/notesSlide5.xml><?xml version="1.0" encoding="utf-8"?>
 <p:notes xmlns:a="http://schemas.openxmlformats.org/drawingml/2006/main" xmlns:r="http://schemas.openxmlformats.org/officeDocument/2006/relationships" xmlns:p="http://schemas.openxmlformats.org/presentationml/2006/main">
   <p:cSld>
     <p:spTree>
@@ -1237,14 +1605,59 @@
           <a:p>
             <a:r>
               <a:rPr lang="en-US" dirty="0"/>
-              <a:t>1. Define Problem Statement</a:t>
-            </a:r>
-          </a:p>
-          <a:p>
+              <a:t>Improve the points stated. Give nicer definitions…</a:t>
+            </a:r>
+          </a:p>
+          <a:p>
+            <a:endParaRPr lang="en-US" dirty="0"/>
+          </a:p>
+          <a:p>
+            <a:pPr marL="228600" indent="-228600">
+              <a:buAutoNum type="arabicPeriod"/>
+            </a:pPr>
             <a:r>
               <a:rPr lang="en-US" dirty="0"/>
-              <a:t>2. Explain </a:t>
-            </a:r>
+              <a:t>Explain what is classification.</a:t>
+            </a:r>
+          </a:p>
+          <a:p>
+            <a:pPr marL="228600" indent="-228600">
+              <a:buAutoNum type="arabicPeriod"/>
+            </a:pPr>
+            <a:r>
+              <a:rPr lang="en-US" dirty="0"/>
+              <a:t>Why classification </a:t>
+            </a:r>
+          </a:p>
+          <a:p>
+            <a:pPr marL="228600" indent="-228600">
+              <a:buAutoNum type="arabicPeriod"/>
+            </a:pPr>
+            <a:r>
+              <a:rPr lang="en-US" dirty="0"/>
+              <a:t>How classification technique used for image classification?</a:t>
+            </a:r>
+          </a:p>
+          <a:p>
+            <a:pPr marL="228600" indent="-228600">
+              <a:buAutoNum type="arabicPeriod"/>
+            </a:pPr>
+            <a:endParaRPr lang="en-US" dirty="0"/>
+          </a:p>
+          <a:p>
+            <a:pPr marL="0" indent="0">
+              <a:buNone/>
+            </a:pPr>
+            <a:r>
+              <a:rPr lang="en-US" dirty="0"/>
+              <a:t>Technique to solve the problem to predict the categorical variable of a situation. </a:t>
+            </a:r>
+          </a:p>
+          <a:p>
+            <a:pPr marL="0" indent="0">
+              <a:buNone/>
+            </a:pPr>
+            <a:endParaRPr lang="en-US" dirty="0"/>
           </a:p>
         </p:txBody>
       </p:sp>
@@ -1272,7 +1685,7 @@
             <a:fld id="{235412D2-4FCC-F140-A554-FE4E75EC1EAD}" type="slidenum">
               <a:rPr lang="en-US" smtClean="0"/>
               <a:pPr/>
-              <a:t>4</a:t>
+              <a:t>5</a:t>
             </a:fld>
             <a:endParaRPr lang="en-US" dirty="0"/>
           </a:p>
@@ -1291,7 +1704,7 @@
 </p:notes>
 </file>
 
-<file path=ppt/notesSlides/notesSlide5.xml><?xml version="1.0" encoding="utf-8"?>
+<file path=ppt/notesSlides/notesSlide6.xml><?xml version="1.0" encoding="utf-8"?>
 <p:notes xmlns:a="http://schemas.openxmlformats.org/drawingml/2006/main" xmlns:r="http://schemas.openxmlformats.org/officeDocument/2006/relationships" xmlns:p="http://schemas.openxmlformats.org/presentationml/2006/main">
   <p:cSld>
     <p:spTree>
@@ -1353,16 +1766,57 @@
           <a:bodyPr/>
           <a:lstStyle/>
           <a:p>
+            <a:endParaRPr lang="en-US" dirty="0"/>
+          </a:p>
+          <a:p>
             <a:r>
               <a:rPr lang="en-US" dirty="0"/>
-              <a:t>1. Define Problem Statement</a:t>
-            </a:r>
+              <a:t>Explain data balancing technique</a:t>
+            </a:r>
+          </a:p>
+          <a:p>
+            <a:endParaRPr lang="en-US" dirty="0"/>
           </a:p>
           <a:p>
             <a:r>
               <a:rPr lang="en-US" dirty="0"/>
-              <a:t>2. Explain </a:t>
-            </a:r>
+              <a:t>Explain each bullet point!</a:t>
+            </a:r>
+          </a:p>
+          <a:p>
+            <a:endParaRPr lang="en-US" dirty="0"/>
+          </a:p>
+          <a:p>
+            <a:r>
+              <a:rPr lang="en-US" sz="1200" dirty="0"/>
+              <a:t>typically used for image processing</a:t>
+            </a:r>
+          </a:p>
+          <a:p>
+            <a:pPr marL="0" marR="0" lvl="0" indent="0" algn="l" defTabSz="914400" rtl="0" eaLnBrk="1" fontAlgn="auto" latinLnBrk="0" hangingPunct="1">
+              <a:lnSpc>
+                <a:spcPct val="100000"/>
+              </a:lnSpc>
+              <a:spcBef>
+                <a:spcPts val="0"/>
+              </a:spcBef>
+              <a:spcAft>
+                <a:spcPts val="0"/>
+              </a:spcAft>
+              <a:buClrTx/>
+              <a:buSzTx/>
+              <a:buFontTx/>
+              <a:buNone/>
+              <a:tabLst/>
+              <a:defRPr/>
+            </a:pPr>
+            <a:r>
+              <a:rPr lang="en-US" sz="1200" dirty="0"/>
+              <a:t>Useful for learning special features such as edges, textures and shapes </a:t>
+            </a:r>
+          </a:p>
+          <a:p>
+            <a:endParaRPr lang="en-US" dirty="0"/>
           </a:p>
         </p:txBody>
       </p:sp>
@@ -1390,7 +1844,7 @@
             <a:fld id="{235412D2-4FCC-F140-A554-FE4E75EC1EAD}" type="slidenum">
               <a:rPr lang="en-US" smtClean="0"/>
               <a:pPr/>
-              <a:t>5</a:t>
+              <a:t>6</a:t>
             </a:fld>
             <a:endParaRPr lang="en-US" dirty="0"/>
           </a:p>
@@ -1409,7 +1863,7 @@
 </p:notes>
 </file>
 
-<file path=ppt/notesSlides/notesSlide6.xml><?xml version="1.0" encoding="utf-8"?>
+<file path=ppt/notesSlides/notesSlide7.xml><?xml version="1.0" encoding="utf-8"?>
 <p:notes xmlns:a="http://schemas.openxmlformats.org/drawingml/2006/main" xmlns:r="http://schemas.openxmlformats.org/officeDocument/2006/relationships" xmlns:p="http://schemas.openxmlformats.org/presentationml/2006/main">
   <p:cSld>
     <p:spTree>
@@ -1602,7 +2056,7 @@
             <a:fld id="{235412D2-4FCC-F140-A554-FE4E75EC1EAD}" type="slidenum">
               <a:rPr lang="en-US" smtClean="0"/>
               <a:pPr/>
-              <a:t>6</a:t>
+              <a:t>7</a:t>
             </a:fld>
             <a:endParaRPr lang="en-US" dirty="0"/>
           </a:p>
@@ -1621,7 +2075,7 @@
 </p:notes>
 </file>
 
-<file path=ppt/notesSlides/notesSlide7.xml><?xml version="1.0" encoding="utf-8"?>
+<file path=ppt/notesSlides/notesSlide8.xml><?xml version="1.0" encoding="utf-8"?>
 <p:notes xmlns:a="http://schemas.openxmlformats.org/drawingml/2006/main" xmlns:r="http://schemas.openxmlformats.org/officeDocument/2006/relationships" xmlns:p="http://schemas.openxmlformats.org/presentationml/2006/main">
   <p:cSld>
     <p:spTree>
@@ -1711,7 +2165,7 @@
             <a:fld id="{235412D2-4FCC-F140-A554-FE4E75EC1EAD}" type="slidenum">
               <a:rPr lang="en-US" smtClean="0"/>
               <a:pPr/>
-              <a:t>7</a:t>
+              <a:t>8</a:t>
             </a:fld>
             <a:endParaRPr lang="en-US" dirty="0"/>
           </a:p>
@@ -1730,7 +2184,7 @@
 </p:notes>
 </file>
 
-<file path=ppt/notesSlides/notesSlide8.xml><?xml version="1.0" encoding="utf-8"?>
+<file path=ppt/notesSlides/notesSlide9.xml><?xml version="1.0" encoding="utf-8"?>
 <p:notes xmlns:a="http://schemas.openxmlformats.org/drawingml/2006/main" xmlns:r="http://schemas.openxmlformats.org/officeDocument/2006/relationships" xmlns:p="http://schemas.openxmlformats.org/presentationml/2006/main">
   <p:cSld>
     <p:spTree>
@@ -1820,7 +2274,7 @@
             <a:fld id="{235412D2-4FCC-F140-A554-FE4E75EC1EAD}" type="slidenum">
               <a:rPr lang="en-US" smtClean="0"/>
               <a:pPr/>
-              <a:t>8</a:t>
+              <a:t>10</a:t>
             </a:fld>
             <a:endParaRPr lang="en-US" dirty="0"/>
           </a:p>
@@ -1830,118 +2284,6 @@
     <p:extLst>
       <p:ext uri="{BB962C8B-B14F-4D97-AF65-F5344CB8AC3E}">
         <p14:creationId xmlns:p14="http://schemas.microsoft.com/office/powerpoint/2010/main" val="2844823403"/>
-      </p:ext>
-    </p:extLst>
-  </p:cSld>
-  <p:clrMapOvr>
-    <a:masterClrMapping/>
-  </p:clrMapOvr>
-</p:notes>
-</file>
-
-<file path=ppt/notesSlides/notesSlide9.xml><?xml version="1.0" encoding="utf-8"?>
-<p:notes xmlns:a="http://schemas.openxmlformats.org/drawingml/2006/main" xmlns:r="http://schemas.openxmlformats.org/officeDocument/2006/relationships" xmlns:p="http://schemas.openxmlformats.org/presentationml/2006/main">
-  <p:cSld>
-    <p:spTree>
-      <p:nvGrpSpPr>
-        <p:cNvPr id="1" name="">
-          <a:extLst>
-            <a:ext uri="{FF2B5EF4-FFF2-40B4-BE49-F238E27FC236}">
-              <a16:creationId xmlns:a16="http://schemas.microsoft.com/office/drawing/2014/main" id="{8A2C19A0-D005-0A2B-6792-CD6FE619D20A}"/>
-            </a:ext>
-          </a:extLst>
-        </p:cNvPr>
-        <p:cNvGrpSpPr/>
-        <p:nvPr/>
-      </p:nvGrpSpPr>
-      <p:grpSpPr>
-        <a:xfrm>
-          <a:off x="0" y="0"/>
-          <a:ext cx="0" cy="0"/>
-          <a:chOff x="0" y="0"/>
-          <a:chExt cx="0" cy="0"/>
-        </a:xfrm>
-      </p:grpSpPr>
-      <p:sp>
-        <p:nvSpPr>
-          <p:cNvPr id="2" name="Slide Image Placeholder 1">
-            <a:extLst>
-              <a:ext uri="{FF2B5EF4-FFF2-40B4-BE49-F238E27FC236}">
-                <a16:creationId xmlns:a16="http://schemas.microsoft.com/office/drawing/2014/main" id="{6F30EACA-E1EC-9D24-FD1C-9E6B06F72A5F}"/>
-              </a:ext>
-            </a:extLst>
-          </p:cNvPr>
-          <p:cNvSpPr>
-            <a:spLocks noGrp="1" noRot="1" noChangeAspect="1"/>
-          </p:cNvSpPr>
-          <p:nvPr>
-            <p:ph type="sldImg"/>
-          </p:nvPr>
-        </p:nvSpPr>
-        <p:spPr/>
-      </p:sp>
-      <p:sp>
-        <p:nvSpPr>
-          <p:cNvPr id="3" name="Notes Placeholder 2">
-            <a:extLst>
-              <a:ext uri="{FF2B5EF4-FFF2-40B4-BE49-F238E27FC236}">
-                <a16:creationId xmlns:a16="http://schemas.microsoft.com/office/drawing/2014/main" id="{4C612596-B4C1-F5EB-5F3A-BAA6AA386243}"/>
-              </a:ext>
-            </a:extLst>
-          </p:cNvPr>
-          <p:cNvSpPr>
-            <a:spLocks noGrp="1"/>
-          </p:cNvSpPr>
-          <p:nvPr>
-            <p:ph type="body" idx="1"/>
-          </p:nvPr>
-        </p:nvSpPr>
-        <p:spPr/>
-        <p:txBody>
-          <a:bodyPr/>
-          <a:lstStyle/>
-          <a:p>
-            <a:r>
-              <a:rPr lang="en-US" dirty="0"/>
-              <a:t>https://www.ibm.com/content/dam/connectedassets-adobe-cms/worldwide-content/creative-assets/s-migr/ul/g/ed/92/iclh-diagram-convolutional-neural-networks.png</a:t>
-            </a:r>
-          </a:p>
-        </p:txBody>
-      </p:sp>
-      <p:sp>
-        <p:nvSpPr>
-          <p:cNvPr id="4" name="Slide Number Placeholder 3">
-            <a:extLst>
-              <a:ext uri="{FF2B5EF4-FFF2-40B4-BE49-F238E27FC236}">
-                <a16:creationId xmlns:a16="http://schemas.microsoft.com/office/drawing/2014/main" id="{E1E87060-83C3-BDCE-3A3B-93BBD6AD1670}"/>
-              </a:ext>
-            </a:extLst>
-          </p:cNvPr>
-          <p:cNvSpPr>
-            <a:spLocks noGrp="1"/>
-          </p:cNvSpPr>
-          <p:nvPr>
-            <p:ph type="sldNum" sz="quarter" idx="5"/>
-          </p:nvPr>
-        </p:nvSpPr>
-        <p:spPr/>
-        <p:txBody>
-          <a:bodyPr/>
-          <a:lstStyle/>
-          <a:p>
-            <a:fld id="{235412D2-4FCC-F140-A554-FE4E75EC1EAD}" type="slidenum">
-              <a:rPr lang="en-US" smtClean="0"/>
-              <a:pPr/>
-              <a:t>9</a:t>
-            </a:fld>
-            <a:endParaRPr lang="en-US" dirty="0"/>
-          </a:p>
-        </p:txBody>
-      </p:sp>
-    </p:spTree>
-    <p:extLst>
-      <p:ext uri="{BB962C8B-B14F-4D97-AF65-F5344CB8AC3E}">
-        <p14:creationId xmlns:p14="http://schemas.microsoft.com/office/powerpoint/2010/main" val="589147774"/>
       </p:ext>
     </p:extLst>
   </p:cSld>
@@ -11167,6 +11509,1354 @@
 </file>
 
 <file path=ppt/slides/slide10.xml><?xml version="1.0" encoding="utf-8"?>
+<p:sld xmlns:a="http://schemas.openxmlformats.org/drawingml/2006/main" xmlns:r="http://schemas.openxmlformats.org/officeDocument/2006/relationships" xmlns:p="http://schemas.openxmlformats.org/presentationml/2006/main" show="0">
+  <p:cSld>
+    <p:spTree>
+      <p:nvGrpSpPr>
+        <p:cNvPr id="1" name="">
+          <a:extLst>
+            <a:ext uri="{FF2B5EF4-FFF2-40B4-BE49-F238E27FC236}">
+              <a16:creationId xmlns:a16="http://schemas.microsoft.com/office/drawing/2014/main" id="{EA2830CB-6882-283B-6985-EFB2124B00D7}"/>
+            </a:ext>
+          </a:extLst>
+        </p:cNvPr>
+        <p:cNvGrpSpPr/>
+        <p:nvPr/>
+      </p:nvGrpSpPr>
+      <p:grpSpPr>
+        <a:xfrm>
+          <a:off x="0" y="0"/>
+          <a:ext cx="0" cy="0"/>
+          <a:chOff x="0" y="0"/>
+          <a:chExt cx="0" cy="0"/>
+        </a:xfrm>
+      </p:grpSpPr>
+      <p:sp>
+        <p:nvSpPr>
+          <p:cNvPr id="9" name="Title 8">
+            <a:extLst>
+              <a:ext uri="{FF2B5EF4-FFF2-40B4-BE49-F238E27FC236}">
+                <a16:creationId xmlns:a16="http://schemas.microsoft.com/office/drawing/2014/main" id="{F33495FF-D5AC-C054-CC93-357E7485DEA1}"/>
+              </a:ext>
+            </a:extLst>
+          </p:cNvPr>
+          <p:cNvSpPr>
+            <a:spLocks noGrp="1"/>
+          </p:cNvSpPr>
+          <p:nvPr>
+            <p:ph type="title"/>
+          </p:nvPr>
+        </p:nvSpPr>
+        <p:spPr/>
+        <p:txBody>
+          <a:bodyPr/>
+          <a:lstStyle/>
+          <a:p>
+            <a:r>
+              <a:rPr lang="en-US" dirty="0"/>
+              <a:t>Technology used (w/o xfer learning) </a:t>
+            </a:r>
+          </a:p>
+        </p:txBody>
+      </p:sp>
+      <p:sp>
+        <p:nvSpPr>
+          <p:cNvPr id="10" name="Content Placeholder 9">
+            <a:extLst>
+              <a:ext uri="{FF2B5EF4-FFF2-40B4-BE49-F238E27FC236}">
+                <a16:creationId xmlns:a16="http://schemas.microsoft.com/office/drawing/2014/main" id="{3A7E75FD-15D1-1ECC-B3B7-5E40F032357D}"/>
+              </a:ext>
+            </a:extLst>
+          </p:cNvPr>
+          <p:cNvSpPr>
+            <a:spLocks noGrp="1"/>
+          </p:cNvSpPr>
+          <p:nvPr>
+            <p:ph idx="10"/>
+          </p:nvPr>
+        </p:nvSpPr>
+        <p:spPr>
+          <a:xfrm>
+            <a:off x="914400" y="1549432"/>
+            <a:ext cx="10363200" cy="1250909"/>
+          </a:xfrm>
+        </p:spPr>
+        <p:txBody>
+          <a:bodyPr>
+            <a:normAutofit/>
+          </a:bodyPr>
+          <a:lstStyle/>
+          <a:p>
+            <a:pPr>
+              <a:lnSpc>
+                <a:spcPct val="150000"/>
+              </a:lnSpc>
+            </a:pPr>
+            <a:endParaRPr lang="en-US" sz="2400" dirty="0"/>
+          </a:p>
+          <a:p>
+            <a:pPr>
+              <a:lnSpc>
+                <a:spcPct val="150000"/>
+              </a:lnSpc>
+            </a:pPr>
+            <a:r>
+              <a:rPr lang="en-US" sz="2400" u="sng" dirty="0"/>
+              <a:t>4</a:t>
+            </a:r>
+            <a:r>
+              <a:rPr lang="en-US" sz="2400" dirty="0"/>
+              <a:t> Processes used</a:t>
+            </a:r>
+          </a:p>
+          <a:p>
+            <a:pPr>
+              <a:lnSpc>
+                <a:spcPct val="150000"/>
+              </a:lnSpc>
+            </a:pPr>
+            <a:endParaRPr lang="en-US" sz="2400" dirty="0"/>
+          </a:p>
+        </p:txBody>
+      </p:sp>
+      <p:sp>
+        <p:nvSpPr>
+          <p:cNvPr id="5" name="Rectangle 4">
+            <a:extLst>
+              <a:ext uri="{FF2B5EF4-FFF2-40B4-BE49-F238E27FC236}">
+                <a16:creationId xmlns:a16="http://schemas.microsoft.com/office/drawing/2014/main" id="{6C4E81DC-1682-5DEE-97DC-5CC003CC88D0}"/>
+              </a:ext>
+            </a:extLst>
+          </p:cNvPr>
+          <p:cNvSpPr/>
+          <p:nvPr/>
+        </p:nvSpPr>
+        <p:spPr>
+          <a:xfrm>
+            <a:off x="1518557" y="3460740"/>
+            <a:ext cx="1915886" cy="859971"/>
+          </a:xfrm>
+          <a:prstGeom prst="rect">
+            <a:avLst/>
+          </a:prstGeom>
+          <a:solidFill>
+            <a:schemeClr val="accent1"/>
+          </a:solidFill>
+          <a:ln>
+            <a:noFill/>
+          </a:ln>
+        </p:spPr>
+        <p:style>
+          <a:lnRef idx="2">
+            <a:schemeClr val="accent1">
+              <a:shade val="50000"/>
+            </a:schemeClr>
+          </a:lnRef>
+          <a:fillRef idx="1">
+            <a:schemeClr val="accent1"/>
+          </a:fillRef>
+          <a:effectRef idx="0">
+            <a:schemeClr val="accent1"/>
+          </a:effectRef>
+          <a:fontRef idx="minor">
+            <a:schemeClr val="lt1"/>
+          </a:fontRef>
+        </p:style>
+        <p:txBody>
+          <a:bodyPr rtlCol="0" anchor="ctr"/>
+          <a:lstStyle/>
+          <a:p>
+            <a:pPr algn="ctr"/>
+            <a:r>
+              <a:rPr lang="en-US" sz="1100" dirty="0">
+                <a:solidFill>
+                  <a:schemeClr val="tx2"/>
+                </a:solidFill>
+              </a:rPr>
+              <a:t>Conv2D</a:t>
+            </a:r>
+          </a:p>
+        </p:txBody>
+      </p:sp>
+      <p:sp>
+        <p:nvSpPr>
+          <p:cNvPr id="6" name="Rectangle 5">
+            <a:extLst>
+              <a:ext uri="{FF2B5EF4-FFF2-40B4-BE49-F238E27FC236}">
+                <a16:creationId xmlns:a16="http://schemas.microsoft.com/office/drawing/2014/main" id="{FC1D82EB-CD20-5897-18D5-8A27065156D8}"/>
+              </a:ext>
+            </a:extLst>
+          </p:cNvPr>
+          <p:cNvSpPr/>
+          <p:nvPr/>
+        </p:nvSpPr>
+        <p:spPr>
+          <a:xfrm>
+            <a:off x="4076700" y="3460740"/>
+            <a:ext cx="1915886" cy="859971"/>
+          </a:xfrm>
+          <a:prstGeom prst="rect">
+            <a:avLst/>
+          </a:prstGeom>
+          <a:solidFill>
+            <a:schemeClr val="accent1"/>
+          </a:solidFill>
+          <a:ln>
+            <a:noFill/>
+          </a:ln>
+        </p:spPr>
+        <p:style>
+          <a:lnRef idx="2">
+            <a:schemeClr val="accent1">
+              <a:shade val="50000"/>
+            </a:schemeClr>
+          </a:lnRef>
+          <a:fillRef idx="1">
+            <a:schemeClr val="accent1"/>
+          </a:fillRef>
+          <a:effectRef idx="0">
+            <a:schemeClr val="accent1"/>
+          </a:effectRef>
+          <a:fontRef idx="minor">
+            <a:schemeClr val="lt1"/>
+          </a:fontRef>
+        </p:style>
+        <p:txBody>
+          <a:bodyPr rtlCol="0" anchor="ctr"/>
+          <a:lstStyle/>
+          <a:p>
+            <a:pPr algn="ctr"/>
+            <a:r>
+              <a:rPr lang="en-US" sz="1100" dirty="0">
+                <a:solidFill>
+                  <a:schemeClr val="tx2"/>
+                </a:solidFill>
+              </a:rPr>
+              <a:t>MaxPooling2D</a:t>
+            </a:r>
+          </a:p>
+        </p:txBody>
+      </p:sp>
+      <p:sp>
+        <p:nvSpPr>
+          <p:cNvPr id="7" name="Rectangle 6">
+            <a:extLst>
+              <a:ext uri="{FF2B5EF4-FFF2-40B4-BE49-F238E27FC236}">
+                <a16:creationId xmlns:a16="http://schemas.microsoft.com/office/drawing/2014/main" id="{3DC64363-1509-3EBB-2BE6-F9EBDA5A1306}"/>
+              </a:ext>
+            </a:extLst>
+          </p:cNvPr>
+          <p:cNvSpPr/>
+          <p:nvPr/>
+        </p:nvSpPr>
+        <p:spPr>
+          <a:xfrm>
+            <a:off x="6634843" y="3460740"/>
+            <a:ext cx="1915886" cy="859971"/>
+          </a:xfrm>
+          <a:prstGeom prst="rect">
+            <a:avLst/>
+          </a:prstGeom>
+          <a:solidFill>
+            <a:schemeClr val="accent1"/>
+          </a:solidFill>
+          <a:ln>
+            <a:noFill/>
+          </a:ln>
+        </p:spPr>
+        <p:style>
+          <a:lnRef idx="2">
+            <a:schemeClr val="accent1">
+              <a:shade val="50000"/>
+            </a:schemeClr>
+          </a:lnRef>
+          <a:fillRef idx="1">
+            <a:schemeClr val="accent1"/>
+          </a:fillRef>
+          <a:effectRef idx="0">
+            <a:schemeClr val="accent1"/>
+          </a:effectRef>
+          <a:fontRef idx="minor">
+            <a:schemeClr val="lt1"/>
+          </a:fontRef>
+        </p:style>
+        <p:txBody>
+          <a:bodyPr rtlCol="0" anchor="ctr"/>
+          <a:lstStyle/>
+          <a:p>
+            <a:pPr algn="ctr"/>
+            <a:r>
+              <a:rPr lang="en-US" sz="1100" dirty="0">
+                <a:solidFill>
+                  <a:schemeClr val="tx2"/>
+                </a:solidFill>
+              </a:rPr>
+              <a:t>Flatten</a:t>
+            </a:r>
+          </a:p>
+        </p:txBody>
+      </p:sp>
+      <p:cxnSp>
+        <p:nvCxnSpPr>
+          <p:cNvPr id="11" name="Straight Arrow Connector 10">
+            <a:extLst>
+              <a:ext uri="{FF2B5EF4-FFF2-40B4-BE49-F238E27FC236}">
+                <a16:creationId xmlns:a16="http://schemas.microsoft.com/office/drawing/2014/main" id="{D0EA72E4-90AE-F6F3-DB5C-7D94C2034027}"/>
+              </a:ext>
+            </a:extLst>
+          </p:cNvPr>
+          <p:cNvCxnSpPr>
+            <a:endCxn id="6" idx="1"/>
+          </p:cNvCxnSpPr>
+          <p:nvPr/>
+        </p:nvCxnSpPr>
+        <p:spPr>
+          <a:xfrm>
+            <a:off x="3543300" y="3907055"/>
+            <a:ext cx="457200" cy="0"/>
+          </a:xfrm>
+          <a:prstGeom prst="straightConnector1">
+            <a:avLst/>
+          </a:prstGeom>
+          <a:ln>
+            <a:tailEnd type="triangle"/>
+          </a:ln>
+        </p:spPr>
+        <p:style>
+          <a:lnRef idx="1">
+            <a:schemeClr val="accent1"/>
+          </a:lnRef>
+          <a:fillRef idx="0">
+            <a:schemeClr val="accent1"/>
+          </a:fillRef>
+          <a:effectRef idx="0">
+            <a:schemeClr val="accent1"/>
+          </a:effectRef>
+          <a:fontRef idx="minor">
+            <a:schemeClr val="tx1"/>
+          </a:fontRef>
+        </p:style>
+      </p:cxnSp>
+      <p:cxnSp>
+        <p:nvCxnSpPr>
+          <p:cNvPr id="12" name="Straight Arrow Connector 11">
+            <a:extLst>
+              <a:ext uri="{FF2B5EF4-FFF2-40B4-BE49-F238E27FC236}">
+                <a16:creationId xmlns:a16="http://schemas.microsoft.com/office/drawing/2014/main" id="{1C672B68-C8CF-F486-86DF-D88FE7E0E38A}"/>
+              </a:ext>
+            </a:extLst>
+          </p:cNvPr>
+          <p:cNvCxnSpPr>
+            <a:cxnSpLocks/>
+          </p:cNvCxnSpPr>
+          <p:nvPr/>
+        </p:nvCxnSpPr>
+        <p:spPr>
+          <a:xfrm>
+            <a:off x="6068786" y="3907055"/>
+            <a:ext cx="457200" cy="0"/>
+          </a:xfrm>
+          <a:prstGeom prst="straightConnector1">
+            <a:avLst/>
+          </a:prstGeom>
+          <a:ln>
+            <a:tailEnd type="triangle"/>
+          </a:ln>
+        </p:spPr>
+        <p:style>
+          <a:lnRef idx="1">
+            <a:schemeClr val="accent1"/>
+          </a:lnRef>
+          <a:fillRef idx="0">
+            <a:schemeClr val="accent1"/>
+          </a:fillRef>
+          <a:effectRef idx="0">
+            <a:schemeClr val="accent1"/>
+          </a:effectRef>
+          <a:fontRef idx="minor">
+            <a:schemeClr val="tx1"/>
+          </a:fontRef>
+        </p:style>
+      </p:cxnSp>
+      <p:sp>
+        <p:nvSpPr>
+          <p:cNvPr id="14" name="Rectangle 13">
+            <a:extLst>
+              <a:ext uri="{FF2B5EF4-FFF2-40B4-BE49-F238E27FC236}">
+                <a16:creationId xmlns:a16="http://schemas.microsoft.com/office/drawing/2014/main" id="{6975DF29-E81C-36D6-3865-3BB3F039478C}"/>
+              </a:ext>
+            </a:extLst>
+          </p:cNvPr>
+          <p:cNvSpPr/>
+          <p:nvPr/>
+        </p:nvSpPr>
+        <p:spPr>
+          <a:xfrm>
+            <a:off x="9225643" y="3429000"/>
+            <a:ext cx="1915886" cy="859971"/>
+          </a:xfrm>
+          <a:prstGeom prst="rect">
+            <a:avLst/>
+          </a:prstGeom>
+          <a:solidFill>
+            <a:schemeClr val="accent1"/>
+          </a:solidFill>
+          <a:ln>
+            <a:noFill/>
+          </a:ln>
+        </p:spPr>
+        <p:style>
+          <a:lnRef idx="2">
+            <a:schemeClr val="accent1">
+              <a:shade val="50000"/>
+            </a:schemeClr>
+          </a:lnRef>
+          <a:fillRef idx="1">
+            <a:schemeClr val="accent1"/>
+          </a:fillRef>
+          <a:effectRef idx="0">
+            <a:schemeClr val="accent1"/>
+          </a:effectRef>
+          <a:fontRef idx="minor">
+            <a:schemeClr val="lt1"/>
+          </a:fontRef>
+        </p:style>
+        <p:txBody>
+          <a:bodyPr rtlCol="0" anchor="ctr"/>
+          <a:lstStyle/>
+          <a:p>
+            <a:pPr algn="ctr"/>
+            <a:r>
+              <a:rPr lang="en-US" sz="1100" dirty="0">
+                <a:solidFill>
+                  <a:schemeClr val="tx2"/>
+                </a:solidFill>
+              </a:rPr>
+              <a:t>Dense</a:t>
+            </a:r>
+          </a:p>
+        </p:txBody>
+      </p:sp>
+      <p:cxnSp>
+        <p:nvCxnSpPr>
+          <p:cNvPr id="15" name="Straight Arrow Connector 14">
+            <a:extLst>
+              <a:ext uri="{FF2B5EF4-FFF2-40B4-BE49-F238E27FC236}">
+                <a16:creationId xmlns:a16="http://schemas.microsoft.com/office/drawing/2014/main" id="{FF291A06-B72D-5382-14FC-CDDB97A91644}"/>
+              </a:ext>
+            </a:extLst>
+          </p:cNvPr>
+          <p:cNvCxnSpPr>
+            <a:cxnSpLocks/>
+          </p:cNvCxnSpPr>
+          <p:nvPr/>
+        </p:nvCxnSpPr>
+        <p:spPr>
+          <a:xfrm>
+            <a:off x="8659586" y="3875315"/>
+            <a:ext cx="457200" cy="0"/>
+          </a:xfrm>
+          <a:prstGeom prst="straightConnector1">
+            <a:avLst/>
+          </a:prstGeom>
+          <a:ln>
+            <a:tailEnd type="triangle"/>
+          </a:ln>
+        </p:spPr>
+        <p:style>
+          <a:lnRef idx="1">
+            <a:schemeClr val="accent1"/>
+          </a:lnRef>
+          <a:fillRef idx="0">
+            <a:schemeClr val="accent1"/>
+          </a:fillRef>
+          <a:effectRef idx="0">
+            <a:schemeClr val="accent1"/>
+          </a:effectRef>
+          <a:fontRef idx="minor">
+            <a:schemeClr val="tx1"/>
+          </a:fontRef>
+        </p:style>
+      </p:cxnSp>
+    </p:spTree>
+    <p:extLst>
+      <p:ext uri="{BB962C8B-B14F-4D97-AF65-F5344CB8AC3E}">
+        <p14:creationId xmlns:p14="http://schemas.microsoft.com/office/powerpoint/2010/main" val="1315846249"/>
+      </p:ext>
+    </p:extLst>
+  </p:cSld>
+  <p:clrMapOvr>
+    <a:masterClrMapping/>
+  </p:clrMapOvr>
+  <p:transition>
+    <p:fade/>
+  </p:transition>
+</p:sld>
+</file>
+
+<file path=ppt/slides/slide11.xml><?xml version="1.0" encoding="utf-8"?>
+<p:sld xmlns:a="http://schemas.openxmlformats.org/drawingml/2006/main" xmlns:r="http://schemas.openxmlformats.org/officeDocument/2006/relationships" xmlns:p="http://schemas.openxmlformats.org/presentationml/2006/main">
+  <p:cSld>
+    <p:spTree>
+      <p:nvGrpSpPr>
+        <p:cNvPr id="1" name=""/>
+        <p:cNvGrpSpPr/>
+        <p:nvPr/>
+      </p:nvGrpSpPr>
+      <p:grpSpPr>
+        <a:xfrm>
+          <a:off x="0" y="0"/>
+          <a:ext cx="0" cy="0"/>
+          <a:chOff x="0" y="0"/>
+          <a:chExt cx="0" cy="0"/>
+        </a:xfrm>
+      </p:grpSpPr>
+      <p:sp>
+        <p:nvSpPr>
+          <p:cNvPr id="2" name="Title 1">
+            <a:extLst>
+              <a:ext uri="{FF2B5EF4-FFF2-40B4-BE49-F238E27FC236}">
+                <a16:creationId xmlns:a16="http://schemas.microsoft.com/office/drawing/2014/main" id="{3F55E54F-C689-D566-C635-6D96368D8E54}"/>
+              </a:ext>
+            </a:extLst>
+          </p:cNvPr>
+          <p:cNvSpPr>
+            <a:spLocks noGrp="1"/>
+          </p:cNvSpPr>
+          <p:nvPr>
+            <p:ph type="title"/>
+          </p:nvPr>
+        </p:nvSpPr>
+        <p:spPr/>
+        <p:txBody>
+          <a:bodyPr/>
+          <a:lstStyle/>
+          <a:p>
+            <a:r>
+              <a:rPr lang="en-US" dirty="0"/>
+              <a:t>What is </a:t>
+            </a:r>
+            <a:r>
+              <a:rPr lang="en-US" dirty="0" err="1"/>
+              <a:t>cnn</a:t>
+            </a:r>
+            <a:r>
+              <a:rPr lang="en-US" dirty="0"/>
+              <a:t>?</a:t>
+            </a:r>
+          </a:p>
+        </p:txBody>
+      </p:sp>
+      <p:sp>
+        <p:nvSpPr>
+          <p:cNvPr id="3" name="Content Placeholder 2">
+            <a:extLst>
+              <a:ext uri="{FF2B5EF4-FFF2-40B4-BE49-F238E27FC236}">
+                <a16:creationId xmlns:a16="http://schemas.microsoft.com/office/drawing/2014/main" id="{C715E2A8-800E-844D-714F-8CF49EF934B5}"/>
+              </a:ext>
+            </a:extLst>
+          </p:cNvPr>
+          <p:cNvSpPr>
+            <a:spLocks noGrp="1"/>
+          </p:cNvSpPr>
+          <p:nvPr>
+            <p:ph idx="10"/>
+          </p:nvPr>
+        </p:nvSpPr>
+        <p:spPr/>
+        <p:txBody>
+          <a:bodyPr/>
+          <a:lstStyle/>
+          <a:p>
+            <a:endParaRPr lang="en-US"/>
+          </a:p>
+        </p:txBody>
+      </p:sp>
+    </p:spTree>
+    <p:extLst>
+      <p:ext uri="{BB962C8B-B14F-4D97-AF65-F5344CB8AC3E}">
+        <p14:creationId xmlns:p14="http://schemas.microsoft.com/office/powerpoint/2010/main" val="2989133993"/>
+      </p:ext>
+    </p:extLst>
+  </p:cSld>
+  <p:clrMapOvr>
+    <a:masterClrMapping/>
+  </p:clrMapOvr>
+  <p:transition>
+    <p:fade/>
+  </p:transition>
+</p:sld>
+</file>
+
+<file path=ppt/slides/slide12.xml><?xml version="1.0" encoding="utf-8"?>
+<p:sld xmlns:a="http://schemas.openxmlformats.org/drawingml/2006/main" xmlns:r="http://schemas.openxmlformats.org/officeDocument/2006/relationships" xmlns:p="http://schemas.openxmlformats.org/presentationml/2006/main">
+  <p:cSld>
+    <p:spTree>
+      <p:nvGrpSpPr>
+        <p:cNvPr id="1" name=""/>
+        <p:cNvGrpSpPr/>
+        <p:nvPr/>
+      </p:nvGrpSpPr>
+      <p:grpSpPr>
+        <a:xfrm>
+          <a:off x="0" y="0"/>
+          <a:ext cx="0" cy="0"/>
+          <a:chOff x="0" y="0"/>
+          <a:chExt cx="0" cy="0"/>
+        </a:xfrm>
+      </p:grpSpPr>
+      <p:sp>
+        <p:nvSpPr>
+          <p:cNvPr id="2" name="Title 1">
+            <a:extLst>
+              <a:ext uri="{FF2B5EF4-FFF2-40B4-BE49-F238E27FC236}">
+                <a16:creationId xmlns:a16="http://schemas.microsoft.com/office/drawing/2014/main" id="{4E50DDC4-9BB3-7B29-FF1E-CCC70F61EA37}"/>
+              </a:ext>
+            </a:extLst>
+          </p:cNvPr>
+          <p:cNvSpPr>
+            <a:spLocks noGrp="1"/>
+          </p:cNvSpPr>
+          <p:nvPr>
+            <p:ph type="title"/>
+          </p:nvPr>
+        </p:nvSpPr>
+        <p:spPr/>
+        <p:txBody>
+          <a:bodyPr/>
+          <a:lstStyle/>
+          <a:p>
+            <a:r>
+              <a:rPr lang="en-US" dirty="0"/>
+              <a:t>Steps involving </a:t>
+            </a:r>
+            <a:r>
+              <a:rPr lang="en-US" dirty="0" err="1"/>
+              <a:t>cnn</a:t>
+            </a:r>
+            <a:endParaRPr lang="en-US" dirty="0"/>
+          </a:p>
+        </p:txBody>
+      </p:sp>
+      <p:sp>
+        <p:nvSpPr>
+          <p:cNvPr id="3" name="Content Placeholder 2">
+            <a:extLst>
+              <a:ext uri="{FF2B5EF4-FFF2-40B4-BE49-F238E27FC236}">
+                <a16:creationId xmlns:a16="http://schemas.microsoft.com/office/drawing/2014/main" id="{00B044B2-E61F-CB1D-90F1-3B1A2AE1DFE0}"/>
+              </a:ext>
+            </a:extLst>
+          </p:cNvPr>
+          <p:cNvSpPr>
+            <a:spLocks noGrp="1"/>
+          </p:cNvSpPr>
+          <p:nvPr>
+            <p:ph idx="10"/>
+          </p:nvPr>
+        </p:nvSpPr>
+        <p:spPr/>
+        <p:txBody>
+          <a:bodyPr/>
+          <a:lstStyle/>
+          <a:p>
+            <a:endParaRPr lang="en-US"/>
+          </a:p>
+        </p:txBody>
+      </p:sp>
+    </p:spTree>
+    <p:extLst>
+      <p:ext uri="{BB962C8B-B14F-4D97-AF65-F5344CB8AC3E}">
+        <p14:creationId xmlns:p14="http://schemas.microsoft.com/office/powerpoint/2010/main" val="1413425754"/>
+      </p:ext>
+    </p:extLst>
+  </p:cSld>
+  <p:clrMapOvr>
+    <a:masterClrMapping/>
+  </p:clrMapOvr>
+  <p:transition>
+    <p:fade/>
+  </p:transition>
+</p:sld>
+</file>
+
+<file path=ppt/slides/slide13.xml><?xml version="1.0" encoding="utf-8"?>
+<p:sld xmlns:a="http://schemas.openxmlformats.org/drawingml/2006/main" xmlns:r="http://schemas.openxmlformats.org/officeDocument/2006/relationships" xmlns:p="http://schemas.openxmlformats.org/presentationml/2006/main">
+  <p:cSld>
+    <p:spTree>
+      <p:nvGrpSpPr>
+        <p:cNvPr id="1" name="">
+          <a:extLst>
+            <a:ext uri="{FF2B5EF4-FFF2-40B4-BE49-F238E27FC236}">
+              <a16:creationId xmlns:a16="http://schemas.microsoft.com/office/drawing/2014/main" id="{17BF6FB3-4BEB-2204-5DAE-2EF1AEF5A527}"/>
+            </a:ext>
+          </a:extLst>
+        </p:cNvPr>
+        <p:cNvGrpSpPr/>
+        <p:nvPr/>
+      </p:nvGrpSpPr>
+      <p:grpSpPr>
+        <a:xfrm>
+          <a:off x="0" y="0"/>
+          <a:ext cx="0" cy="0"/>
+          <a:chOff x="0" y="0"/>
+          <a:chExt cx="0" cy="0"/>
+        </a:xfrm>
+      </p:grpSpPr>
+      <p:sp>
+        <p:nvSpPr>
+          <p:cNvPr id="9" name="Title 8">
+            <a:extLst>
+              <a:ext uri="{FF2B5EF4-FFF2-40B4-BE49-F238E27FC236}">
+                <a16:creationId xmlns:a16="http://schemas.microsoft.com/office/drawing/2014/main" id="{3DB31587-02D4-3CE4-54F6-CD332F9FE408}"/>
+              </a:ext>
+            </a:extLst>
+          </p:cNvPr>
+          <p:cNvSpPr>
+            <a:spLocks noGrp="1"/>
+          </p:cNvSpPr>
+          <p:nvPr>
+            <p:ph type="title"/>
+          </p:nvPr>
+        </p:nvSpPr>
+        <p:spPr/>
+        <p:txBody>
+          <a:bodyPr/>
+          <a:lstStyle/>
+          <a:p>
+            <a:r>
+              <a:rPr lang="en-US" dirty="0" err="1"/>
+              <a:t>Cnn</a:t>
+            </a:r>
+            <a:r>
+              <a:rPr lang="en-US" dirty="0"/>
+              <a:t> model architecture</a:t>
+            </a:r>
+          </a:p>
+        </p:txBody>
+      </p:sp>
+      <p:sp>
+        <p:nvSpPr>
+          <p:cNvPr id="4" name="TextBox 3">
+            <a:extLst>
+              <a:ext uri="{FF2B5EF4-FFF2-40B4-BE49-F238E27FC236}">
+                <a16:creationId xmlns:a16="http://schemas.microsoft.com/office/drawing/2014/main" id="{04574F6C-A172-6DD1-BDA8-04275D6B75E5}"/>
+              </a:ext>
+            </a:extLst>
+          </p:cNvPr>
+          <p:cNvSpPr txBox="1"/>
+          <p:nvPr/>
+        </p:nvSpPr>
+        <p:spPr>
+          <a:xfrm>
+            <a:off x="1561514" y="1378634"/>
+            <a:ext cx="8736037" cy="3031588"/>
+          </a:xfrm>
+          <a:prstGeom prst="rect">
+            <a:avLst/>
+          </a:prstGeom>
+        </p:spPr>
+        <p:txBody>
+          <a:bodyPr vert="horz" wrap="square" lIns="91440" tIns="45720" rIns="91440" bIns="45720" rtlCol="0" anchor="t" anchorCtr="0">
+            <a:normAutofit/>
+          </a:bodyPr>
+          <a:lstStyle/>
+          <a:p>
+            <a:pPr algn="l"/>
+            <a:endParaRPr lang="en-US" sz="1100" dirty="0">
+              <a:solidFill>
+                <a:schemeClr val="bg2"/>
+              </a:solidFill>
+            </a:endParaRPr>
+          </a:p>
+        </p:txBody>
+      </p:sp>
+      <p:sp>
+        <p:nvSpPr>
+          <p:cNvPr id="8" name="TextBox 7">
+            <a:extLst>
+              <a:ext uri="{FF2B5EF4-FFF2-40B4-BE49-F238E27FC236}">
+                <a16:creationId xmlns:a16="http://schemas.microsoft.com/office/drawing/2014/main" id="{0213FDA5-093C-0439-B79D-A3AB173ABEF3}"/>
+              </a:ext>
+            </a:extLst>
+          </p:cNvPr>
+          <p:cNvSpPr txBox="1"/>
+          <p:nvPr/>
+        </p:nvSpPr>
+        <p:spPr>
+          <a:xfrm>
+            <a:off x="1329397" y="1329397"/>
+            <a:ext cx="8532055" cy="3080824"/>
+          </a:xfrm>
+          <a:prstGeom prst="rect">
+            <a:avLst/>
+          </a:prstGeom>
+        </p:spPr>
+        <p:txBody>
+          <a:bodyPr vert="horz" wrap="square" lIns="91440" tIns="45720" rIns="91440" bIns="45720" rtlCol="0" anchor="t" anchorCtr="0">
+            <a:normAutofit/>
+          </a:bodyPr>
+          <a:lstStyle/>
+          <a:p>
+            <a:pPr algn="l"/>
+            <a:endParaRPr lang="en-US" sz="1100" dirty="0">
+              <a:solidFill>
+                <a:schemeClr val="bg2"/>
+              </a:solidFill>
+            </a:endParaRPr>
+          </a:p>
+        </p:txBody>
+      </p:sp>
+      <p:sp>
+        <p:nvSpPr>
+          <p:cNvPr id="13" name="Content Placeholder 9">
+            <a:extLst>
+              <a:ext uri="{FF2B5EF4-FFF2-40B4-BE49-F238E27FC236}">
+                <a16:creationId xmlns:a16="http://schemas.microsoft.com/office/drawing/2014/main" id="{F325165A-3953-9F06-72F0-AB63595C66EF}"/>
+              </a:ext>
+            </a:extLst>
+          </p:cNvPr>
+          <p:cNvSpPr>
+            <a:spLocks noGrp="1"/>
+          </p:cNvSpPr>
+          <p:nvPr>
+            <p:ph idx="10"/>
+          </p:nvPr>
+        </p:nvSpPr>
+        <p:spPr>
+          <a:xfrm>
+            <a:off x="914400" y="1549432"/>
+            <a:ext cx="10363200" cy="3225766"/>
+          </a:xfrm>
+        </p:spPr>
+        <p:txBody>
+          <a:bodyPr>
+            <a:normAutofit/>
+          </a:bodyPr>
+          <a:lstStyle/>
+          <a:p>
+            <a:pPr>
+              <a:lnSpc>
+                <a:spcPct val="150000"/>
+              </a:lnSpc>
+            </a:pPr>
+            <a:r>
+              <a:rPr lang="en-US" sz="1400" dirty="0"/>
+              <a:t>Conv2D</a:t>
+            </a:r>
+          </a:p>
+          <a:p>
+            <a:pPr>
+              <a:lnSpc>
+                <a:spcPct val="150000"/>
+              </a:lnSpc>
+            </a:pPr>
+            <a:r>
+              <a:rPr lang="en-US" sz="1400" dirty="0"/>
+              <a:t>Core building block of CNN</a:t>
+            </a:r>
+          </a:p>
+          <a:p>
+            <a:pPr>
+              <a:lnSpc>
+                <a:spcPct val="150000"/>
+              </a:lnSpc>
+            </a:pPr>
+            <a:r>
+              <a:rPr lang="en-US" sz="1400" dirty="0"/>
+              <a:t>Extracts special features of images (textures, edges, shapes)</a:t>
+            </a:r>
+          </a:p>
+          <a:p>
+            <a:pPr>
+              <a:lnSpc>
+                <a:spcPct val="150000"/>
+              </a:lnSpc>
+            </a:pPr>
+            <a:r>
+              <a:rPr lang="en-US" sz="1400" dirty="0"/>
+              <a:t>Filter moves across image and detect patterns</a:t>
+            </a:r>
+          </a:p>
+          <a:p>
+            <a:pPr>
+              <a:lnSpc>
+                <a:spcPct val="150000"/>
+              </a:lnSpc>
+            </a:pPr>
+            <a:r>
+              <a:rPr lang="en-US" sz="1400" dirty="0"/>
+              <a:t>Generates a </a:t>
+            </a:r>
+            <a:r>
+              <a:rPr lang="en-US" sz="1400" b="1" dirty="0"/>
+              <a:t>Feature Map</a:t>
+            </a:r>
+          </a:p>
+          <a:p>
+            <a:pPr>
+              <a:lnSpc>
+                <a:spcPct val="150000"/>
+              </a:lnSpc>
+            </a:pPr>
+            <a:endParaRPr lang="en-US" sz="1400" dirty="0"/>
+          </a:p>
+          <a:p>
+            <a:pPr>
+              <a:lnSpc>
+                <a:spcPct val="150000"/>
+              </a:lnSpc>
+            </a:pPr>
+            <a:endParaRPr lang="en-US" sz="1400" dirty="0"/>
+          </a:p>
+          <a:p>
+            <a:pPr>
+              <a:lnSpc>
+                <a:spcPct val="150000"/>
+              </a:lnSpc>
+            </a:pPr>
+            <a:endParaRPr lang="en-US" sz="1400" dirty="0"/>
+          </a:p>
+          <a:p>
+            <a:pPr>
+              <a:lnSpc>
+                <a:spcPct val="150000"/>
+              </a:lnSpc>
+            </a:pPr>
+            <a:endParaRPr lang="en-US" sz="1400" dirty="0"/>
+          </a:p>
+          <a:p>
+            <a:pPr>
+              <a:lnSpc>
+                <a:spcPct val="150000"/>
+              </a:lnSpc>
+            </a:pPr>
+            <a:endParaRPr lang="en-US" sz="1400" dirty="0"/>
+          </a:p>
+        </p:txBody>
+      </p:sp>
+      <p:pic>
+        <p:nvPicPr>
+          <p:cNvPr id="1028" name="Picture 4" descr="What are Convolutional Neural Networks? | IBM">
+            <a:extLst>
+              <a:ext uri="{FF2B5EF4-FFF2-40B4-BE49-F238E27FC236}">
+                <a16:creationId xmlns:a16="http://schemas.microsoft.com/office/drawing/2014/main" id="{C828E359-DD03-AE11-B2E1-EA86E81E94FD}"/>
+              </a:ext>
+            </a:extLst>
+          </p:cNvPr>
+          <p:cNvPicPr>
+            <a:picLocks noChangeAspect="1" noChangeArrowheads="1"/>
+          </p:cNvPicPr>
+          <p:nvPr/>
+        </p:nvPicPr>
+        <p:blipFill>
+          <a:blip r:embed="rId3">
+            <a:extLst>
+              <a:ext uri="{28A0092B-C50C-407E-A947-70E740481C1C}">
+                <a14:useLocalDpi xmlns:a14="http://schemas.microsoft.com/office/drawing/2010/main" val="0"/>
+              </a:ext>
+            </a:extLst>
+          </a:blip>
+          <a:srcRect/>
+          <a:stretch>
+            <a:fillRect/>
+          </a:stretch>
+        </p:blipFill>
+        <p:spPr bwMode="auto">
+          <a:xfrm>
+            <a:off x="8333894" y="136642"/>
+            <a:ext cx="3785297" cy="2132610"/>
+          </a:xfrm>
+          <a:prstGeom prst="rect">
+            <a:avLst/>
+          </a:prstGeom>
+          <a:noFill/>
+          <a:extLst>
+            <a:ext uri="{909E8E84-426E-40DD-AFC4-6F175D3DCCD1}">
+              <a14:hiddenFill xmlns:a14="http://schemas.microsoft.com/office/drawing/2010/main">
+                <a:solidFill>
+                  <a:srgbClr val="FFFFFF"/>
+                </a:solidFill>
+              </a14:hiddenFill>
+            </a:ext>
+          </a:extLst>
+        </p:spPr>
+      </p:pic>
+      <p:sp>
+        <p:nvSpPr>
+          <p:cNvPr id="16" name="Rectangle 15">
+            <a:extLst>
+              <a:ext uri="{FF2B5EF4-FFF2-40B4-BE49-F238E27FC236}">
+                <a16:creationId xmlns:a16="http://schemas.microsoft.com/office/drawing/2014/main" id="{6E19277E-7FBC-0ED1-BF06-F5C986347B19}"/>
+              </a:ext>
+            </a:extLst>
+          </p:cNvPr>
+          <p:cNvSpPr/>
+          <p:nvPr/>
+        </p:nvSpPr>
+        <p:spPr>
+          <a:xfrm>
+            <a:off x="1561514" y="4775198"/>
+            <a:ext cx="1915886" cy="859971"/>
+          </a:xfrm>
+          <a:prstGeom prst="rect">
+            <a:avLst/>
+          </a:prstGeom>
+          <a:solidFill>
+            <a:schemeClr val="accent3"/>
+          </a:solidFill>
+          <a:ln>
+            <a:noFill/>
+          </a:ln>
+        </p:spPr>
+        <p:style>
+          <a:lnRef idx="2">
+            <a:schemeClr val="accent1">
+              <a:shade val="50000"/>
+            </a:schemeClr>
+          </a:lnRef>
+          <a:fillRef idx="1">
+            <a:schemeClr val="accent1"/>
+          </a:fillRef>
+          <a:effectRef idx="0">
+            <a:schemeClr val="accent1"/>
+          </a:effectRef>
+          <a:fontRef idx="minor">
+            <a:schemeClr val="lt1"/>
+          </a:fontRef>
+        </p:style>
+        <p:txBody>
+          <a:bodyPr rtlCol="0" anchor="ctr"/>
+          <a:lstStyle/>
+          <a:p>
+            <a:pPr algn="ctr"/>
+            <a:r>
+              <a:rPr lang="en-US" sz="1100" dirty="0">
+                <a:solidFill>
+                  <a:schemeClr val="tx2"/>
+                </a:solidFill>
+              </a:rPr>
+              <a:t>Conv2D</a:t>
+            </a:r>
+          </a:p>
+        </p:txBody>
+      </p:sp>
+      <p:sp>
+        <p:nvSpPr>
+          <p:cNvPr id="17" name="Rectangle 16">
+            <a:extLst>
+              <a:ext uri="{FF2B5EF4-FFF2-40B4-BE49-F238E27FC236}">
+                <a16:creationId xmlns:a16="http://schemas.microsoft.com/office/drawing/2014/main" id="{824D7ADF-34F1-8C61-8728-6AFDBA9AAC27}"/>
+              </a:ext>
+            </a:extLst>
+          </p:cNvPr>
+          <p:cNvSpPr/>
+          <p:nvPr/>
+        </p:nvSpPr>
+        <p:spPr>
+          <a:xfrm>
+            <a:off x="4119657" y="4775198"/>
+            <a:ext cx="1915886" cy="859971"/>
+          </a:xfrm>
+          <a:prstGeom prst="rect">
+            <a:avLst/>
+          </a:prstGeom>
+          <a:solidFill>
+            <a:schemeClr val="accent1"/>
+          </a:solidFill>
+          <a:ln>
+            <a:noFill/>
+          </a:ln>
+        </p:spPr>
+        <p:style>
+          <a:lnRef idx="2">
+            <a:schemeClr val="accent1">
+              <a:shade val="50000"/>
+            </a:schemeClr>
+          </a:lnRef>
+          <a:fillRef idx="1">
+            <a:schemeClr val="accent1"/>
+          </a:fillRef>
+          <a:effectRef idx="0">
+            <a:schemeClr val="accent1"/>
+          </a:effectRef>
+          <a:fontRef idx="minor">
+            <a:schemeClr val="lt1"/>
+          </a:fontRef>
+        </p:style>
+        <p:txBody>
+          <a:bodyPr rtlCol="0" anchor="ctr"/>
+          <a:lstStyle/>
+          <a:p>
+            <a:pPr algn="ctr"/>
+            <a:r>
+              <a:rPr lang="en-US" sz="1100" dirty="0">
+                <a:solidFill>
+                  <a:schemeClr val="tx2"/>
+                </a:solidFill>
+              </a:rPr>
+              <a:t>MaxPooling2D</a:t>
+            </a:r>
+          </a:p>
+        </p:txBody>
+      </p:sp>
+      <p:sp>
+        <p:nvSpPr>
+          <p:cNvPr id="18" name="Rectangle 17">
+            <a:extLst>
+              <a:ext uri="{FF2B5EF4-FFF2-40B4-BE49-F238E27FC236}">
+                <a16:creationId xmlns:a16="http://schemas.microsoft.com/office/drawing/2014/main" id="{CAE45FFF-7FDC-52AD-78E4-7D9A90291395}"/>
+              </a:ext>
+            </a:extLst>
+          </p:cNvPr>
+          <p:cNvSpPr/>
+          <p:nvPr/>
+        </p:nvSpPr>
+        <p:spPr>
+          <a:xfrm>
+            <a:off x="6677800" y="4775198"/>
+            <a:ext cx="1915886" cy="859971"/>
+          </a:xfrm>
+          <a:prstGeom prst="rect">
+            <a:avLst/>
+          </a:prstGeom>
+          <a:solidFill>
+            <a:schemeClr val="accent1"/>
+          </a:solidFill>
+          <a:ln>
+            <a:noFill/>
+          </a:ln>
+        </p:spPr>
+        <p:style>
+          <a:lnRef idx="2">
+            <a:schemeClr val="accent1">
+              <a:shade val="50000"/>
+            </a:schemeClr>
+          </a:lnRef>
+          <a:fillRef idx="1">
+            <a:schemeClr val="accent1"/>
+          </a:fillRef>
+          <a:effectRef idx="0">
+            <a:schemeClr val="accent1"/>
+          </a:effectRef>
+          <a:fontRef idx="minor">
+            <a:schemeClr val="lt1"/>
+          </a:fontRef>
+        </p:style>
+        <p:txBody>
+          <a:bodyPr rtlCol="0" anchor="ctr"/>
+          <a:lstStyle/>
+          <a:p>
+            <a:pPr algn="ctr"/>
+            <a:r>
+              <a:rPr lang="en-US" sz="1100" dirty="0">
+                <a:solidFill>
+                  <a:schemeClr val="tx2"/>
+                </a:solidFill>
+              </a:rPr>
+              <a:t>Flatten</a:t>
+            </a:r>
+          </a:p>
+        </p:txBody>
+      </p:sp>
+      <p:cxnSp>
+        <p:nvCxnSpPr>
+          <p:cNvPr id="19" name="Straight Arrow Connector 18">
+            <a:extLst>
+              <a:ext uri="{FF2B5EF4-FFF2-40B4-BE49-F238E27FC236}">
+                <a16:creationId xmlns:a16="http://schemas.microsoft.com/office/drawing/2014/main" id="{28A17739-2DE8-E233-DBBD-B751EEEA7263}"/>
+              </a:ext>
+            </a:extLst>
+          </p:cNvPr>
+          <p:cNvCxnSpPr>
+            <a:endCxn id="17" idx="1"/>
+          </p:cNvCxnSpPr>
+          <p:nvPr/>
+        </p:nvCxnSpPr>
+        <p:spPr>
+          <a:xfrm>
+            <a:off x="3586257" y="5221513"/>
+            <a:ext cx="457200" cy="0"/>
+          </a:xfrm>
+          <a:prstGeom prst="straightConnector1">
+            <a:avLst/>
+          </a:prstGeom>
+          <a:ln>
+            <a:tailEnd type="triangle"/>
+          </a:ln>
+        </p:spPr>
+        <p:style>
+          <a:lnRef idx="1">
+            <a:schemeClr val="accent1"/>
+          </a:lnRef>
+          <a:fillRef idx="0">
+            <a:schemeClr val="accent1"/>
+          </a:fillRef>
+          <a:effectRef idx="0">
+            <a:schemeClr val="accent1"/>
+          </a:effectRef>
+          <a:fontRef idx="minor">
+            <a:schemeClr val="tx1"/>
+          </a:fontRef>
+        </p:style>
+      </p:cxnSp>
+      <p:cxnSp>
+        <p:nvCxnSpPr>
+          <p:cNvPr id="20" name="Straight Arrow Connector 19">
+            <a:extLst>
+              <a:ext uri="{FF2B5EF4-FFF2-40B4-BE49-F238E27FC236}">
+                <a16:creationId xmlns:a16="http://schemas.microsoft.com/office/drawing/2014/main" id="{47DE2B19-D0A2-C2C5-39D0-FA46A556F0F1}"/>
+              </a:ext>
+            </a:extLst>
+          </p:cNvPr>
+          <p:cNvCxnSpPr>
+            <a:cxnSpLocks/>
+          </p:cNvCxnSpPr>
+          <p:nvPr/>
+        </p:nvCxnSpPr>
+        <p:spPr>
+          <a:xfrm>
+            <a:off x="6111743" y="5221513"/>
+            <a:ext cx="457200" cy="0"/>
+          </a:xfrm>
+          <a:prstGeom prst="straightConnector1">
+            <a:avLst/>
+          </a:prstGeom>
+          <a:ln>
+            <a:tailEnd type="triangle"/>
+          </a:ln>
+        </p:spPr>
+        <p:style>
+          <a:lnRef idx="1">
+            <a:schemeClr val="accent1"/>
+          </a:lnRef>
+          <a:fillRef idx="0">
+            <a:schemeClr val="accent1"/>
+          </a:fillRef>
+          <a:effectRef idx="0">
+            <a:schemeClr val="accent1"/>
+          </a:effectRef>
+          <a:fontRef idx="minor">
+            <a:schemeClr val="tx1"/>
+          </a:fontRef>
+        </p:style>
+      </p:cxnSp>
+      <p:sp>
+        <p:nvSpPr>
+          <p:cNvPr id="21" name="Rectangle 20">
+            <a:extLst>
+              <a:ext uri="{FF2B5EF4-FFF2-40B4-BE49-F238E27FC236}">
+                <a16:creationId xmlns:a16="http://schemas.microsoft.com/office/drawing/2014/main" id="{4DE1A0C1-2BBB-544E-90D7-88CB25243EC6}"/>
+              </a:ext>
+            </a:extLst>
+          </p:cNvPr>
+          <p:cNvSpPr/>
+          <p:nvPr/>
+        </p:nvSpPr>
+        <p:spPr>
+          <a:xfrm>
+            <a:off x="9268600" y="4743458"/>
+            <a:ext cx="1915886" cy="859971"/>
+          </a:xfrm>
+          <a:prstGeom prst="rect">
+            <a:avLst/>
+          </a:prstGeom>
+          <a:solidFill>
+            <a:schemeClr val="accent1"/>
+          </a:solidFill>
+          <a:ln>
+            <a:noFill/>
+          </a:ln>
+        </p:spPr>
+        <p:style>
+          <a:lnRef idx="2">
+            <a:schemeClr val="accent1">
+              <a:shade val="50000"/>
+            </a:schemeClr>
+          </a:lnRef>
+          <a:fillRef idx="1">
+            <a:schemeClr val="accent1"/>
+          </a:fillRef>
+          <a:effectRef idx="0">
+            <a:schemeClr val="accent1"/>
+          </a:effectRef>
+          <a:fontRef idx="minor">
+            <a:schemeClr val="lt1"/>
+          </a:fontRef>
+        </p:style>
+        <p:txBody>
+          <a:bodyPr rtlCol="0" anchor="ctr"/>
+          <a:lstStyle/>
+          <a:p>
+            <a:pPr algn="ctr"/>
+            <a:r>
+              <a:rPr lang="en-US" sz="1100" dirty="0">
+                <a:solidFill>
+                  <a:schemeClr val="tx2"/>
+                </a:solidFill>
+              </a:rPr>
+              <a:t>Dense</a:t>
+            </a:r>
+          </a:p>
+        </p:txBody>
+      </p:sp>
+      <p:cxnSp>
+        <p:nvCxnSpPr>
+          <p:cNvPr id="22" name="Straight Arrow Connector 21">
+            <a:extLst>
+              <a:ext uri="{FF2B5EF4-FFF2-40B4-BE49-F238E27FC236}">
+                <a16:creationId xmlns:a16="http://schemas.microsoft.com/office/drawing/2014/main" id="{1CAEEFBD-D23D-A2D6-E51E-1B94705A3242}"/>
+              </a:ext>
+            </a:extLst>
+          </p:cNvPr>
+          <p:cNvCxnSpPr>
+            <a:cxnSpLocks/>
+          </p:cNvCxnSpPr>
+          <p:nvPr/>
+        </p:nvCxnSpPr>
+        <p:spPr>
+          <a:xfrm>
+            <a:off x="8702543" y="5189773"/>
+            <a:ext cx="457200" cy="0"/>
+          </a:xfrm>
+          <a:prstGeom prst="straightConnector1">
+            <a:avLst/>
+          </a:prstGeom>
+          <a:ln>
+            <a:tailEnd type="triangle"/>
+          </a:ln>
+        </p:spPr>
+        <p:style>
+          <a:lnRef idx="1">
+            <a:schemeClr val="accent1"/>
+          </a:lnRef>
+          <a:fillRef idx="0">
+            <a:schemeClr val="accent1"/>
+          </a:fillRef>
+          <a:effectRef idx="0">
+            <a:schemeClr val="accent1"/>
+          </a:effectRef>
+          <a:fontRef idx="minor">
+            <a:schemeClr val="tx1"/>
+          </a:fontRef>
+        </p:style>
+      </p:cxnSp>
+    </p:spTree>
+    <p:extLst>
+      <p:ext uri="{BB962C8B-B14F-4D97-AF65-F5344CB8AC3E}">
+        <p14:creationId xmlns:p14="http://schemas.microsoft.com/office/powerpoint/2010/main" val="845801550"/>
+      </p:ext>
+    </p:extLst>
+  </p:cSld>
+  <p:clrMapOvr>
+    <a:masterClrMapping/>
+  </p:clrMapOvr>
+  <p:transition>
+    <p:fade/>
+  </p:transition>
+</p:sld>
+</file>
+
+<file path=ppt/slides/slide14.xml><?xml version="1.0" encoding="utf-8"?>
 <p:sld xmlns:a="http://schemas.openxmlformats.org/drawingml/2006/main" xmlns:r="http://schemas.openxmlformats.org/officeDocument/2006/relationships" xmlns:p="http://schemas.openxmlformats.org/presentationml/2006/main">
   <p:cSld>
     <p:spTree>
@@ -11211,8 +12901,12 @@
           <a:lstStyle/>
           <a:p>
             <a:r>
+              <a:rPr lang="en-US" dirty="0" err="1"/>
+              <a:t>Cnn</a:t>
+            </a:r>
+            <a:r>
               <a:rPr lang="en-US" dirty="0"/>
-              <a:t>Technology used </a:t>
+              <a:t> model architecture</a:t>
             </a:r>
           </a:p>
         </p:txBody>
@@ -11357,7 +13051,7 @@
             </a:pPr>
             <a:r>
               <a:rPr lang="en-US" sz="1400" dirty="0"/>
-              <a:t> E.g., if feature map is 4x4, it will be reduced to 2x2</a:t>
+              <a:t>E.g., if feature map is 4x4, it will be reduced to 2x2</a:t>
             </a:r>
           </a:p>
           <a:p>
@@ -11447,8 +13141,8 @@
         </p:blipFill>
         <p:spPr bwMode="auto">
           <a:xfrm>
-            <a:off x="7512365" y="114545"/>
-            <a:ext cx="4473309" cy="1968256"/>
+            <a:off x="1590010" y="3087370"/>
+            <a:ext cx="3648650" cy="1605406"/>
           </a:xfrm>
           <a:prstGeom prst="rect">
             <a:avLst/>
@@ -11479,7 +13173,7 @@
         </p:nvSpPr>
         <p:spPr>
           <a:xfrm>
-            <a:off x="1561514" y="4886801"/>
+            <a:off x="1160992" y="5340308"/>
             <a:ext cx="1915886" cy="859971"/>
           </a:xfrm>
           <a:prstGeom prst="rect">
@@ -11538,7 +13232,7 @@
         </p:nvSpPr>
         <p:spPr>
           <a:xfrm>
-            <a:off x="4119657" y="4886801"/>
+            <a:off x="3719135" y="5340308"/>
             <a:ext cx="1915886" cy="859971"/>
           </a:xfrm>
           <a:prstGeom prst="rect">
@@ -11597,7 +13291,7 @@
         </p:nvSpPr>
         <p:spPr>
           <a:xfrm>
-            <a:off x="6677800" y="4886801"/>
+            <a:off x="6277278" y="5340308"/>
             <a:ext cx="1915886" cy="859971"/>
           </a:xfrm>
           <a:prstGeom prst="rect">
@@ -11658,7 +13352,7 @@
         </p:nvCxnSpPr>
         <p:spPr>
           <a:xfrm>
-            <a:off x="3586257" y="5333116"/>
+            <a:off x="3185735" y="5786623"/>
             <a:ext cx="457200" cy="0"/>
           </a:xfrm>
           <a:prstGeom prst="straightConnector1">
@@ -11699,7 +13393,7 @@
         </p:nvCxnSpPr>
         <p:spPr>
           <a:xfrm>
-            <a:off x="6111743" y="5333116"/>
+            <a:off x="5711221" y="5786623"/>
             <a:ext cx="457200" cy="0"/>
           </a:xfrm>
           <a:prstGeom prst="straightConnector1">
@@ -11738,7 +13432,7 @@
         </p:nvSpPr>
         <p:spPr>
           <a:xfrm>
-            <a:off x="9268600" y="4855061"/>
+            <a:off x="8868078" y="5308568"/>
             <a:ext cx="1915886" cy="859971"/>
           </a:xfrm>
           <a:prstGeom prst="rect">
@@ -11799,7 +13493,7 @@
         </p:nvCxnSpPr>
         <p:spPr>
           <a:xfrm>
-            <a:off x="8702543" y="5301376"/>
+            <a:off x="8302021" y="5754883"/>
             <a:ext cx="457200" cy="0"/>
           </a:xfrm>
           <a:prstGeom prst="straightConnector1">
@@ -11840,7 +13534,7 @@
 </p:sld>
 </file>
 
-<file path=ppt/slides/slide11.xml><?xml version="1.0" encoding="utf-8"?>
+<file path=ppt/slides/slide15.xml><?xml version="1.0" encoding="utf-8"?>
 <p:sld xmlns:a="http://schemas.openxmlformats.org/drawingml/2006/main" xmlns:r="http://schemas.openxmlformats.org/officeDocument/2006/relationships" xmlns:p="http://schemas.openxmlformats.org/presentationml/2006/main">
   <p:cSld>
     <p:spTree>
@@ -11885,8 +13579,12 @@
           <a:lstStyle/>
           <a:p>
             <a:r>
+              <a:rPr lang="en-US" dirty="0" err="1"/>
+              <a:t>Cnn</a:t>
+            </a:r>
+            <a:r>
               <a:rPr lang="en-US" dirty="0"/>
-              <a:t>Technology used </a:t>
+              <a:t> model architecture</a:t>
             </a:r>
           </a:p>
         </p:txBody>
@@ -12458,7 +14156,7 @@
         </p:blipFill>
         <p:spPr bwMode="auto">
           <a:xfrm>
-            <a:off x="7706309" y="205003"/>
+            <a:off x="1198997" y="2398712"/>
             <a:ext cx="4310285" cy="2060575"/>
           </a:xfrm>
           <a:prstGeom prst="rect">
@@ -12492,7 +14190,7 @@
 </p:sld>
 </file>
 
-<file path=ppt/slides/slide12.xml><?xml version="1.0" encoding="utf-8"?>
+<file path=ppt/slides/slide16.xml><?xml version="1.0" encoding="utf-8"?>
 <p:sld xmlns:a="http://schemas.openxmlformats.org/drawingml/2006/main" xmlns:r="http://schemas.openxmlformats.org/officeDocument/2006/relationships" xmlns:p="http://schemas.openxmlformats.org/presentationml/2006/main">
   <p:cSld>
     <p:spTree>
@@ -12537,8 +14235,12 @@
           <a:lstStyle/>
           <a:p>
             <a:r>
+              <a:rPr lang="en-US" dirty="0" err="1"/>
+              <a:t>Cnn</a:t>
+            </a:r>
+            <a:r>
               <a:rPr lang="en-US" dirty="0"/>
-              <a:t>Technology used </a:t>
+              <a:t> model architecture</a:t>
             </a:r>
           </a:p>
         </p:txBody>
@@ -13118,7 +14820,7 @@
         </p:blipFill>
         <p:spPr bwMode="auto">
           <a:xfrm>
-            <a:off x="6496277" y="455491"/>
+            <a:off x="1174336" y="2377920"/>
             <a:ext cx="5271347" cy="1797050"/>
           </a:xfrm>
           <a:prstGeom prst="rect">
@@ -13150,7 +14852,7 @@
         </p:nvSpPr>
         <p:spPr>
           <a:xfrm>
-            <a:off x="9787095" y="212351"/>
+            <a:off x="4465154" y="2134780"/>
             <a:ext cx="2330548" cy="2379156"/>
           </a:xfrm>
           <a:prstGeom prst="ellipse">
@@ -13208,8 +14910,8 @@
 </p:sld>
 </file>
 
-<file path=ppt/slides/slide13.xml><?xml version="1.0" encoding="utf-8"?>
-<p:sld xmlns:a="http://schemas.openxmlformats.org/drawingml/2006/main" xmlns:r="http://schemas.openxmlformats.org/officeDocument/2006/relationships" xmlns:p="http://schemas.openxmlformats.org/presentationml/2006/main">
+<file path=ppt/slides/slide17.xml><?xml version="1.0" encoding="utf-8"?>
+<p:sld xmlns:a="http://schemas.openxmlformats.org/drawingml/2006/main" xmlns:r="http://schemas.openxmlformats.org/officeDocument/2006/relationships" xmlns:p="http://schemas.openxmlformats.org/presentationml/2006/main" show="0">
   <p:cSld>
     <p:spTree>
       <p:nvGrpSpPr>
@@ -13979,7 +15681,7 @@
 </p:sld>
 </file>
 
-<file path=ppt/slides/slide14.xml><?xml version="1.0" encoding="utf-8"?>
+<file path=ppt/slides/slide18.xml><?xml version="1.0" encoding="utf-8"?>
 <p:sld xmlns:a="http://schemas.openxmlformats.org/drawingml/2006/main" xmlns:r="http://schemas.openxmlformats.org/officeDocument/2006/relationships" xmlns:p="http://schemas.openxmlformats.org/presentationml/2006/main">
   <p:cSld>
     <p:spTree>
@@ -14045,10 +15747,10 @@
           <p:nvPr/>
         </p:nvPicPr>
         <p:blipFill>
-          <a:blip r:embed="rId2">
+          <a:blip r:embed="rId3">
             <a:extLst>
               <a:ext uri="{96DAC541-7B7A-43D3-8B79-37D633B846F1}">
-                <asvg:svgBlip xmlns:asvg="http://schemas.microsoft.com/office/drawing/2016/SVG/main" r:embed="rId3"/>
+                <asvg:svgBlip xmlns:asvg="http://schemas.microsoft.com/office/drawing/2016/SVG/main" r:embed="rId4"/>
               </a:ext>
             </a:extLst>
           </a:blip>
@@ -14066,47 +15768,6 @@
           </a:prstGeom>
         </p:spPr>
       </p:pic>
-      <p:cxnSp>
-        <p:nvCxnSpPr>
-          <p:cNvPr id="6" name="Straight Arrow Connector 5">
-            <a:extLst>
-              <a:ext uri="{FF2B5EF4-FFF2-40B4-BE49-F238E27FC236}">
-                <a16:creationId xmlns:a16="http://schemas.microsoft.com/office/drawing/2014/main" id="{A4107891-2009-752C-3E89-3CA710E48D01}"/>
-              </a:ext>
-            </a:extLst>
-          </p:cNvPr>
-          <p:cNvCxnSpPr>
-            <a:cxnSpLocks/>
-          </p:cNvCxnSpPr>
-          <p:nvPr/>
-        </p:nvCxnSpPr>
-        <p:spPr>
-          <a:xfrm>
-            <a:off x="3480145" y="3524300"/>
-            <a:ext cx="620960" cy="0"/>
-          </a:xfrm>
-          <a:prstGeom prst="straightConnector1">
-            <a:avLst/>
-          </a:prstGeom>
-          <a:ln>
-            <a:tailEnd type="triangle"/>
-          </a:ln>
-        </p:spPr>
-        <p:style>
-          <a:lnRef idx="1">
-            <a:schemeClr val="accent1"/>
-          </a:lnRef>
-          <a:fillRef idx="0">
-            <a:schemeClr val="accent1"/>
-          </a:fillRef>
-          <a:effectRef idx="0">
-            <a:schemeClr val="accent1"/>
-          </a:effectRef>
-          <a:fontRef idx="minor">
-            <a:schemeClr val="tx1"/>
-          </a:fontRef>
-        </p:style>
-      </p:cxnSp>
       <p:pic>
         <p:nvPicPr>
           <p:cNvPr id="12" name="Graphic 11" descr="Artificial Intelligence outline">
@@ -14122,10 +15783,10 @@
           <p:nvPr/>
         </p:nvPicPr>
         <p:blipFill>
-          <a:blip r:embed="rId4">
+          <a:blip r:embed="rId5">
             <a:extLst>
               <a:ext uri="{96DAC541-7B7A-43D3-8B79-37D633B846F1}">
-                <asvg:svgBlip xmlns:asvg="http://schemas.microsoft.com/office/drawing/2016/SVG/main" r:embed="rId5"/>
+                <asvg:svgBlip xmlns:asvg="http://schemas.microsoft.com/office/drawing/2016/SVG/main" r:embed="rId6"/>
               </a:ext>
             </a:extLst>
           </a:blip>
@@ -14221,47 +15882,6 @@
           </a:p>
         </p:txBody>
       </p:sp>
-      <p:cxnSp>
-        <p:nvCxnSpPr>
-          <p:cNvPr id="3" name="Straight Arrow Connector 2">
-            <a:extLst>
-              <a:ext uri="{FF2B5EF4-FFF2-40B4-BE49-F238E27FC236}">
-                <a16:creationId xmlns:a16="http://schemas.microsoft.com/office/drawing/2014/main" id="{70220DDF-9A21-BF39-2832-AC2843FFFE7F}"/>
-              </a:ext>
-            </a:extLst>
-          </p:cNvPr>
-          <p:cNvCxnSpPr>
-            <a:cxnSpLocks/>
-          </p:cNvCxnSpPr>
-          <p:nvPr/>
-        </p:nvCxnSpPr>
-        <p:spPr>
-          <a:xfrm>
-            <a:off x="5441681" y="3522407"/>
-            <a:ext cx="620960" cy="0"/>
-          </a:xfrm>
-          <a:prstGeom prst="straightConnector1">
-            <a:avLst/>
-          </a:prstGeom>
-          <a:ln>
-            <a:tailEnd type="triangle"/>
-          </a:ln>
-        </p:spPr>
-        <p:style>
-          <a:lnRef idx="1">
-            <a:schemeClr val="accent1"/>
-          </a:lnRef>
-          <a:fillRef idx="0">
-            <a:schemeClr val="accent1"/>
-          </a:fillRef>
-          <a:effectRef idx="0">
-            <a:schemeClr val="accent1"/>
-          </a:effectRef>
-          <a:fontRef idx="minor">
-            <a:schemeClr val="tx1"/>
-          </a:fontRef>
-        </p:style>
-      </p:cxnSp>
       <p:pic>
         <p:nvPicPr>
           <p:cNvPr id="7" name="Graphic 6" descr="Close with solid fill">
@@ -14277,10 +15897,10 @@
           <p:nvPr/>
         </p:nvPicPr>
         <p:blipFill>
-          <a:blip r:embed="rId6">
+          <a:blip r:embed="rId7">
             <a:extLst>
               <a:ext uri="{96DAC541-7B7A-43D3-8B79-37D633B846F1}">
-                <asvg:svgBlip xmlns:asvg="http://schemas.microsoft.com/office/drawing/2016/SVG/main" r:embed="rId7"/>
+                <asvg:svgBlip xmlns:asvg="http://schemas.microsoft.com/office/drawing/2016/SVG/main" r:embed="rId8"/>
               </a:ext>
             </a:extLst>
           </a:blip>
@@ -14313,10 +15933,10 @@
           <p:nvPr/>
         </p:nvPicPr>
         <p:blipFill>
-          <a:blip r:embed="rId8">
+          <a:blip r:embed="rId9">
             <a:extLst>
               <a:ext uri="{96DAC541-7B7A-43D3-8B79-37D633B846F1}">
-                <asvg:svgBlip xmlns:asvg="http://schemas.microsoft.com/office/drawing/2016/SVG/main" r:embed="rId9"/>
+                <asvg:svgBlip xmlns:asvg="http://schemas.microsoft.com/office/drawing/2016/SVG/main" r:embed="rId10"/>
               </a:ext>
             </a:extLst>
           </a:blip>
@@ -14545,6 +16165,118 @@
               </a:rPr>
               <a:t>Working</a:t>
             </a:r>
+          </a:p>
+        </p:txBody>
+      </p:sp>
+      <p:sp>
+        <p:nvSpPr>
+          <p:cNvPr id="4" name="Arrow: Right 3">
+            <a:extLst>
+              <a:ext uri="{FF2B5EF4-FFF2-40B4-BE49-F238E27FC236}">
+                <a16:creationId xmlns:a16="http://schemas.microsoft.com/office/drawing/2014/main" id="{BD4C742C-5C3C-4637-F1ED-31BF6402F245}"/>
+              </a:ext>
+            </a:extLst>
+          </p:cNvPr>
+          <p:cNvSpPr/>
+          <p:nvPr/>
+        </p:nvSpPr>
+        <p:spPr>
+          <a:xfrm>
+            <a:off x="3397851" y="3400730"/>
+            <a:ext cx="703385" cy="381000"/>
+          </a:xfrm>
+          <a:prstGeom prst="rightArrow">
+            <a:avLst/>
+          </a:prstGeom>
+          <a:solidFill>
+            <a:schemeClr val="accent1"/>
+          </a:solidFill>
+          <a:ln>
+            <a:noFill/>
+          </a:ln>
+        </p:spPr>
+        <p:style>
+          <a:lnRef idx="2">
+            <a:schemeClr val="accent1">
+              <a:shade val="50000"/>
+            </a:schemeClr>
+          </a:lnRef>
+          <a:fillRef idx="1">
+            <a:schemeClr val="accent1"/>
+          </a:fillRef>
+          <a:effectRef idx="0">
+            <a:schemeClr val="accent1"/>
+          </a:effectRef>
+          <a:fontRef idx="minor">
+            <a:schemeClr val="lt1"/>
+          </a:fontRef>
+        </p:style>
+        <p:txBody>
+          <a:bodyPr rtlCol="0" anchor="ctr"/>
+          <a:lstStyle/>
+          <a:p>
+            <a:pPr algn="ctr"/>
+            <a:endParaRPr lang="en-US" sz="1100" dirty="0">
+              <a:solidFill>
+                <a:schemeClr val="tx2"/>
+              </a:solidFill>
+            </a:endParaRPr>
+          </a:p>
+        </p:txBody>
+      </p:sp>
+      <p:sp>
+        <p:nvSpPr>
+          <p:cNvPr id="8" name="Arrow: Right 7">
+            <a:extLst>
+              <a:ext uri="{FF2B5EF4-FFF2-40B4-BE49-F238E27FC236}">
+                <a16:creationId xmlns:a16="http://schemas.microsoft.com/office/drawing/2014/main" id="{920626BD-A2AE-1EBA-F05B-02ACFBBD44B5}"/>
+              </a:ext>
+            </a:extLst>
+          </p:cNvPr>
+          <p:cNvSpPr/>
+          <p:nvPr/>
+        </p:nvSpPr>
+        <p:spPr>
+          <a:xfrm>
+            <a:off x="5287070" y="3430844"/>
+            <a:ext cx="703385" cy="381000"/>
+          </a:xfrm>
+          <a:prstGeom prst="rightArrow">
+            <a:avLst/>
+          </a:prstGeom>
+          <a:solidFill>
+            <a:schemeClr val="accent1"/>
+          </a:solidFill>
+          <a:ln>
+            <a:noFill/>
+          </a:ln>
+        </p:spPr>
+        <p:style>
+          <a:lnRef idx="2">
+            <a:schemeClr val="accent1">
+              <a:shade val="50000"/>
+            </a:schemeClr>
+          </a:lnRef>
+          <a:fillRef idx="1">
+            <a:schemeClr val="accent1"/>
+          </a:fillRef>
+          <a:effectRef idx="0">
+            <a:schemeClr val="accent1"/>
+          </a:effectRef>
+          <a:fontRef idx="minor">
+            <a:schemeClr val="lt1"/>
+          </a:fontRef>
+        </p:style>
+        <p:txBody>
+          <a:bodyPr rtlCol="0" anchor="ctr"/>
+          <a:lstStyle/>
+          <a:p>
+            <a:pPr algn="ctr"/>
+            <a:endParaRPr lang="en-US" sz="1100" dirty="0">
+              <a:solidFill>
+                <a:schemeClr val="tx2"/>
+              </a:solidFill>
+            </a:endParaRPr>
           </a:p>
         </p:txBody>
       </p:sp>
@@ -14564,7 +16296,7 @@
 </p:sld>
 </file>
 
-<file path=ppt/slides/slide15.xml><?xml version="1.0" encoding="utf-8"?>
+<file path=ppt/slides/slide19.xml><?xml version="1.0" encoding="utf-8"?>
 <p:sld xmlns:a="http://schemas.openxmlformats.org/drawingml/2006/main" xmlns:r="http://schemas.openxmlformats.org/officeDocument/2006/relationships" xmlns:p="http://schemas.openxmlformats.org/presentationml/2006/main">
   <p:cSld>
     <p:spTree>
@@ -14619,73 +16351,6 @@
     <p:extLst>
       <p:ext uri="{BB962C8B-B14F-4D97-AF65-F5344CB8AC3E}">
         <p14:creationId xmlns:p14="http://schemas.microsoft.com/office/powerpoint/2010/main" val="462853520"/>
-      </p:ext>
-    </p:extLst>
-  </p:cSld>
-  <p:clrMapOvr>
-    <a:masterClrMapping/>
-  </p:clrMapOvr>
-  <p:transition>
-    <p:fade/>
-  </p:transition>
-</p:sld>
-</file>
-
-<file path=ppt/slides/slide16.xml><?xml version="1.0" encoding="utf-8"?>
-<p:sld xmlns:a="http://schemas.openxmlformats.org/drawingml/2006/main" xmlns:r="http://schemas.openxmlformats.org/officeDocument/2006/relationships" xmlns:p="http://schemas.openxmlformats.org/presentationml/2006/main">
-  <p:cSld>
-    <p:spTree>
-      <p:nvGrpSpPr>
-        <p:cNvPr id="1" name="">
-          <a:extLst>
-            <a:ext uri="{FF2B5EF4-FFF2-40B4-BE49-F238E27FC236}">
-              <a16:creationId xmlns:a16="http://schemas.microsoft.com/office/drawing/2014/main" id="{FA39DAB7-B35B-6609-6638-9BA7F27F6A20}"/>
-            </a:ext>
-          </a:extLst>
-        </p:cNvPr>
-        <p:cNvGrpSpPr/>
-        <p:nvPr/>
-      </p:nvGrpSpPr>
-      <p:grpSpPr>
-        <a:xfrm>
-          <a:off x="0" y="0"/>
-          <a:ext cx="0" cy="0"/>
-          <a:chOff x="0" y="0"/>
-          <a:chExt cx="0" cy="0"/>
-        </a:xfrm>
-      </p:grpSpPr>
-      <p:sp>
-        <p:nvSpPr>
-          <p:cNvPr id="6" name="Title 5">
-            <a:extLst>
-              <a:ext uri="{FF2B5EF4-FFF2-40B4-BE49-F238E27FC236}">
-                <a16:creationId xmlns:a16="http://schemas.microsoft.com/office/drawing/2014/main" id="{95EAC130-6134-A8B4-90B6-3B47E367E3C0}"/>
-              </a:ext>
-            </a:extLst>
-          </p:cNvPr>
-          <p:cNvSpPr>
-            <a:spLocks noGrp="1"/>
-          </p:cNvSpPr>
-          <p:nvPr>
-            <p:ph type="ctrTitle"/>
-          </p:nvPr>
-        </p:nvSpPr>
-        <p:spPr/>
-        <p:txBody>
-          <a:bodyPr/>
-          <a:lstStyle/>
-          <a:p>
-            <a:r>
-              <a:rPr lang="en-US" sz="4267" dirty="0"/>
-              <a:t>end</a:t>
-            </a:r>
-          </a:p>
-        </p:txBody>
-      </p:sp>
-    </p:spTree>
-    <p:extLst>
-      <p:ext uri="{BB962C8B-B14F-4D97-AF65-F5344CB8AC3E}">
-        <p14:creationId xmlns:p14="http://schemas.microsoft.com/office/powerpoint/2010/main" val="4053478057"/>
       </p:ext>
     </p:extLst>
   </p:cSld>
@@ -14773,7 +16438,7 @@
         </p:spPr>
         <p:txBody>
           <a:bodyPr>
-            <a:normAutofit/>
+            <a:normAutofit lnSpcReduction="10000"/>
           </a:bodyPr>
           <a:lstStyle/>
           <a:p>
@@ -14794,7 +16459,15 @@
             </a:pPr>
             <a:r>
               <a:rPr lang="en-US" sz="2400" dirty="0"/>
-              <a:t>Create tool to validate if keyboard is </a:t>
+              <a:t>Create tool to validate if </a:t>
+            </a:r>
+            <a:r>
+              <a:rPr lang="en-US" sz="2400" u="sng" dirty="0"/>
+              <a:t>Razer</a:t>
+            </a:r>
+            <a:r>
+              <a:rPr lang="en-US" sz="2400" dirty="0"/>
+              <a:t> keyboard is </a:t>
             </a:r>
             <a:r>
               <a:rPr lang="en-US" sz="2400" b="1" i="1" dirty="0"/>
@@ -14809,9 +16482,22 @@
               <a:t>not working</a:t>
             </a:r>
             <a:r>
-              <a:rPr lang="en-US" sz="2400" dirty="0"/>
-              <a:t>.</a:t>
-            </a:r>
+              <a:rPr lang="en-US" sz="2400" i="1" dirty="0"/>
+              <a:t>. </a:t>
+            </a:r>
+          </a:p>
+          <a:p>
+            <a:pPr marL="0" indent="0" algn="ctr">
+              <a:lnSpc>
+                <a:spcPct val="150000"/>
+              </a:lnSpc>
+              <a:buNone/>
+            </a:pPr>
+            <a:r>
+              <a:rPr lang="en-US" sz="2400" i="1" dirty="0"/>
+              <a:t>Integrate CNN model into automation system.</a:t>
+            </a:r>
+            <a:endParaRPr lang="en-US" sz="2400" dirty="0"/>
           </a:p>
         </p:txBody>
       </p:sp>
@@ -14819,6 +16505,73 @@
     <p:extLst>
       <p:ext uri="{BB962C8B-B14F-4D97-AF65-F5344CB8AC3E}">
         <p14:creationId xmlns:p14="http://schemas.microsoft.com/office/powerpoint/2010/main" val="1515950699"/>
+      </p:ext>
+    </p:extLst>
+  </p:cSld>
+  <p:clrMapOvr>
+    <a:masterClrMapping/>
+  </p:clrMapOvr>
+  <p:transition>
+    <p:fade/>
+  </p:transition>
+</p:sld>
+</file>
+
+<file path=ppt/slides/slide20.xml><?xml version="1.0" encoding="utf-8"?>
+<p:sld xmlns:a="http://schemas.openxmlformats.org/drawingml/2006/main" xmlns:r="http://schemas.openxmlformats.org/officeDocument/2006/relationships" xmlns:p="http://schemas.openxmlformats.org/presentationml/2006/main">
+  <p:cSld>
+    <p:spTree>
+      <p:nvGrpSpPr>
+        <p:cNvPr id="1" name="">
+          <a:extLst>
+            <a:ext uri="{FF2B5EF4-FFF2-40B4-BE49-F238E27FC236}">
+              <a16:creationId xmlns:a16="http://schemas.microsoft.com/office/drawing/2014/main" id="{FA39DAB7-B35B-6609-6638-9BA7F27F6A20}"/>
+            </a:ext>
+          </a:extLst>
+        </p:cNvPr>
+        <p:cNvGrpSpPr/>
+        <p:nvPr/>
+      </p:nvGrpSpPr>
+      <p:grpSpPr>
+        <a:xfrm>
+          <a:off x="0" y="0"/>
+          <a:ext cx="0" cy="0"/>
+          <a:chOff x="0" y="0"/>
+          <a:chExt cx="0" cy="0"/>
+        </a:xfrm>
+      </p:grpSpPr>
+      <p:sp>
+        <p:nvSpPr>
+          <p:cNvPr id="6" name="Title 5">
+            <a:extLst>
+              <a:ext uri="{FF2B5EF4-FFF2-40B4-BE49-F238E27FC236}">
+                <a16:creationId xmlns:a16="http://schemas.microsoft.com/office/drawing/2014/main" id="{95EAC130-6134-A8B4-90B6-3B47E367E3C0}"/>
+              </a:ext>
+            </a:extLst>
+          </p:cNvPr>
+          <p:cNvSpPr>
+            <a:spLocks noGrp="1"/>
+          </p:cNvSpPr>
+          <p:nvPr>
+            <p:ph type="ctrTitle"/>
+          </p:nvPr>
+        </p:nvSpPr>
+        <p:spPr/>
+        <p:txBody>
+          <a:bodyPr/>
+          <a:lstStyle/>
+          <a:p>
+            <a:r>
+              <a:rPr lang="en-US" sz="4267" dirty="0"/>
+              <a:t>end</a:t>
+            </a:r>
+          </a:p>
+        </p:txBody>
+      </p:sp>
+    </p:spTree>
+    <p:extLst>
+      <p:ext uri="{BB962C8B-B14F-4D97-AF65-F5344CB8AC3E}">
+        <p14:creationId xmlns:p14="http://schemas.microsoft.com/office/powerpoint/2010/main" val="4053478057"/>
       </p:ext>
     </p:extLst>
   </p:cSld>
@@ -14850,6 +16603,118 @@
       </p:grpSpPr>
       <p:sp>
         <p:nvSpPr>
+          <p:cNvPr id="2" name="Title 1">
+            <a:extLst>
+              <a:ext uri="{FF2B5EF4-FFF2-40B4-BE49-F238E27FC236}">
+                <a16:creationId xmlns:a16="http://schemas.microsoft.com/office/drawing/2014/main" id="{88415561-6C97-F50C-4D4A-F6739EFF885C}"/>
+              </a:ext>
+            </a:extLst>
+          </p:cNvPr>
+          <p:cNvSpPr>
+            <a:spLocks noGrp="1"/>
+          </p:cNvSpPr>
+          <p:nvPr>
+            <p:ph type="title"/>
+          </p:nvPr>
+        </p:nvSpPr>
+        <p:spPr/>
+        <p:txBody>
+          <a:bodyPr/>
+          <a:lstStyle/>
+          <a:p>
+            <a:r>
+              <a:rPr lang="en-US" dirty="0"/>
+              <a:t>Project flow</a:t>
+            </a:r>
+          </a:p>
+        </p:txBody>
+      </p:sp>
+      <p:sp>
+        <p:nvSpPr>
+          <p:cNvPr id="3" name="Content Placeholder 2">
+            <a:extLst>
+              <a:ext uri="{FF2B5EF4-FFF2-40B4-BE49-F238E27FC236}">
+                <a16:creationId xmlns:a16="http://schemas.microsoft.com/office/drawing/2014/main" id="{68800521-594D-263B-77ED-7E2087AAD55F}"/>
+              </a:ext>
+            </a:extLst>
+          </p:cNvPr>
+          <p:cNvSpPr>
+            <a:spLocks noGrp="1"/>
+          </p:cNvSpPr>
+          <p:nvPr>
+            <p:ph idx="10"/>
+          </p:nvPr>
+        </p:nvSpPr>
+        <p:spPr/>
+        <p:txBody>
+          <a:bodyPr>
+            <a:normAutofit/>
+          </a:bodyPr>
+          <a:lstStyle/>
+          <a:p>
+            <a:pPr marL="342900" indent="-342900">
+              <a:buFont typeface="+mj-lt"/>
+              <a:buAutoNum type="arabicPeriod"/>
+            </a:pPr>
+            <a:r>
+              <a:rPr lang="en-US" sz="2000" dirty="0"/>
+              <a:t>Build CNN Model</a:t>
+            </a:r>
+          </a:p>
+          <a:p>
+            <a:pPr marL="342900" indent="-342900">
+              <a:buFont typeface="+mj-lt"/>
+              <a:buAutoNum type="arabicPeriod"/>
+            </a:pPr>
+            <a:r>
+              <a:rPr lang="en-US" sz="2000" dirty="0"/>
+              <a:t>Perform Automated Clicks + Take Snapshot + Prediction</a:t>
+            </a:r>
+          </a:p>
+          <a:p>
+            <a:pPr marL="342900" indent="-342900">
+              <a:buFont typeface="+mj-lt"/>
+              <a:buAutoNum type="arabicPeriod"/>
+            </a:pPr>
+            <a:endParaRPr lang="en-US" sz="2000" dirty="0"/>
+          </a:p>
+        </p:txBody>
+      </p:sp>
+    </p:spTree>
+    <p:extLst>
+      <p:ext uri="{BB962C8B-B14F-4D97-AF65-F5344CB8AC3E}">
+        <p14:creationId xmlns:p14="http://schemas.microsoft.com/office/powerpoint/2010/main" val="2715180087"/>
+      </p:ext>
+    </p:extLst>
+  </p:cSld>
+  <p:clrMapOvr>
+    <a:masterClrMapping/>
+  </p:clrMapOvr>
+  <p:transition>
+    <p:fade/>
+  </p:transition>
+</p:sld>
+</file>
+
+<file path=ppt/slides/slide4.xml><?xml version="1.0" encoding="utf-8"?>
+<p:sld xmlns:a="http://schemas.openxmlformats.org/drawingml/2006/main" xmlns:r="http://schemas.openxmlformats.org/officeDocument/2006/relationships" xmlns:p="http://schemas.openxmlformats.org/presentationml/2006/main" show="0">
+  <p:cSld>
+    <p:spTree>
+      <p:nvGrpSpPr>
+        <p:cNvPr id="1" name=""/>
+        <p:cNvGrpSpPr/>
+        <p:nvPr/>
+      </p:nvGrpSpPr>
+      <p:grpSpPr>
+        <a:xfrm>
+          <a:off x="0" y="0"/>
+          <a:ext cx="0" cy="0"/>
+          <a:chOff x="0" y="0"/>
+          <a:chExt cx="0" cy="0"/>
+        </a:xfrm>
+      </p:grpSpPr>
+      <p:sp>
+        <p:nvSpPr>
           <p:cNvPr id="9" name="Title 8">
             <a:extLst>
               <a:ext uri="{FF2B5EF4-FFF2-40B4-BE49-F238E27FC236}">
@@ -14946,7 +16811,7 @@
 </p:sld>
 </file>
 
-<file path=ppt/slides/slide4.xml><?xml version="1.0" encoding="utf-8"?>
+<file path=ppt/slides/slide5.xml><?xml version="1.0" encoding="utf-8"?>
 <p:sld xmlns:a="http://schemas.openxmlformats.org/drawingml/2006/main" xmlns:r="http://schemas.openxmlformats.org/officeDocument/2006/relationships" xmlns:p="http://schemas.openxmlformats.org/presentationml/2006/main">
   <p:cSld>
     <p:spTree>
@@ -15049,7 +16914,7 @@
             </a:pPr>
             <a:r>
               <a:rPr lang="en-US" sz="2400" dirty="0"/>
-              <a:t>Generate a faulty (0) or working (1) result after prediction</a:t>
+              <a:t>Generate a faulty (0) or working (1) result</a:t>
             </a:r>
           </a:p>
         </p:txBody>
@@ -15070,7 +16935,7 @@
 </p:sld>
 </file>
 
-<file path=ppt/slides/slide5.xml><?xml version="1.0" encoding="utf-8"?>
+<file path=ppt/slides/slide6.xml><?xml version="1.0" encoding="utf-8"?>
 <p:sld xmlns:a="http://schemas.openxmlformats.org/drawingml/2006/main" xmlns:r="http://schemas.openxmlformats.org/officeDocument/2006/relationships" xmlns:p="http://schemas.openxmlformats.org/presentationml/2006/main">
   <p:cSld>
     <p:spTree>
@@ -15151,29 +17016,7 @@
             </a:pPr>
             <a:r>
               <a:rPr lang="en-US" sz="2400" dirty="0"/>
-              <a:t>Convolutional neural networks (CNNs); typically used for image processing</a:t>
-            </a:r>
-          </a:p>
-          <a:p>
-            <a:pPr>
-              <a:lnSpc>
-                <a:spcPct val="150000"/>
-              </a:lnSpc>
-            </a:pPr>
-            <a:r>
-              <a:rPr lang="en-US" sz="2400" dirty="0"/>
-              <a:t>Useful for learning special features such as edges, textures and shapes </a:t>
-            </a:r>
-          </a:p>
-          <a:p>
-            <a:pPr>
-              <a:lnSpc>
-                <a:spcPct val="150000"/>
-              </a:lnSpc>
-            </a:pPr>
-            <a:r>
-              <a:rPr lang="en-US" sz="2400" dirty="0"/>
-              <a:t>Data Balancing technique</a:t>
+              <a:t>Data Balancing </a:t>
             </a:r>
           </a:p>
           <a:p>
@@ -15190,10 +17033,70 @@
                 <a:spcPct val="150000"/>
               </a:lnSpc>
             </a:pPr>
+            <a:r>
+              <a:rPr lang="en-US" sz="2400" dirty="0"/>
+              <a:t>Convolutional Neural Networks (CNNs)</a:t>
+            </a:r>
+          </a:p>
+          <a:p>
+            <a:pPr>
+              <a:lnSpc>
+                <a:spcPct val="150000"/>
+              </a:lnSpc>
+            </a:pPr>
+            <a:r>
+              <a:rPr lang="en-US" sz="2400" dirty="0"/>
+              <a:t>Transfer Learning </a:t>
+            </a:r>
+          </a:p>
+          <a:p>
+            <a:pPr>
+              <a:lnSpc>
+                <a:spcPct val="150000"/>
+              </a:lnSpc>
+            </a:pPr>
             <a:endParaRPr lang="en-US" sz="2400" dirty="0"/>
           </a:p>
-        </p:txBody>
-      </p:sp>
+          <a:p>
+            <a:pPr>
+              <a:lnSpc>
+                <a:spcPct val="150000"/>
+              </a:lnSpc>
+            </a:pPr>
+            <a:endParaRPr lang="en-US" sz="2400" dirty="0"/>
+          </a:p>
+        </p:txBody>
+      </p:sp>
+      <p:pic>
+        <p:nvPicPr>
+          <p:cNvPr id="3" name="Picture 2">
+            <a:extLst>
+              <a:ext uri="{FF2B5EF4-FFF2-40B4-BE49-F238E27FC236}">
+                <a16:creationId xmlns:a16="http://schemas.microsoft.com/office/drawing/2014/main" id="{DD3E5EC3-73B2-B2E5-9587-3E2804365D13}"/>
+              </a:ext>
+            </a:extLst>
+          </p:cNvPr>
+          <p:cNvPicPr>
+            <a:picLocks noChangeAspect="1"/>
+          </p:cNvPicPr>
+          <p:nvPr/>
+        </p:nvPicPr>
+        <p:blipFill>
+          <a:blip r:embed="rId3"/>
+          <a:stretch>
+            <a:fillRect/>
+          </a:stretch>
+        </p:blipFill>
+        <p:spPr>
+          <a:xfrm>
+            <a:off x="1630294" y="2158265"/>
+            <a:ext cx="4031598" cy="598547"/>
+          </a:xfrm>
+          <a:prstGeom prst="rect">
+            <a:avLst/>
+          </a:prstGeom>
+        </p:spPr>
+      </p:pic>
     </p:spTree>
     <p:extLst>
       <p:ext uri="{BB962C8B-B14F-4D97-AF65-F5344CB8AC3E}">
@@ -15210,7 +17113,7 @@
 </p:sld>
 </file>
 
-<file path=ppt/slides/slide6.xml><?xml version="1.0" encoding="utf-8"?>
+<file path=ppt/slides/slide7.xml><?xml version="1.0" encoding="utf-8"?>
 <p:sld xmlns:a="http://schemas.openxmlformats.org/drawingml/2006/main" xmlns:r="http://schemas.openxmlformats.org/officeDocument/2006/relationships" xmlns:p="http://schemas.openxmlformats.org/presentationml/2006/main">
   <p:cSld>
     <p:spTree>
@@ -15256,7 +17159,7 @@
           <a:p>
             <a:r>
               <a:rPr lang="en-US" dirty="0"/>
-              <a:t>Technology used </a:t>
+              <a:t>Data balancing</a:t>
             </a:r>
           </a:p>
         </p:txBody>
@@ -15303,16 +17206,28 @@
               <a:t>working’ </a:t>
             </a:r>
             <a:r>
+              <a:rPr lang="en-US" sz="2400" dirty="0"/>
+              <a:t>keyboard </a:t>
+            </a:r>
+            <a:r>
+              <a:rPr lang="en-US" sz="2400" i="1" dirty="0"/>
+              <a:t>images</a:t>
+            </a:r>
+            <a:r>
               <a:rPr lang="en-US" sz="2400" i="1" u="sng" dirty="0"/>
               <a:t> </a:t>
             </a:r>
             <a:r>
+              <a:rPr lang="en-US" sz="2400" i="1" dirty="0"/>
+              <a:t>has</a:t>
+            </a:r>
+            <a:r>
               <a:rPr lang="en-US" sz="2400" dirty="0"/>
-              <a:t>has more images than </a:t>
+              <a:t> more images than </a:t>
             </a:r>
             <a:r>
               <a:rPr lang="en-US" sz="2400" i="1" dirty="0"/>
-              <a:t>‘faulty’</a:t>
+              <a:t>‘faulty’ keyboard images</a:t>
             </a:r>
             <a:endParaRPr lang="en-US" sz="2400" dirty="0"/>
           </a:p>
@@ -15406,7 +17321,7 @@
 </p:sld>
 </file>
 
-<file path=ppt/slides/slide7.xml><?xml version="1.0" encoding="utf-8"?>
+<file path=ppt/slides/slide8.xml><?xml version="1.0" encoding="utf-8"?>
 <p:sld xmlns:a="http://schemas.openxmlformats.org/drawingml/2006/main" xmlns:r="http://schemas.openxmlformats.org/officeDocument/2006/relationships" xmlns:p="http://schemas.openxmlformats.org/presentationml/2006/main">
   <p:cSld>
     <p:spTree>
@@ -15459,66 +17374,6 @@
       </p:sp>
       <p:sp>
         <p:nvSpPr>
-          <p:cNvPr id="10" name="Content Placeholder 9">
-            <a:extLst>
-              <a:ext uri="{FF2B5EF4-FFF2-40B4-BE49-F238E27FC236}">
-                <a16:creationId xmlns:a16="http://schemas.microsoft.com/office/drawing/2014/main" id="{F437CDC7-3926-ADAF-6FC1-33553558E198}"/>
-              </a:ext>
-            </a:extLst>
-          </p:cNvPr>
-          <p:cNvSpPr>
-            <a:spLocks noGrp="1"/>
-          </p:cNvSpPr>
-          <p:nvPr>
-            <p:ph idx="10"/>
-          </p:nvPr>
-        </p:nvSpPr>
-        <p:spPr>
-          <a:xfrm>
-            <a:off x="914400" y="1549432"/>
-            <a:ext cx="10363200" cy="1250909"/>
-          </a:xfrm>
-        </p:spPr>
-        <p:txBody>
-          <a:bodyPr>
-            <a:normAutofit/>
-          </a:bodyPr>
-          <a:lstStyle/>
-          <a:p>
-            <a:pPr>
-              <a:lnSpc>
-                <a:spcPct val="150000"/>
-              </a:lnSpc>
-            </a:pPr>
-            <a:endParaRPr lang="en-US" sz="2400" dirty="0"/>
-          </a:p>
-          <a:p>
-            <a:pPr>
-              <a:lnSpc>
-                <a:spcPct val="150000"/>
-              </a:lnSpc>
-            </a:pPr>
-            <a:r>
-              <a:rPr lang="en-US" sz="2400" u="sng" dirty="0"/>
-              <a:t>4</a:t>
-            </a:r>
-            <a:r>
-              <a:rPr lang="en-US" sz="2400" dirty="0"/>
-              <a:t> Processes used</a:t>
-            </a:r>
-          </a:p>
-          <a:p>
-            <a:pPr>
-              <a:lnSpc>
-                <a:spcPct val="150000"/>
-              </a:lnSpc>
-            </a:pPr>
-            <a:endParaRPr lang="en-US" sz="2400" dirty="0"/>
-          </a:p>
-        </p:txBody>
-      </p:sp>
-      <p:sp>
-        <p:nvSpPr>
           <p:cNvPr id="5" name="Rectangle 4">
             <a:extLst>
               <a:ext uri="{FF2B5EF4-FFF2-40B4-BE49-F238E27FC236}">
@@ -15892,18 +17747,12 @@
 </p:sld>
 </file>
 
-<file path=ppt/slides/slide8.xml><?xml version="1.0" encoding="utf-8"?>
+<file path=ppt/slides/slide9.xml><?xml version="1.0" encoding="utf-8"?>
 <p:sld xmlns:a="http://schemas.openxmlformats.org/drawingml/2006/main" xmlns:r="http://schemas.openxmlformats.org/officeDocument/2006/relationships" xmlns:p="http://schemas.openxmlformats.org/presentationml/2006/main">
   <p:cSld>
     <p:spTree>
       <p:nvGrpSpPr>
-        <p:cNvPr id="1" name="">
-          <a:extLst>
-            <a:ext uri="{FF2B5EF4-FFF2-40B4-BE49-F238E27FC236}">
-              <a16:creationId xmlns:a16="http://schemas.microsoft.com/office/drawing/2014/main" id="{EA2830CB-6882-283B-6985-EFB2124B00D7}"/>
-            </a:ext>
-          </a:extLst>
-        </p:cNvPr>
+        <p:cNvPr id="1" name=""/>
         <p:cNvGrpSpPr/>
         <p:nvPr/>
       </p:nvGrpSpPr>
@@ -15917,10 +17766,10 @@
       </p:grpSpPr>
       <p:sp>
         <p:nvSpPr>
-          <p:cNvPr id="9" name="Title 8">
-            <a:extLst>
-              <a:ext uri="{FF2B5EF4-FFF2-40B4-BE49-F238E27FC236}">
-                <a16:creationId xmlns:a16="http://schemas.microsoft.com/office/drawing/2014/main" id="{F33495FF-D5AC-C054-CC93-357E7485DEA1}"/>
+          <p:cNvPr id="2" name="Title 1">
+            <a:extLst>
+              <a:ext uri="{FF2B5EF4-FFF2-40B4-BE49-F238E27FC236}">
+                <a16:creationId xmlns:a16="http://schemas.microsoft.com/office/drawing/2014/main" id="{18F4653B-F7EF-CDEE-8EC9-59590352AE0D}"/>
               </a:ext>
             </a:extLst>
           </p:cNvPr>
@@ -15936,1109 +17785,43 @@
           <a:bodyPr/>
           <a:lstStyle/>
           <a:p>
-            <a:r>
-              <a:rPr lang="en-US" dirty="0"/>
-              <a:t>Technology used (w/o xfer learning) </a:t>
-            </a:r>
-          </a:p>
-        </p:txBody>
-      </p:sp>
-      <p:sp>
-        <p:nvSpPr>
-          <p:cNvPr id="10" name="Content Placeholder 9">
-            <a:extLst>
-              <a:ext uri="{FF2B5EF4-FFF2-40B4-BE49-F238E27FC236}">
-                <a16:creationId xmlns:a16="http://schemas.microsoft.com/office/drawing/2014/main" id="{3A7E75FD-15D1-1ECC-B3B7-5E40F032357D}"/>
-              </a:ext>
-            </a:extLst>
-          </p:cNvPr>
-          <p:cNvSpPr>
-            <a:spLocks noGrp="1"/>
-          </p:cNvSpPr>
+            <a:endParaRPr lang="en-US"/>
+          </a:p>
+        </p:txBody>
+      </p:sp>
+      <p:pic>
+        <p:nvPicPr>
+          <p:cNvPr id="5" name="Content Placeholder 4">
+            <a:extLst>
+              <a:ext uri="{FF2B5EF4-FFF2-40B4-BE49-F238E27FC236}">
+                <a16:creationId xmlns:a16="http://schemas.microsoft.com/office/drawing/2014/main" id="{9751BBCF-CF09-4707-28BF-58CBF4FB685C}"/>
+              </a:ext>
+            </a:extLst>
+          </p:cNvPr>
+          <p:cNvPicPr>
+            <a:picLocks noGrp="1" noChangeAspect="1"/>
+          </p:cNvPicPr>
           <p:nvPr>
             <p:ph idx="10"/>
           </p:nvPr>
-        </p:nvSpPr>
-        <p:spPr>
-          <a:xfrm>
-            <a:off x="914400" y="1549432"/>
-            <a:ext cx="10363200" cy="1250909"/>
-          </a:xfrm>
-        </p:spPr>
-        <p:txBody>
-          <a:bodyPr>
-            <a:normAutofit/>
-          </a:bodyPr>
-          <a:lstStyle/>
-          <a:p>
-            <a:pPr>
-              <a:lnSpc>
-                <a:spcPct val="150000"/>
-              </a:lnSpc>
-            </a:pPr>
-            <a:endParaRPr lang="en-US" sz="2400" dirty="0"/>
-          </a:p>
-          <a:p>
-            <a:pPr>
-              <a:lnSpc>
-                <a:spcPct val="150000"/>
-              </a:lnSpc>
-            </a:pPr>
-            <a:r>
-              <a:rPr lang="en-US" sz="2400" u="sng" dirty="0"/>
-              <a:t>4</a:t>
-            </a:r>
-            <a:r>
-              <a:rPr lang="en-US" sz="2400" dirty="0"/>
-              <a:t> Processes used</a:t>
-            </a:r>
-          </a:p>
-          <a:p>
-            <a:pPr>
-              <a:lnSpc>
-                <a:spcPct val="150000"/>
-              </a:lnSpc>
-            </a:pPr>
-            <a:endParaRPr lang="en-US" sz="2400" dirty="0"/>
-          </a:p>
-        </p:txBody>
-      </p:sp>
-      <p:sp>
-        <p:nvSpPr>
-          <p:cNvPr id="5" name="Rectangle 4">
-            <a:extLst>
-              <a:ext uri="{FF2B5EF4-FFF2-40B4-BE49-F238E27FC236}">
-                <a16:creationId xmlns:a16="http://schemas.microsoft.com/office/drawing/2014/main" id="{6C4E81DC-1682-5DEE-97DC-5CC003CC88D0}"/>
-              </a:ext>
-            </a:extLst>
-          </p:cNvPr>
-          <p:cNvSpPr/>
-          <p:nvPr/>
-        </p:nvSpPr>
-        <p:spPr>
-          <a:xfrm>
-            <a:off x="1518557" y="3460740"/>
-            <a:ext cx="1915886" cy="859971"/>
-          </a:xfrm>
-          <a:prstGeom prst="rect">
-            <a:avLst/>
-          </a:prstGeom>
-          <a:solidFill>
-            <a:schemeClr val="accent1"/>
-          </a:solidFill>
-          <a:ln>
-            <a:noFill/>
-          </a:ln>
-        </p:spPr>
-        <p:style>
-          <a:lnRef idx="2">
-            <a:schemeClr val="accent1">
-              <a:shade val="50000"/>
-            </a:schemeClr>
-          </a:lnRef>
-          <a:fillRef idx="1">
-            <a:schemeClr val="accent1"/>
-          </a:fillRef>
-          <a:effectRef idx="0">
-            <a:schemeClr val="accent1"/>
-          </a:effectRef>
-          <a:fontRef idx="minor">
-            <a:schemeClr val="lt1"/>
-          </a:fontRef>
-        </p:style>
-        <p:txBody>
-          <a:bodyPr rtlCol="0" anchor="ctr"/>
-          <a:lstStyle/>
-          <a:p>
-            <a:pPr algn="ctr"/>
-            <a:r>
-              <a:rPr lang="en-US" sz="1100" dirty="0">
-                <a:solidFill>
-                  <a:schemeClr val="tx2"/>
-                </a:solidFill>
-              </a:rPr>
-              <a:t>Conv2D</a:t>
-            </a:r>
-          </a:p>
-        </p:txBody>
-      </p:sp>
-      <p:sp>
-        <p:nvSpPr>
-          <p:cNvPr id="6" name="Rectangle 5">
-            <a:extLst>
-              <a:ext uri="{FF2B5EF4-FFF2-40B4-BE49-F238E27FC236}">
-                <a16:creationId xmlns:a16="http://schemas.microsoft.com/office/drawing/2014/main" id="{FC1D82EB-CD20-5897-18D5-8A27065156D8}"/>
-              </a:ext>
-            </a:extLst>
-          </p:cNvPr>
-          <p:cNvSpPr/>
-          <p:nvPr/>
-        </p:nvSpPr>
-        <p:spPr>
-          <a:xfrm>
-            <a:off x="4076700" y="3460740"/>
-            <a:ext cx="1915886" cy="859971"/>
-          </a:xfrm>
-          <a:prstGeom prst="rect">
-            <a:avLst/>
-          </a:prstGeom>
-          <a:solidFill>
-            <a:schemeClr val="accent1"/>
-          </a:solidFill>
-          <a:ln>
-            <a:noFill/>
-          </a:ln>
-        </p:spPr>
-        <p:style>
-          <a:lnRef idx="2">
-            <a:schemeClr val="accent1">
-              <a:shade val="50000"/>
-            </a:schemeClr>
-          </a:lnRef>
-          <a:fillRef idx="1">
-            <a:schemeClr val="accent1"/>
-          </a:fillRef>
-          <a:effectRef idx="0">
-            <a:schemeClr val="accent1"/>
-          </a:effectRef>
-          <a:fontRef idx="minor">
-            <a:schemeClr val="lt1"/>
-          </a:fontRef>
-        </p:style>
-        <p:txBody>
-          <a:bodyPr rtlCol="0" anchor="ctr"/>
-          <a:lstStyle/>
-          <a:p>
-            <a:pPr algn="ctr"/>
-            <a:r>
-              <a:rPr lang="en-US" sz="1100" dirty="0">
-                <a:solidFill>
-                  <a:schemeClr val="tx2"/>
-                </a:solidFill>
-              </a:rPr>
-              <a:t>MaxPooling2D</a:t>
-            </a:r>
-          </a:p>
-        </p:txBody>
-      </p:sp>
-      <p:sp>
-        <p:nvSpPr>
-          <p:cNvPr id="7" name="Rectangle 6">
-            <a:extLst>
-              <a:ext uri="{FF2B5EF4-FFF2-40B4-BE49-F238E27FC236}">
-                <a16:creationId xmlns:a16="http://schemas.microsoft.com/office/drawing/2014/main" id="{3DC64363-1509-3EBB-2BE6-F9EBDA5A1306}"/>
-              </a:ext>
-            </a:extLst>
-          </p:cNvPr>
-          <p:cNvSpPr/>
-          <p:nvPr/>
-        </p:nvSpPr>
-        <p:spPr>
-          <a:xfrm>
-            <a:off x="6634843" y="3460740"/>
-            <a:ext cx="1915886" cy="859971"/>
-          </a:xfrm>
-          <a:prstGeom prst="rect">
-            <a:avLst/>
-          </a:prstGeom>
-          <a:solidFill>
-            <a:schemeClr val="accent1"/>
-          </a:solidFill>
-          <a:ln>
-            <a:noFill/>
-          </a:ln>
-        </p:spPr>
-        <p:style>
-          <a:lnRef idx="2">
-            <a:schemeClr val="accent1">
-              <a:shade val="50000"/>
-            </a:schemeClr>
-          </a:lnRef>
-          <a:fillRef idx="1">
-            <a:schemeClr val="accent1"/>
-          </a:fillRef>
-          <a:effectRef idx="0">
-            <a:schemeClr val="accent1"/>
-          </a:effectRef>
-          <a:fontRef idx="minor">
-            <a:schemeClr val="lt1"/>
-          </a:fontRef>
-        </p:style>
-        <p:txBody>
-          <a:bodyPr rtlCol="0" anchor="ctr"/>
-          <a:lstStyle/>
-          <a:p>
-            <a:pPr algn="ctr"/>
-            <a:r>
-              <a:rPr lang="en-US" sz="1100" dirty="0">
-                <a:solidFill>
-                  <a:schemeClr val="tx2"/>
-                </a:solidFill>
-              </a:rPr>
-              <a:t>Flatten</a:t>
-            </a:r>
-          </a:p>
-        </p:txBody>
-      </p:sp>
-      <p:cxnSp>
-        <p:nvCxnSpPr>
-          <p:cNvPr id="11" name="Straight Arrow Connector 10">
-            <a:extLst>
-              <a:ext uri="{FF2B5EF4-FFF2-40B4-BE49-F238E27FC236}">
-                <a16:creationId xmlns:a16="http://schemas.microsoft.com/office/drawing/2014/main" id="{D0EA72E4-90AE-F6F3-DB5C-7D94C2034027}"/>
-              </a:ext>
-            </a:extLst>
-          </p:cNvPr>
-          <p:cNvCxnSpPr>
-            <a:endCxn id="6" idx="1"/>
-          </p:cNvCxnSpPr>
-          <p:nvPr/>
-        </p:nvCxnSpPr>
-        <p:spPr>
-          <a:xfrm>
-            <a:off x="3543300" y="3907055"/>
-            <a:ext cx="457200" cy="0"/>
-          </a:xfrm>
-          <a:prstGeom prst="straightConnector1">
-            <a:avLst/>
-          </a:prstGeom>
-          <a:ln>
-            <a:tailEnd type="triangle"/>
-          </a:ln>
-        </p:spPr>
-        <p:style>
-          <a:lnRef idx="1">
-            <a:schemeClr val="accent1"/>
-          </a:lnRef>
-          <a:fillRef idx="0">
-            <a:schemeClr val="accent1"/>
-          </a:fillRef>
-          <a:effectRef idx="0">
-            <a:schemeClr val="accent1"/>
-          </a:effectRef>
-          <a:fontRef idx="minor">
-            <a:schemeClr val="tx1"/>
-          </a:fontRef>
-        </p:style>
-      </p:cxnSp>
-      <p:cxnSp>
-        <p:nvCxnSpPr>
-          <p:cNvPr id="12" name="Straight Arrow Connector 11">
-            <a:extLst>
-              <a:ext uri="{FF2B5EF4-FFF2-40B4-BE49-F238E27FC236}">
-                <a16:creationId xmlns:a16="http://schemas.microsoft.com/office/drawing/2014/main" id="{1C672B68-C8CF-F486-86DF-D88FE7E0E38A}"/>
-              </a:ext>
-            </a:extLst>
-          </p:cNvPr>
-          <p:cNvCxnSpPr>
-            <a:cxnSpLocks/>
-          </p:cNvCxnSpPr>
-          <p:nvPr/>
-        </p:nvCxnSpPr>
-        <p:spPr>
-          <a:xfrm>
-            <a:off x="6068786" y="3907055"/>
-            <a:ext cx="457200" cy="0"/>
-          </a:xfrm>
-          <a:prstGeom prst="straightConnector1">
-            <a:avLst/>
-          </a:prstGeom>
-          <a:ln>
-            <a:tailEnd type="triangle"/>
-          </a:ln>
-        </p:spPr>
-        <p:style>
-          <a:lnRef idx="1">
-            <a:schemeClr val="accent1"/>
-          </a:lnRef>
-          <a:fillRef idx="0">
-            <a:schemeClr val="accent1"/>
-          </a:fillRef>
-          <a:effectRef idx="0">
-            <a:schemeClr val="accent1"/>
-          </a:effectRef>
-          <a:fontRef idx="minor">
-            <a:schemeClr val="tx1"/>
-          </a:fontRef>
-        </p:style>
-      </p:cxnSp>
-      <p:sp>
-        <p:nvSpPr>
-          <p:cNvPr id="14" name="Rectangle 13">
-            <a:extLst>
-              <a:ext uri="{FF2B5EF4-FFF2-40B4-BE49-F238E27FC236}">
-                <a16:creationId xmlns:a16="http://schemas.microsoft.com/office/drawing/2014/main" id="{6975DF29-E81C-36D6-3865-3BB3F039478C}"/>
-              </a:ext>
-            </a:extLst>
-          </p:cNvPr>
-          <p:cNvSpPr/>
-          <p:nvPr/>
-        </p:nvSpPr>
-        <p:spPr>
-          <a:xfrm>
-            <a:off x="9225643" y="3429000"/>
-            <a:ext cx="1915886" cy="859971"/>
-          </a:xfrm>
-          <a:prstGeom prst="rect">
-            <a:avLst/>
-          </a:prstGeom>
-          <a:solidFill>
-            <a:schemeClr val="accent1"/>
-          </a:solidFill>
-          <a:ln>
-            <a:noFill/>
-          </a:ln>
-        </p:spPr>
-        <p:style>
-          <a:lnRef idx="2">
-            <a:schemeClr val="accent1">
-              <a:shade val="50000"/>
-            </a:schemeClr>
-          </a:lnRef>
-          <a:fillRef idx="1">
-            <a:schemeClr val="accent1"/>
-          </a:fillRef>
-          <a:effectRef idx="0">
-            <a:schemeClr val="accent1"/>
-          </a:effectRef>
-          <a:fontRef idx="minor">
-            <a:schemeClr val="lt1"/>
-          </a:fontRef>
-        </p:style>
-        <p:txBody>
-          <a:bodyPr rtlCol="0" anchor="ctr"/>
-          <a:lstStyle/>
-          <a:p>
-            <a:pPr algn="ctr"/>
-            <a:r>
-              <a:rPr lang="en-US" sz="1100" dirty="0">
-                <a:solidFill>
-                  <a:schemeClr val="tx2"/>
-                </a:solidFill>
-              </a:rPr>
-              <a:t>Dense</a:t>
-            </a:r>
-          </a:p>
-        </p:txBody>
-      </p:sp>
-      <p:cxnSp>
-        <p:nvCxnSpPr>
-          <p:cNvPr id="15" name="Straight Arrow Connector 14">
-            <a:extLst>
-              <a:ext uri="{FF2B5EF4-FFF2-40B4-BE49-F238E27FC236}">
-                <a16:creationId xmlns:a16="http://schemas.microsoft.com/office/drawing/2014/main" id="{FF291A06-B72D-5382-14FC-CDDB97A91644}"/>
-              </a:ext>
-            </a:extLst>
-          </p:cNvPr>
-          <p:cNvCxnSpPr>
-            <a:cxnSpLocks/>
-          </p:cNvCxnSpPr>
-          <p:nvPr/>
-        </p:nvCxnSpPr>
-        <p:spPr>
-          <a:xfrm>
-            <a:off x="8659586" y="3875315"/>
-            <a:ext cx="457200" cy="0"/>
-          </a:xfrm>
-          <a:prstGeom prst="straightConnector1">
-            <a:avLst/>
-          </a:prstGeom>
-          <a:ln>
-            <a:tailEnd type="triangle"/>
-          </a:ln>
-        </p:spPr>
-        <p:style>
-          <a:lnRef idx="1">
-            <a:schemeClr val="accent1"/>
-          </a:lnRef>
-          <a:fillRef idx="0">
-            <a:schemeClr val="accent1"/>
-          </a:fillRef>
-          <a:effectRef idx="0">
-            <a:schemeClr val="accent1"/>
-          </a:effectRef>
-          <a:fontRef idx="minor">
-            <a:schemeClr val="tx1"/>
-          </a:fontRef>
-        </p:style>
-      </p:cxnSp>
-    </p:spTree>
-    <p:extLst>
-      <p:ext uri="{BB962C8B-B14F-4D97-AF65-F5344CB8AC3E}">
-        <p14:creationId xmlns:p14="http://schemas.microsoft.com/office/powerpoint/2010/main" val="1315846249"/>
-      </p:ext>
-    </p:extLst>
-  </p:cSld>
-  <p:clrMapOvr>
-    <a:masterClrMapping/>
-  </p:clrMapOvr>
-  <p:transition>
-    <p:fade/>
-  </p:transition>
-</p:sld>
-</file>
-
-<file path=ppt/slides/slide9.xml><?xml version="1.0" encoding="utf-8"?>
-<p:sld xmlns:a="http://schemas.openxmlformats.org/drawingml/2006/main" xmlns:r="http://schemas.openxmlformats.org/officeDocument/2006/relationships" xmlns:p="http://schemas.openxmlformats.org/presentationml/2006/main">
-  <p:cSld>
-    <p:spTree>
-      <p:nvGrpSpPr>
-        <p:cNvPr id="1" name="">
-          <a:extLst>
-            <a:ext uri="{FF2B5EF4-FFF2-40B4-BE49-F238E27FC236}">
-              <a16:creationId xmlns:a16="http://schemas.microsoft.com/office/drawing/2014/main" id="{17BF6FB3-4BEB-2204-5DAE-2EF1AEF5A527}"/>
-            </a:ext>
-          </a:extLst>
-        </p:cNvPr>
-        <p:cNvGrpSpPr/>
-        <p:nvPr/>
-      </p:nvGrpSpPr>
-      <p:grpSpPr>
-        <a:xfrm>
-          <a:off x="0" y="0"/>
-          <a:ext cx="0" cy="0"/>
-          <a:chOff x="0" y="0"/>
-          <a:chExt cx="0" cy="0"/>
-        </a:xfrm>
-      </p:grpSpPr>
-      <p:sp>
-        <p:nvSpPr>
-          <p:cNvPr id="9" name="Title 8">
-            <a:extLst>
-              <a:ext uri="{FF2B5EF4-FFF2-40B4-BE49-F238E27FC236}">
-                <a16:creationId xmlns:a16="http://schemas.microsoft.com/office/drawing/2014/main" id="{3DB31587-02D4-3CE4-54F6-CD332F9FE408}"/>
-              </a:ext>
-            </a:extLst>
-          </p:cNvPr>
-          <p:cNvSpPr>
-            <a:spLocks noGrp="1"/>
-          </p:cNvSpPr>
-          <p:nvPr>
-            <p:ph type="title"/>
-          </p:nvPr>
-        </p:nvSpPr>
-        <p:spPr/>
-        <p:txBody>
-          <a:bodyPr/>
-          <a:lstStyle/>
-          <a:p>
-            <a:r>
-              <a:rPr lang="en-US" dirty="0"/>
-              <a:t>Technology used </a:t>
-            </a:r>
-          </a:p>
-        </p:txBody>
-      </p:sp>
-      <p:sp>
-        <p:nvSpPr>
-          <p:cNvPr id="4" name="TextBox 3">
-            <a:extLst>
-              <a:ext uri="{FF2B5EF4-FFF2-40B4-BE49-F238E27FC236}">
-                <a16:creationId xmlns:a16="http://schemas.microsoft.com/office/drawing/2014/main" id="{04574F6C-A172-6DD1-BDA8-04275D6B75E5}"/>
-              </a:ext>
-            </a:extLst>
-          </p:cNvPr>
-          <p:cNvSpPr txBox="1"/>
-          <p:nvPr/>
-        </p:nvSpPr>
-        <p:spPr>
-          <a:xfrm>
-            <a:off x="1561514" y="1378634"/>
-            <a:ext cx="8736037" cy="3031588"/>
-          </a:xfrm>
-          <a:prstGeom prst="rect">
-            <a:avLst/>
-          </a:prstGeom>
-        </p:spPr>
-        <p:txBody>
-          <a:bodyPr vert="horz" wrap="square" lIns="91440" tIns="45720" rIns="91440" bIns="45720" rtlCol="0" anchor="t" anchorCtr="0">
-            <a:normAutofit/>
-          </a:bodyPr>
-          <a:lstStyle/>
-          <a:p>
-            <a:pPr algn="l"/>
-            <a:endParaRPr lang="en-US" sz="1100" dirty="0">
-              <a:solidFill>
-                <a:schemeClr val="bg2"/>
-              </a:solidFill>
-            </a:endParaRPr>
-          </a:p>
-        </p:txBody>
-      </p:sp>
-      <p:sp>
-        <p:nvSpPr>
-          <p:cNvPr id="8" name="TextBox 7">
-            <a:extLst>
-              <a:ext uri="{FF2B5EF4-FFF2-40B4-BE49-F238E27FC236}">
-                <a16:creationId xmlns:a16="http://schemas.microsoft.com/office/drawing/2014/main" id="{0213FDA5-093C-0439-B79D-A3AB173ABEF3}"/>
-              </a:ext>
-            </a:extLst>
-          </p:cNvPr>
-          <p:cNvSpPr txBox="1"/>
-          <p:nvPr/>
-        </p:nvSpPr>
-        <p:spPr>
-          <a:xfrm>
-            <a:off x="1329397" y="1329397"/>
-            <a:ext cx="8532055" cy="3080824"/>
-          </a:xfrm>
-          <a:prstGeom prst="rect">
-            <a:avLst/>
-          </a:prstGeom>
-        </p:spPr>
-        <p:txBody>
-          <a:bodyPr vert="horz" wrap="square" lIns="91440" tIns="45720" rIns="91440" bIns="45720" rtlCol="0" anchor="t" anchorCtr="0">
-            <a:normAutofit/>
-          </a:bodyPr>
-          <a:lstStyle/>
-          <a:p>
-            <a:pPr algn="l"/>
-            <a:endParaRPr lang="en-US" sz="1100" dirty="0">
-              <a:solidFill>
-                <a:schemeClr val="bg2"/>
-              </a:solidFill>
-            </a:endParaRPr>
-          </a:p>
-        </p:txBody>
-      </p:sp>
-      <p:sp>
-        <p:nvSpPr>
-          <p:cNvPr id="13" name="Content Placeholder 9">
-            <a:extLst>
-              <a:ext uri="{FF2B5EF4-FFF2-40B4-BE49-F238E27FC236}">
-                <a16:creationId xmlns:a16="http://schemas.microsoft.com/office/drawing/2014/main" id="{F325165A-3953-9F06-72F0-AB63595C66EF}"/>
-              </a:ext>
-            </a:extLst>
-          </p:cNvPr>
-          <p:cNvSpPr>
-            <a:spLocks noGrp="1"/>
-          </p:cNvSpPr>
-          <p:nvPr>
-            <p:ph idx="10"/>
-          </p:nvPr>
-        </p:nvSpPr>
-        <p:spPr>
-          <a:xfrm>
-            <a:off x="914400" y="1549432"/>
-            <a:ext cx="10363200" cy="3225766"/>
-          </a:xfrm>
-        </p:spPr>
-        <p:txBody>
-          <a:bodyPr>
-            <a:normAutofit/>
-          </a:bodyPr>
-          <a:lstStyle/>
-          <a:p>
-            <a:pPr>
-              <a:lnSpc>
-                <a:spcPct val="150000"/>
-              </a:lnSpc>
-            </a:pPr>
-            <a:r>
-              <a:rPr lang="en-US" sz="1400" dirty="0"/>
-              <a:t>Conv2D</a:t>
-            </a:r>
-          </a:p>
-          <a:p>
-            <a:pPr>
-              <a:lnSpc>
-                <a:spcPct val="150000"/>
-              </a:lnSpc>
-            </a:pPr>
-            <a:r>
-              <a:rPr lang="en-US" sz="1400" dirty="0"/>
-              <a:t>Core building block of CNN</a:t>
-            </a:r>
-          </a:p>
-          <a:p>
-            <a:pPr>
-              <a:lnSpc>
-                <a:spcPct val="150000"/>
-              </a:lnSpc>
-            </a:pPr>
-            <a:r>
-              <a:rPr lang="en-US" sz="1400" dirty="0"/>
-              <a:t>Extracts special features of images (textures, edges, shapes)</a:t>
-            </a:r>
-          </a:p>
-          <a:p>
-            <a:pPr>
-              <a:lnSpc>
-                <a:spcPct val="150000"/>
-              </a:lnSpc>
-            </a:pPr>
-            <a:r>
-              <a:rPr lang="en-US" sz="1400" dirty="0"/>
-              <a:t>Filter moves across image and detect patterns</a:t>
-            </a:r>
-          </a:p>
-          <a:p>
-            <a:pPr>
-              <a:lnSpc>
-                <a:spcPct val="150000"/>
-              </a:lnSpc>
-            </a:pPr>
-            <a:r>
-              <a:rPr lang="en-US" sz="1400" dirty="0"/>
-              <a:t>Generates a </a:t>
-            </a:r>
-            <a:r>
-              <a:rPr lang="en-US" sz="1400" b="1" dirty="0"/>
-              <a:t>Feature Map</a:t>
-            </a:r>
-          </a:p>
-          <a:p>
-            <a:pPr>
-              <a:lnSpc>
-                <a:spcPct val="150000"/>
-              </a:lnSpc>
-            </a:pPr>
-            <a:endParaRPr lang="en-US" sz="1400" dirty="0"/>
-          </a:p>
-          <a:p>
-            <a:pPr>
-              <a:lnSpc>
-                <a:spcPct val="150000"/>
-              </a:lnSpc>
-            </a:pPr>
-            <a:endParaRPr lang="en-US" sz="1400" dirty="0"/>
-          </a:p>
-          <a:p>
-            <a:pPr>
-              <a:lnSpc>
-                <a:spcPct val="150000"/>
-              </a:lnSpc>
-            </a:pPr>
-            <a:endParaRPr lang="en-US" sz="1400" dirty="0"/>
-          </a:p>
-          <a:p>
-            <a:pPr>
-              <a:lnSpc>
-                <a:spcPct val="150000"/>
-              </a:lnSpc>
-            </a:pPr>
-            <a:endParaRPr lang="en-US" sz="1400" dirty="0"/>
-          </a:p>
-          <a:p>
-            <a:pPr>
-              <a:lnSpc>
-                <a:spcPct val="150000"/>
-              </a:lnSpc>
-            </a:pPr>
-            <a:endParaRPr lang="en-US" sz="1400" dirty="0"/>
-          </a:p>
-        </p:txBody>
-      </p:sp>
-      <p:pic>
-        <p:nvPicPr>
-          <p:cNvPr id="1028" name="Picture 4" descr="What are Convolutional Neural Networks? | IBM">
-            <a:extLst>
-              <a:ext uri="{FF2B5EF4-FFF2-40B4-BE49-F238E27FC236}">
-                <a16:creationId xmlns:a16="http://schemas.microsoft.com/office/drawing/2014/main" id="{C828E359-DD03-AE11-B2E1-EA86E81E94FD}"/>
-              </a:ext>
-            </a:extLst>
-          </p:cNvPr>
-          <p:cNvPicPr>
-            <a:picLocks noChangeAspect="1" noChangeArrowheads="1"/>
-          </p:cNvPicPr>
-          <p:nvPr/>
         </p:nvPicPr>
         <p:blipFill>
-          <a:blip r:embed="rId3">
-            <a:extLst>
-              <a:ext uri="{28A0092B-C50C-407E-A947-70E740481C1C}">
-                <a14:useLocalDpi xmlns:a14="http://schemas.microsoft.com/office/drawing/2010/main" val="0"/>
-              </a:ext>
-            </a:extLst>
-          </a:blip>
-          <a:srcRect/>
+          <a:blip r:embed="rId2"/>
           <a:stretch>
             <a:fillRect/>
           </a:stretch>
         </p:blipFill>
-        <p:spPr bwMode="auto">
-          <a:xfrm>
-            <a:off x="8333894" y="136642"/>
-            <a:ext cx="3785297" cy="2132610"/>
-          </a:xfrm>
-          <a:prstGeom prst="rect">
-            <a:avLst/>
-          </a:prstGeom>
-          <a:noFill/>
-          <a:extLst>
-            <a:ext uri="{909E8E84-426E-40DD-AFC4-6F175D3DCCD1}">
-              <a14:hiddenFill xmlns:a14="http://schemas.microsoft.com/office/drawing/2010/main">
-                <a:solidFill>
-                  <a:srgbClr val="FFFFFF"/>
-                </a:solidFill>
-              </a14:hiddenFill>
-            </a:ext>
-          </a:extLst>
+        <p:spPr>
+          <a:xfrm>
+            <a:off x="2983466" y="1541843"/>
+            <a:ext cx="5469365" cy="4419600"/>
+          </a:xfrm>
         </p:spPr>
       </p:pic>
-      <p:sp>
-        <p:nvSpPr>
-          <p:cNvPr id="16" name="Rectangle 15">
-            <a:extLst>
-              <a:ext uri="{FF2B5EF4-FFF2-40B4-BE49-F238E27FC236}">
-                <a16:creationId xmlns:a16="http://schemas.microsoft.com/office/drawing/2014/main" id="{6E19277E-7FBC-0ED1-BF06-F5C986347B19}"/>
-              </a:ext>
-            </a:extLst>
-          </p:cNvPr>
-          <p:cNvSpPr/>
-          <p:nvPr/>
-        </p:nvSpPr>
-        <p:spPr>
-          <a:xfrm>
-            <a:off x="1561514" y="4775198"/>
-            <a:ext cx="1915886" cy="859971"/>
-          </a:xfrm>
-          <a:prstGeom prst="rect">
-            <a:avLst/>
-          </a:prstGeom>
-          <a:solidFill>
-            <a:schemeClr val="accent3"/>
-          </a:solidFill>
-          <a:ln>
-            <a:noFill/>
-          </a:ln>
-        </p:spPr>
-        <p:style>
-          <a:lnRef idx="2">
-            <a:schemeClr val="accent1">
-              <a:shade val="50000"/>
-            </a:schemeClr>
-          </a:lnRef>
-          <a:fillRef idx="1">
-            <a:schemeClr val="accent1"/>
-          </a:fillRef>
-          <a:effectRef idx="0">
-            <a:schemeClr val="accent1"/>
-          </a:effectRef>
-          <a:fontRef idx="minor">
-            <a:schemeClr val="lt1"/>
-          </a:fontRef>
-        </p:style>
-        <p:txBody>
-          <a:bodyPr rtlCol="0" anchor="ctr"/>
-          <a:lstStyle/>
-          <a:p>
-            <a:pPr algn="ctr"/>
-            <a:r>
-              <a:rPr lang="en-US" sz="1100" dirty="0">
-                <a:solidFill>
-                  <a:schemeClr val="tx2"/>
-                </a:solidFill>
-              </a:rPr>
-              <a:t>Conv2D</a:t>
-            </a:r>
-          </a:p>
-        </p:txBody>
-      </p:sp>
-      <p:sp>
-        <p:nvSpPr>
-          <p:cNvPr id="17" name="Rectangle 16">
-            <a:extLst>
-              <a:ext uri="{FF2B5EF4-FFF2-40B4-BE49-F238E27FC236}">
-                <a16:creationId xmlns:a16="http://schemas.microsoft.com/office/drawing/2014/main" id="{824D7ADF-34F1-8C61-8728-6AFDBA9AAC27}"/>
-              </a:ext>
-            </a:extLst>
-          </p:cNvPr>
-          <p:cNvSpPr/>
-          <p:nvPr/>
-        </p:nvSpPr>
-        <p:spPr>
-          <a:xfrm>
-            <a:off x="4119657" y="4775198"/>
-            <a:ext cx="1915886" cy="859971"/>
-          </a:xfrm>
-          <a:prstGeom prst="rect">
-            <a:avLst/>
-          </a:prstGeom>
-          <a:solidFill>
-            <a:schemeClr val="accent1"/>
-          </a:solidFill>
-          <a:ln>
-            <a:noFill/>
-          </a:ln>
-        </p:spPr>
-        <p:style>
-          <a:lnRef idx="2">
-            <a:schemeClr val="accent1">
-              <a:shade val="50000"/>
-            </a:schemeClr>
-          </a:lnRef>
-          <a:fillRef idx="1">
-            <a:schemeClr val="accent1"/>
-          </a:fillRef>
-          <a:effectRef idx="0">
-            <a:schemeClr val="accent1"/>
-          </a:effectRef>
-          <a:fontRef idx="minor">
-            <a:schemeClr val="lt1"/>
-          </a:fontRef>
-        </p:style>
-        <p:txBody>
-          <a:bodyPr rtlCol="0" anchor="ctr"/>
-          <a:lstStyle/>
-          <a:p>
-            <a:pPr algn="ctr"/>
-            <a:r>
-              <a:rPr lang="en-US" sz="1100" dirty="0">
-                <a:solidFill>
-                  <a:schemeClr val="tx2"/>
-                </a:solidFill>
-              </a:rPr>
-              <a:t>MaxPooling2D</a:t>
-            </a:r>
-          </a:p>
-        </p:txBody>
-      </p:sp>
-      <p:sp>
-        <p:nvSpPr>
-          <p:cNvPr id="18" name="Rectangle 17">
-            <a:extLst>
-              <a:ext uri="{FF2B5EF4-FFF2-40B4-BE49-F238E27FC236}">
-                <a16:creationId xmlns:a16="http://schemas.microsoft.com/office/drawing/2014/main" id="{CAE45FFF-7FDC-52AD-78E4-7D9A90291395}"/>
-              </a:ext>
-            </a:extLst>
-          </p:cNvPr>
-          <p:cNvSpPr/>
-          <p:nvPr/>
-        </p:nvSpPr>
-        <p:spPr>
-          <a:xfrm>
-            <a:off x="6677800" y="4775198"/>
-            <a:ext cx="1915886" cy="859971"/>
-          </a:xfrm>
-          <a:prstGeom prst="rect">
-            <a:avLst/>
-          </a:prstGeom>
-          <a:solidFill>
-            <a:schemeClr val="accent1"/>
-          </a:solidFill>
-          <a:ln>
-            <a:noFill/>
-          </a:ln>
-        </p:spPr>
-        <p:style>
-          <a:lnRef idx="2">
-            <a:schemeClr val="accent1">
-              <a:shade val="50000"/>
-            </a:schemeClr>
-          </a:lnRef>
-          <a:fillRef idx="1">
-            <a:schemeClr val="accent1"/>
-          </a:fillRef>
-          <a:effectRef idx="0">
-            <a:schemeClr val="accent1"/>
-          </a:effectRef>
-          <a:fontRef idx="minor">
-            <a:schemeClr val="lt1"/>
-          </a:fontRef>
-        </p:style>
-        <p:txBody>
-          <a:bodyPr rtlCol="0" anchor="ctr"/>
-          <a:lstStyle/>
-          <a:p>
-            <a:pPr algn="ctr"/>
-            <a:r>
-              <a:rPr lang="en-US" sz="1100" dirty="0">
-                <a:solidFill>
-                  <a:schemeClr val="tx2"/>
-                </a:solidFill>
-              </a:rPr>
-              <a:t>Flatten</a:t>
-            </a:r>
-          </a:p>
-        </p:txBody>
-      </p:sp>
-      <p:cxnSp>
-        <p:nvCxnSpPr>
-          <p:cNvPr id="19" name="Straight Arrow Connector 18">
-            <a:extLst>
-              <a:ext uri="{FF2B5EF4-FFF2-40B4-BE49-F238E27FC236}">
-                <a16:creationId xmlns:a16="http://schemas.microsoft.com/office/drawing/2014/main" id="{28A17739-2DE8-E233-DBBD-B751EEEA7263}"/>
-              </a:ext>
-            </a:extLst>
-          </p:cNvPr>
-          <p:cNvCxnSpPr>
-            <a:endCxn id="17" idx="1"/>
-          </p:cNvCxnSpPr>
-          <p:nvPr/>
-        </p:nvCxnSpPr>
-        <p:spPr>
-          <a:xfrm>
-            <a:off x="3586257" y="5221513"/>
-            <a:ext cx="457200" cy="0"/>
-          </a:xfrm>
-          <a:prstGeom prst="straightConnector1">
-            <a:avLst/>
-          </a:prstGeom>
-          <a:ln>
-            <a:tailEnd type="triangle"/>
-          </a:ln>
-        </p:spPr>
-        <p:style>
-          <a:lnRef idx="1">
-            <a:schemeClr val="accent1"/>
-          </a:lnRef>
-          <a:fillRef idx="0">
-            <a:schemeClr val="accent1"/>
-          </a:fillRef>
-          <a:effectRef idx="0">
-            <a:schemeClr val="accent1"/>
-          </a:effectRef>
-          <a:fontRef idx="minor">
-            <a:schemeClr val="tx1"/>
-          </a:fontRef>
-        </p:style>
-      </p:cxnSp>
-      <p:cxnSp>
-        <p:nvCxnSpPr>
-          <p:cNvPr id="20" name="Straight Arrow Connector 19">
-            <a:extLst>
-              <a:ext uri="{FF2B5EF4-FFF2-40B4-BE49-F238E27FC236}">
-                <a16:creationId xmlns:a16="http://schemas.microsoft.com/office/drawing/2014/main" id="{47DE2B19-D0A2-C2C5-39D0-FA46A556F0F1}"/>
-              </a:ext>
-            </a:extLst>
-          </p:cNvPr>
-          <p:cNvCxnSpPr>
-            <a:cxnSpLocks/>
-          </p:cNvCxnSpPr>
-          <p:nvPr/>
-        </p:nvCxnSpPr>
-        <p:spPr>
-          <a:xfrm>
-            <a:off x="6111743" y="5221513"/>
-            <a:ext cx="457200" cy="0"/>
-          </a:xfrm>
-          <a:prstGeom prst="straightConnector1">
-            <a:avLst/>
-          </a:prstGeom>
-          <a:ln>
-            <a:tailEnd type="triangle"/>
-          </a:ln>
-        </p:spPr>
-        <p:style>
-          <a:lnRef idx="1">
-            <a:schemeClr val="accent1"/>
-          </a:lnRef>
-          <a:fillRef idx="0">
-            <a:schemeClr val="accent1"/>
-          </a:fillRef>
-          <a:effectRef idx="0">
-            <a:schemeClr val="accent1"/>
-          </a:effectRef>
-          <a:fontRef idx="minor">
-            <a:schemeClr val="tx1"/>
-          </a:fontRef>
-        </p:style>
-      </p:cxnSp>
-      <p:sp>
-        <p:nvSpPr>
-          <p:cNvPr id="21" name="Rectangle 20">
-            <a:extLst>
-              <a:ext uri="{FF2B5EF4-FFF2-40B4-BE49-F238E27FC236}">
-                <a16:creationId xmlns:a16="http://schemas.microsoft.com/office/drawing/2014/main" id="{4DE1A0C1-2BBB-544E-90D7-88CB25243EC6}"/>
-              </a:ext>
-            </a:extLst>
-          </p:cNvPr>
-          <p:cNvSpPr/>
-          <p:nvPr/>
-        </p:nvSpPr>
-        <p:spPr>
-          <a:xfrm>
-            <a:off x="9268600" y="4743458"/>
-            <a:ext cx="1915886" cy="859971"/>
-          </a:xfrm>
-          <a:prstGeom prst="rect">
-            <a:avLst/>
-          </a:prstGeom>
-          <a:solidFill>
-            <a:schemeClr val="accent1"/>
-          </a:solidFill>
-          <a:ln>
-            <a:noFill/>
-          </a:ln>
-        </p:spPr>
-        <p:style>
-          <a:lnRef idx="2">
-            <a:schemeClr val="accent1">
-              <a:shade val="50000"/>
-            </a:schemeClr>
-          </a:lnRef>
-          <a:fillRef idx="1">
-            <a:schemeClr val="accent1"/>
-          </a:fillRef>
-          <a:effectRef idx="0">
-            <a:schemeClr val="accent1"/>
-          </a:effectRef>
-          <a:fontRef idx="minor">
-            <a:schemeClr val="lt1"/>
-          </a:fontRef>
-        </p:style>
-        <p:txBody>
-          <a:bodyPr rtlCol="0" anchor="ctr"/>
-          <a:lstStyle/>
-          <a:p>
-            <a:pPr algn="ctr"/>
-            <a:r>
-              <a:rPr lang="en-US" sz="1100" dirty="0">
-                <a:solidFill>
-                  <a:schemeClr val="tx2"/>
-                </a:solidFill>
-              </a:rPr>
-              <a:t>Dense</a:t>
-            </a:r>
-          </a:p>
-        </p:txBody>
-      </p:sp>
-      <p:cxnSp>
-        <p:nvCxnSpPr>
-          <p:cNvPr id="22" name="Straight Arrow Connector 21">
-            <a:extLst>
-              <a:ext uri="{FF2B5EF4-FFF2-40B4-BE49-F238E27FC236}">
-                <a16:creationId xmlns:a16="http://schemas.microsoft.com/office/drawing/2014/main" id="{1CAEEFBD-D23D-A2D6-E51E-1B94705A3242}"/>
-              </a:ext>
-            </a:extLst>
-          </p:cNvPr>
-          <p:cNvCxnSpPr>
-            <a:cxnSpLocks/>
-          </p:cNvCxnSpPr>
-          <p:nvPr/>
-        </p:nvCxnSpPr>
-        <p:spPr>
-          <a:xfrm>
-            <a:off x="8702543" y="5189773"/>
-            <a:ext cx="457200" cy="0"/>
-          </a:xfrm>
-          <a:prstGeom prst="straightConnector1">
-            <a:avLst/>
-          </a:prstGeom>
-          <a:ln>
-            <a:tailEnd type="triangle"/>
-          </a:ln>
-        </p:spPr>
-        <p:style>
-          <a:lnRef idx="1">
-            <a:schemeClr val="accent1"/>
-          </a:lnRef>
-          <a:fillRef idx="0">
-            <a:schemeClr val="accent1"/>
-          </a:fillRef>
-          <a:effectRef idx="0">
-            <a:schemeClr val="accent1"/>
-          </a:effectRef>
-          <a:fontRef idx="minor">
-            <a:schemeClr val="tx1"/>
-          </a:fontRef>
-        </p:style>
-      </p:cxnSp>
     </p:spTree>
     <p:extLst>
       <p:ext uri="{BB962C8B-B14F-4D97-AF65-F5344CB8AC3E}">
-        <p14:creationId xmlns:p14="http://schemas.microsoft.com/office/powerpoint/2010/main" val="845801550"/>
+        <p14:creationId xmlns:p14="http://schemas.microsoft.com/office/powerpoint/2010/main" val="4101050587"/>
       </p:ext>
     </p:extLst>
   </p:cSld>
